--- a/presentation.pptx
+++ b/presentation.pptx
@@ -27,6 +27,8 @@
     <p:sldId id="271" r:id="rId22"/>
     <p:sldId id="272" r:id="rId23"/>
     <p:sldId id="273" r:id="rId24"/>
+    <p:sldId id="274" r:id="rId25"/>
+    <p:sldId id="275" r:id="rId26"/>
   </p:sldIdLst>
   <p:sldSz cx="10080625" cy="5670550"/>
   <p:notesSz cx="7772400" cy="10058400"/>
@@ -84,8 +86,8 @@
         </p:nvSpPr>
         <p:spPr>
           <a:xfrm>
-            <a:off x="2376000" y="216000"/>
-            <a:ext cx="5328000" cy="720000"/>
+            <a:off x="504000" y="225720"/>
+            <a:ext cx="4039560" cy="946800"/>
           </a:xfrm>
           <a:prstGeom prst="rect">
             <a:avLst/>
@@ -93,15 +95,15 @@
         </p:spPr>
         <p:txBody>
           <a:bodyPr lIns="0" rIns="0" tIns="0" bIns="0" anchor="ctr">
-            <a:normAutofit/>
+            <a:noAutofit/>
           </a:bodyPr>
           <a:p>
             <a:pPr algn="ctr"/>
-            <a:endParaRPr b="0" lang="en-US" sz="3110" spc="-1" strike="noStrike">
-              <a:solidFill>
-                <a:srgbClr val="ffffff"/>
-              </a:solidFill>
-              <a:latin typeface="Arial"/>
+            <a:endParaRPr b="0" lang="en-US" sz="1860" spc="-1" strike="noStrike">
+              <a:solidFill>
+                <a:srgbClr val="ffffff"/>
+              </a:solidFill>
+              <a:latin typeface="DejaVu Sans"/>
             </a:endParaRPr>
           </a:p>
         </p:txBody>
@@ -130,11 +132,16 @@
             <a:normAutofit/>
           </a:bodyPr>
           <a:p>
-            <a:endParaRPr b="0" lang="en-US" sz="2400" spc="-1" strike="noStrike">
-              <a:solidFill>
-                <a:srgbClr val="ffffff"/>
-              </a:solidFill>
-              <a:latin typeface="Arial"/>
+            <a:pPr algn="ctr">
+              <a:spcAft>
+                <a:spcPts val="592"/>
+              </a:spcAft>
+            </a:pPr>
+            <a:endParaRPr b="0" lang="en-US" sz="1350" spc="-1" strike="noStrike">
+              <a:solidFill>
+                <a:srgbClr val="666666"/>
+              </a:solidFill>
+              <a:latin typeface="DejaVu Sans"/>
             </a:endParaRPr>
           </a:p>
         </p:txBody>
@@ -163,11 +170,16 @@
             <a:normAutofit/>
           </a:bodyPr>
           <a:p>
-            <a:endParaRPr b="0" lang="en-US" sz="2400" spc="-1" strike="noStrike">
-              <a:solidFill>
-                <a:srgbClr val="ffffff"/>
-              </a:solidFill>
-              <a:latin typeface="Arial"/>
+            <a:pPr algn="ctr">
+              <a:spcAft>
+                <a:spcPts val="592"/>
+              </a:spcAft>
+            </a:pPr>
+            <a:endParaRPr b="0" lang="en-US" sz="1350" spc="-1" strike="noStrike">
+              <a:solidFill>
+                <a:srgbClr val="666666"/>
+              </a:solidFill>
+              <a:latin typeface="DejaVu Sans"/>
             </a:endParaRPr>
           </a:p>
         </p:txBody>
@@ -206,8 +218,8 @@
         </p:nvSpPr>
         <p:spPr>
           <a:xfrm>
-            <a:off x="2376000" y="216000"/>
-            <a:ext cx="5328000" cy="720000"/>
+            <a:off x="504000" y="225720"/>
+            <a:ext cx="4039560" cy="946800"/>
           </a:xfrm>
           <a:prstGeom prst="rect">
             <a:avLst/>
@@ -215,15 +227,15 @@
         </p:spPr>
         <p:txBody>
           <a:bodyPr lIns="0" rIns="0" tIns="0" bIns="0" anchor="ctr">
-            <a:normAutofit/>
+            <a:noAutofit/>
           </a:bodyPr>
           <a:p>
             <a:pPr algn="ctr"/>
-            <a:endParaRPr b="0" lang="en-US" sz="3110" spc="-1" strike="noStrike">
-              <a:solidFill>
-                <a:srgbClr val="ffffff"/>
-              </a:solidFill>
-              <a:latin typeface="Arial"/>
+            <a:endParaRPr b="0" lang="en-US" sz="1860" spc="-1" strike="noStrike">
+              <a:solidFill>
+                <a:srgbClr val="ffffff"/>
+              </a:solidFill>
+              <a:latin typeface="DejaVu Sans"/>
             </a:endParaRPr>
           </a:p>
         </p:txBody>
@@ -252,11 +264,16 @@
             <a:normAutofit/>
           </a:bodyPr>
           <a:p>
-            <a:endParaRPr b="0" lang="en-US" sz="2400" spc="-1" strike="noStrike">
-              <a:solidFill>
-                <a:srgbClr val="ffffff"/>
-              </a:solidFill>
-              <a:latin typeface="Arial"/>
+            <a:pPr algn="ctr">
+              <a:spcAft>
+                <a:spcPts val="592"/>
+              </a:spcAft>
+            </a:pPr>
+            <a:endParaRPr b="0" lang="en-US" sz="1350" spc="-1" strike="noStrike">
+              <a:solidFill>
+                <a:srgbClr val="666666"/>
+              </a:solidFill>
+              <a:latin typeface="DejaVu Sans"/>
             </a:endParaRPr>
           </a:p>
         </p:txBody>
@@ -285,11 +302,16 @@
             <a:normAutofit/>
           </a:bodyPr>
           <a:p>
-            <a:endParaRPr b="0" lang="en-US" sz="2400" spc="-1" strike="noStrike">
-              <a:solidFill>
-                <a:srgbClr val="ffffff"/>
-              </a:solidFill>
-              <a:latin typeface="Arial"/>
+            <a:pPr algn="ctr">
+              <a:spcAft>
+                <a:spcPts val="592"/>
+              </a:spcAft>
+            </a:pPr>
+            <a:endParaRPr b="0" lang="en-US" sz="1350" spc="-1" strike="noStrike">
+              <a:solidFill>
+                <a:srgbClr val="666666"/>
+              </a:solidFill>
+              <a:latin typeface="DejaVu Sans"/>
             </a:endParaRPr>
           </a:p>
         </p:txBody>
@@ -318,11 +340,16 @@
             <a:normAutofit/>
           </a:bodyPr>
           <a:p>
-            <a:endParaRPr b="0" lang="en-US" sz="2400" spc="-1" strike="noStrike">
-              <a:solidFill>
-                <a:srgbClr val="ffffff"/>
-              </a:solidFill>
-              <a:latin typeface="Arial"/>
+            <a:pPr algn="ctr">
+              <a:spcAft>
+                <a:spcPts val="592"/>
+              </a:spcAft>
+            </a:pPr>
+            <a:endParaRPr b="0" lang="en-US" sz="1350" spc="-1" strike="noStrike">
+              <a:solidFill>
+                <a:srgbClr val="666666"/>
+              </a:solidFill>
+              <a:latin typeface="DejaVu Sans"/>
             </a:endParaRPr>
           </a:p>
         </p:txBody>
@@ -351,11 +378,16 @@
             <a:normAutofit/>
           </a:bodyPr>
           <a:p>
-            <a:endParaRPr b="0" lang="en-US" sz="2400" spc="-1" strike="noStrike">
-              <a:solidFill>
-                <a:srgbClr val="ffffff"/>
-              </a:solidFill>
-              <a:latin typeface="Arial"/>
+            <a:pPr algn="ctr">
+              <a:spcAft>
+                <a:spcPts val="592"/>
+              </a:spcAft>
+            </a:pPr>
+            <a:endParaRPr b="0" lang="en-US" sz="1350" spc="-1" strike="noStrike">
+              <a:solidFill>
+                <a:srgbClr val="666666"/>
+              </a:solidFill>
+              <a:latin typeface="DejaVu Sans"/>
             </a:endParaRPr>
           </a:p>
         </p:txBody>
@@ -394,8 +426,8 @@
         </p:nvSpPr>
         <p:spPr>
           <a:xfrm>
-            <a:off x="2376000" y="216000"/>
-            <a:ext cx="5328000" cy="720000"/>
+            <a:off x="504000" y="225720"/>
+            <a:ext cx="4039560" cy="946800"/>
           </a:xfrm>
           <a:prstGeom prst="rect">
             <a:avLst/>
@@ -403,15 +435,15 @@
         </p:spPr>
         <p:txBody>
           <a:bodyPr lIns="0" rIns="0" tIns="0" bIns="0" anchor="ctr">
-            <a:normAutofit/>
+            <a:noAutofit/>
           </a:bodyPr>
           <a:p>
             <a:pPr algn="ctr"/>
-            <a:endParaRPr b="0" lang="en-US" sz="3110" spc="-1" strike="noStrike">
-              <a:solidFill>
-                <a:srgbClr val="ffffff"/>
-              </a:solidFill>
-              <a:latin typeface="Arial"/>
+            <a:endParaRPr b="0" lang="en-US" sz="1860" spc="-1" strike="noStrike">
+              <a:solidFill>
+                <a:srgbClr val="ffffff"/>
+              </a:solidFill>
+              <a:latin typeface="DejaVu Sans"/>
             </a:endParaRPr>
           </a:p>
         </p:txBody>
@@ -440,11 +472,16 @@
             <a:normAutofit/>
           </a:bodyPr>
           <a:p>
-            <a:endParaRPr b="0" lang="en-US" sz="2400" spc="-1" strike="noStrike">
-              <a:solidFill>
-                <a:srgbClr val="ffffff"/>
-              </a:solidFill>
-              <a:latin typeface="Arial"/>
+            <a:pPr algn="ctr">
+              <a:spcAft>
+                <a:spcPts val="592"/>
+              </a:spcAft>
+            </a:pPr>
+            <a:endParaRPr b="0" lang="en-US" sz="1350" spc="-1" strike="noStrike">
+              <a:solidFill>
+                <a:srgbClr val="666666"/>
+              </a:solidFill>
+              <a:latin typeface="DejaVu Sans"/>
             </a:endParaRPr>
           </a:p>
         </p:txBody>
@@ -473,11 +510,16 @@
             <a:normAutofit/>
           </a:bodyPr>
           <a:p>
-            <a:endParaRPr b="0" lang="en-US" sz="2400" spc="-1" strike="noStrike">
-              <a:solidFill>
-                <a:srgbClr val="ffffff"/>
-              </a:solidFill>
-              <a:latin typeface="Arial"/>
+            <a:pPr algn="ctr">
+              <a:spcAft>
+                <a:spcPts val="592"/>
+              </a:spcAft>
+            </a:pPr>
+            <a:endParaRPr b="0" lang="en-US" sz="1350" spc="-1" strike="noStrike">
+              <a:solidFill>
+                <a:srgbClr val="666666"/>
+              </a:solidFill>
+              <a:latin typeface="DejaVu Sans"/>
             </a:endParaRPr>
           </a:p>
         </p:txBody>
@@ -506,11 +548,16 @@
             <a:normAutofit/>
           </a:bodyPr>
           <a:p>
-            <a:endParaRPr b="0" lang="en-US" sz="2400" spc="-1" strike="noStrike">
-              <a:solidFill>
-                <a:srgbClr val="ffffff"/>
-              </a:solidFill>
-              <a:latin typeface="Arial"/>
+            <a:pPr algn="ctr">
+              <a:spcAft>
+                <a:spcPts val="592"/>
+              </a:spcAft>
+            </a:pPr>
+            <a:endParaRPr b="0" lang="en-US" sz="1350" spc="-1" strike="noStrike">
+              <a:solidFill>
+                <a:srgbClr val="666666"/>
+              </a:solidFill>
+              <a:latin typeface="DejaVu Sans"/>
             </a:endParaRPr>
           </a:p>
         </p:txBody>
@@ -539,11 +586,16 @@
             <a:normAutofit/>
           </a:bodyPr>
           <a:p>
-            <a:endParaRPr b="0" lang="en-US" sz="2400" spc="-1" strike="noStrike">
-              <a:solidFill>
-                <a:srgbClr val="ffffff"/>
-              </a:solidFill>
-              <a:latin typeface="Arial"/>
+            <a:pPr algn="ctr">
+              <a:spcAft>
+                <a:spcPts val="592"/>
+              </a:spcAft>
+            </a:pPr>
+            <a:endParaRPr b="0" lang="en-US" sz="1350" spc="-1" strike="noStrike">
+              <a:solidFill>
+                <a:srgbClr val="666666"/>
+              </a:solidFill>
+              <a:latin typeface="DejaVu Sans"/>
             </a:endParaRPr>
           </a:p>
         </p:txBody>
@@ -572,11 +624,16 @@
             <a:normAutofit/>
           </a:bodyPr>
           <a:p>
-            <a:endParaRPr b="0" lang="en-US" sz="2400" spc="-1" strike="noStrike">
-              <a:solidFill>
-                <a:srgbClr val="ffffff"/>
-              </a:solidFill>
-              <a:latin typeface="Arial"/>
+            <a:pPr algn="ctr">
+              <a:spcAft>
+                <a:spcPts val="592"/>
+              </a:spcAft>
+            </a:pPr>
+            <a:endParaRPr b="0" lang="en-US" sz="1350" spc="-1" strike="noStrike">
+              <a:solidFill>
+                <a:srgbClr val="666666"/>
+              </a:solidFill>
+              <a:latin typeface="DejaVu Sans"/>
             </a:endParaRPr>
           </a:p>
         </p:txBody>
@@ -605,11 +662,16 @@
             <a:normAutofit/>
           </a:bodyPr>
           <a:p>
-            <a:endParaRPr b="0" lang="en-US" sz="2400" spc="-1" strike="noStrike">
-              <a:solidFill>
-                <a:srgbClr val="ffffff"/>
-              </a:solidFill>
-              <a:latin typeface="Arial"/>
+            <a:pPr algn="ctr">
+              <a:spcAft>
+                <a:spcPts val="592"/>
+              </a:spcAft>
+            </a:pPr>
+            <a:endParaRPr b="0" lang="en-US" sz="1350" spc="-1" strike="noStrike">
+              <a:solidFill>
+                <a:srgbClr val="666666"/>
+              </a:solidFill>
+              <a:latin typeface="DejaVu Sans"/>
             </a:endParaRPr>
           </a:p>
         </p:txBody>
@@ -670,8 +732,8 @@
         </p:nvSpPr>
         <p:spPr>
           <a:xfrm>
-            <a:off x="2376000" y="216000"/>
-            <a:ext cx="5328000" cy="720000"/>
+            <a:off x="504000" y="225720"/>
+            <a:ext cx="4039560" cy="946800"/>
           </a:xfrm>
           <a:prstGeom prst="rect">
             <a:avLst/>
@@ -679,15 +741,15 @@
         </p:spPr>
         <p:txBody>
           <a:bodyPr lIns="0" rIns="0" tIns="0" bIns="0" anchor="ctr">
-            <a:normAutofit/>
+            <a:noAutofit/>
           </a:bodyPr>
           <a:p>
             <a:pPr algn="ctr"/>
-            <a:endParaRPr b="0" lang="en-US" sz="3110" spc="-1" strike="noStrike">
-              <a:solidFill>
-                <a:srgbClr val="ffffff"/>
-              </a:solidFill>
-              <a:latin typeface="Arial"/>
+            <a:endParaRPr b="0" lang="en-US" sz="1860" spc="-1" strike="noStrike">
+              <a:solidFill>
+                <a:srgbClr val="ffffff"/>
+              </a:solidFill>
+              <a:latin typeface="DejaVu Sans"/>
             </a:endParaRPr>
           </a:p>
         </p:txBody>
@@ -719,9 +781,9 @@
             <a:pPr algn="ctr"/>
             <a:endParaRPr b="0" lang="en-US" sz="3200" spc="-1" strike="noStrike">
               <a:solidFill>
-                <a:srgbClr val="ffffff"/>
-              </a:solidFill>
-              <a:latin typeface="Arial"/>
+                <a:srgbClr val="666666"/>
+              </a:solidFill>
+              <a:latin typeface="DejaVu Sans"/>
             </a:endParaRPr>
           </a:p>
         </p:txBody>
@@ -760,8 +822,8 @@
         </p:nvSpPr>
         <p:spPr>
           <a:xfrm>
-            <a:off x="2376000" y="216000"/>
-            <a:ext cx="5328000" cy="720000"/>
+            <a:off x="504000" y="225720"/>
+            <a:ext cx="4039560" cy="946800"/>
           </a:xfrm>
           <a:prstGeom prst="rect">
             <a:avLst/>
@@ -769,15 +831,15 @@
         </p:spPr>
         <p:txBody>
           <a:bodyPr lIns="0" rIns="0" tIns="0" bIns="0" anchor="ctr">
-            <a:normAutofit/>
+            <a:noAutofit/>
           </a:bodyPr>
           <a:p>
             <a:pPr algn="ctr"/>
-            <a:endParaRPr b="0" lang="en-US" sz="3110" spc="-1" strike="noStrike">
-              <a:solidFill>
-                <a:srgbClr val="ffffff"/>
-              </a:solidFill>
-              <a:latin typeface="Arial"/>
+            <a:endParaRPr b="0" lang="en-US" sz="1860" spc="-1" strike="noStrike">
+              <a:solidFill>
+                <a:srgbClr val="ffffff"/>
+              </a:solidFill>
+              <a:latin typeface="DejaVu Sans"/>
             </a:endParaRPr>
           </a:p>
         </p:txBody>
@@ -806,11 +868,16 @@
             <a:normAutofit/>
           </a:bodyPr>
           <a:p>
-            <a:endParaRPr b="0" lang="en-US" sz="2400" spc="-1" strike="noStrike">
-              <a:solidFill>
-                <a:srgbClr val="ffffff"/>
-              </a:solidFill>
-              <a:latin typeface="Arial"/>
+            <a:pPr algn="ctr">
+              <a:spcAft>
+                <a:spcPts val="592"/>
+              </a:spcAft>
+            </a:pPr>
+            <a:endParaRPr b="0" lang="en-US" sz="1350" spc="-1" strike="noStrike">
+              <a:solidFill>
+                <a:srgbClr val="666666"/>
+              </a:solidFill>
+              <a:latin typeface="DejaVu Sans"/>
             </a:endParaRPr>
           </a:p>
         </p:txBody>
@@ -849,8 +916,8 @@
         </p:nvSpPr>
         <p:spPr>
           <a:xfrm>
-            <a:off x="2376000" y="216000"/>
-            <a:ext cx="5328000" cy="720000"/>
+            <a:off x="504000" y="225720"/>
+            <a:ext cx="4039560" cy="946800"/>
           </a:xfrm>
           <a:prstGeom prst="rect">
             <a:avLst/>
@@ -858,15 +925,15 @@
         </p:spPr>
         <p:txBody>
           <a:bodyPr lIns="0" rIns="0" tIns="0" bIns="0" anchor="ctr">
-            <a:normAutofit/>
+            <a:noAutofit/>
           </a:bodyPr>
           <a:p>
             <a:pPr algn="ctr"/>
-            <a:endParaRPr b="0" lang="en-US" sz="3110" spc="-1" strike="noStrike">
-              <a:solidFill>
-                <a:srgbClr val="ffffff"/>
-              </a:solidFill>
-              <a:latin typeface="Arial"/>
+            <a:endParaRPr b="0" lang="en-US" sz="1860" spc="-1" strike="noStrike">
+              <a:solidFill>
+                <a:srgbClr val="ffffff"/>
+              </a:solidFill>
+              <a:latin typeface="DejaVu Sans"/>
             </a:endParaRPr>
           </a:p>
         </p:txBody>
@@ -895,11 +962,16 @@
             <a:normAutofit/>
           </a:bodyPr>
           <a:p>
-            <a:endParaRPr b="0" lang="en-US" sz="2400" spc="-1" strike="noStrike">
-              <a:solidFill>
-                <a:srgbClr val="ffffff"/>
-              </a:solidFill>
-              <a:latin typeface="Arial"/>
+            <a:pPr algn="ctr">
+              <a:spcAft>
+                <a:spcPts val="592"/>
+              </a:spcAft>
+            </a:pPr>
+            <a:endParaRPr b="0" lang="en-US" sz="1350" spc="-1" strike="noStrike">
+              <a:solidFill>
+                <a:srgbClr val="666666"/>
+              </a:solidFill>
+              <a:latin typeface="DejaVu Sans"/>
             </a:endParaRPr>
           </a:p>
         </p:txBody>
@@ -928,11 +1000,16 @@
             <a:normAutofit/>
           </a:bodyPr>
           <a:p>
-            <a:endParaRPr b="0" lang="en-US" sz="2400" spc="-1" strike="noStrike">
-              <a:solidFill>
-                <a:srgbClr val="ffffff"/>
-              </a:solidFill>
-              <a:latin typeface="Arial"/>
+            <a:pPr algn="ctr">
+              <a:spcAft>
+                <a:spcPts val="592"/>
+              </a:spcAft>
+            </a:pPr>
+            <a:endParaRPr b="0" lang="en-US" sz="1350" spc="-1" strike="noStrike">
+              <a:solidFill>
+                <a:srgbClr val="666666"/>
+              </a:solidFill>
+              <a:latin typeface="DejaVu Sans"/>
             </a:endParaRPr>
           </a:p>
         </p:txBody>
@@ -971,8 +1048,8 @@
         </p:nvSpPr>
         <p:spPr>
           <a:xfrm>
-            <a:off x="2376000" y="216000"/>
-            <a:ext cx="5328000" cy="720000"/>
+            <a:off x="504000" y="225720"/>
+            <a:ext cx="4039560" cy="946800"/>
           </a:xfrm>
           <a:prstGeom prst="rect">
             <a:avLst/>
@@ -980,15 +1057,15 @@
         </p:spPr>
         <p:txBody>
           <a:bodyPr lIns="0" rIns="0" tIns="0" bIns="0" anchor="ctr">
-            <a:normAutofit/>
+            <a:noAutofit/>
           </a:bodyPr>
           <a:p>
             <a:pPr algn="ctr"/>
-            <a:endParaRPr b="0" lang="en-US" sz="3110" spc="-1" strike="noStrike">
-              <a:solidFill>
-                <a:srgbClr val="ffffff"/>
-              </a:solidFill>
-              <a:latin typeface="Arial"/>
+            <a:endParaRPr b="0" lang="en-US" sz="1860" spc="-1" strike="noStrike">
+              <a:solidFill>
+                <a:srgbClr val="ffffff"/>
+              </a:solidFill>
+              <a:latin typeface="DejaVu Sans"/>
             </a:endParaRPr>
           </a:p>
         </p:txBody>
@@ -1027,8 +1104,8 @@
         </p:nvSpPr>
         <p:spPr>
           <a:xfrm>
-            <a:off x="2376000" y="216000"/>
-            <a:ext cx="5328000" cy="3338640"/>
+            <a:off x="504000" y="225720"/>
+            <a:ext cx="4039560" cy="4390200"/>
           </a:xfrm>
           <a:prstGeom prst="rect">
             <a:avLst/>
@@ -1042,9 +1119,9 @@
             <a:pPr algn="ctr"/>
             <a:endParaRPr b="0" lang="en-US" sz="3200" spc="-1" strike="noStrike">
               <a:solidFill>
-                <a:srgbClr val="ffffff"/>
-              </a:solidFill>
-              <a:latin typeface="Arial"/>
+                <a:srgbClr val="666666"/>
+              </a:solidFill>
+              <a:latin typeface="DejaVu Sans"/>
             </a:endParaRPr>
           </a:p>
         </p:txBody>
@@ -1083,8 +1160,8 @@
         </p:nvSpPr>
         <p:spPr>
           <a:xfrm>
-            <a:off x="2376000" y="216000"/>
-            <a:ext cx="5328000" cy="720000"/>
+            <a:off x="504000" y="225720"/>
+            <a:ext cx="4039560" cy="946800"/>
           </a:xfrm>
           <a:prstGeom prst="rect">
             <a:avLst/>
@@ -1092,15 +1169,15 @@
         </p:spPr>
         <p:txBody>
           <a:bodyPr lIns="0" rIns="0" tIns="0" bIns="0" anchor="ctr">
-            <a:normAutofit/>
+            <a:noAutofit/>
           </a:bodyPr>
           <a:p>
             <a:pPr algn="ctr"/>
-            <a:endParaRPr b="0" lang="en-US" sz="3110" spc="-1" strike="noStrike">
-              <a:solidFill>
-                <a:srgbClr val="ffffff"/>
-              </a:solidFill>
-              <a:latin typeface="Arial"/>
+            <a:endParaRPr b="0" lang="en-US" sz="1860" spc="-1" strike="noStrike">
+              <a:solidFill>
+                <a:srgbClr val="ffffff"/>
+              </a:solidFill>
+              <a:latin typeface="DejaVu Sans"/>
             </a:endParaRPr>
           </a:p>
         </p:txBody>
@@ -1129,11 +1206,16 @@
             <a:normAutofit/>
           </a:bodyPr>
           <a:p>
-            <a:endParaRPr b="0" lang="en-US" sz="2400" spc="-1" strike="noStrike">
-              <a:solidFill>
-                <a:srgbClr val="ffffff"/>
-              </a:solidFill>
-              <a:latin typeface="Arial"/>
+            <a:pPr algn="ctr">
+              <a:spcAft>
+                <a:spcPts val="592"/>
+              </a:spcAft>
+            </a:pPr>
+            <a:endParaRPr b="0" lang="en-US" sz="1350" spc="-1" strike="noStrike">
+              <a:solidFill>
+                <a:srgbClr val="666666"/>
+              </a:solidFill>
+              <a:latin typeface="DejaVu Sans"/>
             </a:endParaRPr>
           </a:p>
         </p:txBody>
@@ -1162,11 +1244,16 @@
             <a:normAutofit/>
           </a:bodyPr>
           <a:p>
-            <a:endParaRPr b="0" lang="en-US" sz="2400" spc="-1" strike="noStrike">
-              <a:solidFill>
-                <a:srgbClr val="ffffff"/>
-              </a:solidFill>
-              <a:latin typeface="Arial"/>
+            <a:pPr algn="ctr">
+              <a:spcAft>
+                <a:spcPts val="592"/>
+              </a:spcAft>
+            </a:pPr>
+            <a:endParaRPr b="0" lang="en-US" sz="1350" spc="-1" strike="noStrike">
+              <a:solidFill>
+                <a:srgbClr val="666666"/>
+              </a:solidFill>
+              <a:latin typeface="DejaVu Sans"/>
             </a:endParaRPr>
           </a:p>
         </p:txBody>
@@ -1195,11 +1282,16 @@
             <a:normAutofit/>
           </a:bodyPr>
           <a:p>
-            <a:endParaRPr b="0" lang="en-US" sz="2400" spc="-1" strike="noStrike">
-              <a:solidFill>
-                <a:srgbClr val="ffffff"/>
-              </a:solidFill>
-              <a:latin typeface="Arial"/>
+            <a:pPr algn="ctr">
+              <a:spcAft>
+                <a:spcPts val="592"/>
+              </a:spcAft>
+            </a:pPr>
+            <a:endParaRPr b="0" lang="en-US" sz="1350" spc="-1" strike="noStrike">
+              <a:solidFill>
+                <a:srgbClr val="666666"/>
+              </a:solidFill>
+              <a:latin typeface="DejaVu Sans"/>
             </a:endParaRPr>
           </a:p>
         </p:txBody>
@@ -1238,8 +1330,8 @@
         </p:nvSpPr>
         <p:spPr>
           <a:xfrm>
-            <a:off x="2376000" y="216000"/>
-            <a:ext cx="5328000" cy="720000"/>
+            <a:off x="504000" y="225720"/>
+            <a:ext cx="4039560" cy="946800"/>
           </a:xfrm>
           <a:prstGeom prst="rect">
             <a:avLst/>
@@ -1247,15 +1339,15 @@
         </p:spPr>
         <p:txBody>
           <a:bodyPr lIns="0" rIns="0" tIns="0" bIns="0" anchor="ctr">
-            <a:normAutofit/>
+            <a:noAutofit/>
           </a:bodyPr>
           <a:p>
             <a:pPr algn="ctr"/>
-            <a:endParaRPr b="0" lang="en-US" sz="3110" spc="-1" strike="noStrike">
-              <a:solidFill>
-                <a:srgbClr val="ffffff"/>
-              </a:solidFill>
-              <a:latin typeface="Arial"/>
+            <a:endParaRPr b="0" lang="en-US" sz="1860" spc="-1" strike="noStrike">
+              <a:solidFill>
+                <a:srgbClr val="ffffff"/>
+              </a:solidFill>
+              <a:latin typeface="DejaVu Sans"/>
             </a:endParaRPr>
           </a:p>
         </p:txBody>
@@ -1287,9 +1379,9 @@
             <a:pPr algn="ctr"/>
             <a:endParaRPr b="0" lang="en-US" sz="3200" spc="-1" strike="noStrike">
               <a:solidFill>
-                <a:srgbClr val="ffffff"/>
-              </a:solidFill>
-              <a:latin typeface="Arial"/>
+                <a:srgbClr val="666666"/>
+              </a:solidFill>
+              <a:latin typeface="DejaVu Sans"/>
             </a:endParaRPr>
           </a:p>
         </p:txBody>
@@ -1328,8 +1420,8 @@
         </p:nvSpPr>
         <p:spPr>
           <a:xfrm>
-            <a:off x="2376000" y="216000"/>
-            <a:ext cx="5328000" cy="720000"/>
+            <a:off x="504000" y="225720"/>
+            <a:ext cx="4039560" cy="946800"/>
           </a:xfrm>
           <a:prstGeom prst="rect">
             <a:avLst/>
@@ -1337,15 +1429,15 @@
         </p:spPr>
         <p:txBody>
           <a:bodyPr lIns="0" rIns="0" tIns="0" bIns="0" anchor="ctr">
-            <a:normAutofit/>
+            <a:noAutofit/>
           </a:bodyPr>
           <a:p>
             <a:pPr algn="ctr"/>
-            <a:endParaRPr b="0" lang="en-US" sz="3110" spc="-1" strike="noStrike">
-              <a:solidFill>
-                <a:srgbClr val="ffffff"/>
-              </a:solidFill>
-              <a:latin typeface="Arial"/>
+            <a:endParaRPr b="0" lang="en-US" sz="1860" spc="-1" strike="noStrike">
+              <a:solidFill>
+                <a:srgbClr val="ffffff"/>
+              </a:solidFill>
+              <a:latin typeface="DejaVu Sans"/>
             </a:endParaRPr>
           </a:p>
         </p:txBody>
@@ -1374,11 +1466,16 @@
             <a:normAutofit/>
           </a:bodyPr>
           <a:p>
-            <a:endParaRPr b="0" lang="en-US" sz="2400" spc="-1" strike="noStrike">
-              <a:solidFill>
-                <a:srgbClr val="ffffff"/>
-              </a:solidFill>
-              <a:latin typeface="Arial"/>
+            <a:pPr algn="ctr">
+              <a:spcAft>
+                <a:spcPts val="592"/>
+              </a:spcAft>
+            </a:pPr>
+            <a:endParaRPr b="0" lang="en-US" sz="1350" spc="-1" strike="noStrike">
+              <a:solidFill>
+                <a:srgbClr val="666666"/>
+              </a:solidFill>
+              <a:latin typeface="DejaVu Sans"/>
             </a:endParaRPr>
           </a:p>
         </p:txBody>
@@ -1407,11 +1504,16 @@
             <a:normAutofit/>
           </a:bodyPr>
           <a:p>
-            <a:endParaRPr b="0" lang="en-US" sz="2400" spc="-1" strike="noStrike">
-              <a:solidFill>
-                <a:srgbClr val="ffffff"/>
-              </a:solidFill>
-              <a:latin typeface="Arial"/>
+            <a:pPr algn="ctr">
+              <a:spcAft>
+                <a:spcPts val="592"/>
+              </a:spcAft>
+            </a:pPr>
+            <a:endParaRPr b="0" lang="en-US" sz="1350" spc="-1" strike="noStrike">
+              <a:solidFill>
+                <a:srgbClr val="666666"/>
+              </a:solidFill>
+              <a:latin typeface="DejaVu Sans"/>
             </a:endParaRPr>
           </a:p>
         </p:txBody>
@@ -1440,11 +1542,16 @@
             <a:normAutofit/>
           </a:bodyPr>
           <a:p>
-            <a:endParaRPr b="0" lang="en-US" sz="2400" spc="-1" strike="noStrike">
-              <a:solidFill>
-                <a:srgbClr val="ffffff"/>
-              </a:solidFill>
-              <a:latin typeface="Arial"/>
+            <a:pPr algn="ctr">
+              <a:spcAft>
+                <a:spcPts val="592"/>
+              </a:spcAft>
+            </a:pPr>
+            <a:endParaRPr b="0" lang="en-US" sz="1350" spc="-1" strike="noStrike">
+              <a:solidFill>
+                <a:srgbClr val="666666"/>
+              </a:solidFill>
+              <a:latin typeface="DejaVu Sans"/>
             </a:endParaRPr>
           </a:p>
         </p:txBody>
@@ -1483,8 +1590,8 @@
         </p:nvSpPr>
         <p:spPr>
           <a:xfrm>
-            <a:off x="2376000" y="216000"/>
-            <a:ext cx="5328000" cy="720000"/>
+            <a:off x="504000" y="225720"/>
+            <a:ext cx="4039560" cy="946800"/>
           </a:xfrm>
           <a:prstGeom prst="rect">
             <a:avLst/>
@@ -1492,15 +1599,15 @@
         </p:spPr>
         <p:txBody>
           <a:bodyPr lIns="0" rIns="0" tIns="0" bIns="0" anchor="ctr">
-            <a:normAutofit/>
+            <a:noAutofit/>
           </a:bodyPr>
           <a:p>
             <a:pPr algn="ctr"/>
-            <a:endParaRPr b="0" lang="en-US" sz="3110" spc="-1" strike="noStrike">
-              <a:solidFill>
-                <a:srgbClr val="ffffff"/>
-              </a:solidFill>
-              <a:latin typeface="Arial"/>
+            <a:endParaRPr b="0" lang="en-US" sz="1860" spc="-1" strike="noStrike">
+              <a:solidFill>
+                <a:srgbClr val="ffffff"/>
+              </a:solidFill>
+              <a:latin typeface="DejaVu Sans"/>
             </a:endParaRPr>
           </a:p>
         </p:txBody>
@@ -1529,11 +1636,16 @@
             <a:normAutofit/>
           </a:bodyPr>
           <a:p>
-            <a:endParaRPr b="0" lang="en-US" sz="2400" spc="-1" strike="noStrike">
-              <a:solidFill>
-                <a:srgbClr val="ffffff"/>
-              </a:solidFill>
-              <a:latin typeface="Arial"/>
+            <a:pPr algn="ctr">
+              <a:spcAft>
+                <a:spcPts val="592"/>
+              </a:spcAft>
+            </a:pPr>
+            <a:endParaRPr b="0" lang="en-US" sz="1350" spc="-1" strike="noStrike">
+              <a:solidFill>
+                <a:srgbClr val="666666"/>
+              </a:solidFill>
+              <a:latin typeface="DejaVu Sans"/>
             </a:endParaRPr>
           </a:p>
         </p:txBody>
@@ -1562,11 +1674,16 @@
             <a:normAutofit/>
           </a:bodyPr>
           <a:p>
-            <a:endParaRPr b="0" lang="en-US" sz="2400" spc="-1" strike="noStrike">
-              <a:solidFill>
-                <a:srgbClr val="ffffff"/>
-              </a:solidFill>
-              <a:latin typeface="Arial"/>
+            <a:pPr algn="ctr">
+              <a:spcAft>
+                <a:spcPts val="592"/>
+              </a:spcAft>
+            </a:pPr>
+            <a:endParaRPr b="0" lang="en-US" sz="1350" spc="-1" strike="noStrike">
+              <a:solidFill>
+                <a:srgbClr val="666666"/>
+              </a:solidFill>
+              <a:latin typeface="DejaVu Sans"/>
             </a:endParaRPr>
           </a:p>
         </p:txBody>
@@ -1595,11 +1712,16 @@
             <a:normAutofit/>
           </a:bodyPr>
           <a:p>
-            <a:endParaRPr b="0" lang="en-US" sz="2400" spc="-1" strike="noStrike">
-              <a:solidFill>
-                <a:srgbClr val="ffffff"/>
-              </a:solidFill>
-              <a:latin typeface="Arial"/>
+            <a:pPr algn="ctr">
+              <a:spcAft>
+                <a:spcPts val="592"/>
+              </a:spcAft>
+            </a:pPr>
+            <a:endParaRPr b="0" lang="en-US" sz="1350" spc="-1" strike="noStrike">
+              <a:solidFill>
+                <a:srgbClr val="666666"/>
+              </a:solidFill>
+              <a:latin typeface="DejaVu Sans"/>
             </a:endParaRPr>
           </a:p>
         </p:txBody>
@@ -1638,8 +1760,8 @@
         </p:nvSpPr>
         <p:spPr>
           <a:xfrm>
-            <a:off x="2376000" y="216000"/>
-            <a:ext cx="5328000" cy="720000"/>
+            <a:off x="504000" y="225720"/>
+            <a:ext cx="4039560" cy="946800"/>
           </a:xfrm>
           <a:prstGeom prst="rect">
             <a:avLst/>
@@ -1647,15 +1769,15 @@
         </p:spPr>
         <p:txBody>
           <a:bodyPr lIns="0" rIns="0" tIns="0" bIns="0" anchor="ctr">
-            <a:normAutofit/>
+            <a:noAutofit/>
           </a:bodyPr>
           <a:p>
             <a:pPr algn="ctr"/>
-            <a:endParaRPr b="0" lang="en-US" sz="3110" spc="-1" strike="noStrike">
-              <a:solidFill>
-                <a:srgbClr val="ffffff"/>
-              </a:solidFill>
-              <a:latin typeface="Arial"/>
+            <a:endParaRPr b="0" lang="en-US" sz="1860" spc="-1" strike="noStrike">
+              <a:solidFill>
+                <a:srgbClr val="ffffff"/>
+              </a:solidFill>
+              <a:latin typeface="DejaVu Sans"/>
             </a:endParaRPr>
           </a:p>
         </p:txBody>
@@ -1684,11 +1806,16 @@
             <a:normAutofit/>
           </a:bodyPr>
           <a:p>
-            <a:endParaRPr b="0" lang="en-US" sz="2400" spc="-1" strike="noStrike">
-              <a:solidFill>
-                <a:srgbClr val="ffffff"/>
-              </a:solidFill>
-              <a:latin typeface="Arial"/>
+            <a:pPr algn="ctr">
+              <a:spcAft>
+                <a:spcPts val="592"/>
+              </a:spcAft>
+            </a:pPr>
+            <a:endParaRPr b="0" lang="en-US" sz="1350" spc="-1" strike="noStrike">
+              <a:solidFill>
+                <a:srgbClr val="666666"/>
+              </a:solidFill>
+              <a:latin typeface="DejaVu Sans"/>
             </a:endParaRPr>
           </a:p>
         </p:txBody>
@@ -1717,11 +1844,16 @@
             <a:normAutofit/>
           </a:bodyPr>
           <a:p>
-            <a:endParaRPr b="0" lang="en-US" sz="2400" spc="-1" strike="noStrike">
-              <a:solidFill>
-                <a:srgbClr val="ffffff"/>
-              </a:solidFill>
-              <a:latin typeface="Arial"/>
+            <a:pPr algn="ctr">
+              <a:spcAft>
+                <a:spcPts val="592"/>
+              </a:spcAft>
+            </a:pPr>
+            <a:endParaRPr b="0" lang="en-US" sz="1350" spc="-1" strike="noStrike">
+              <a:solidFill>
+                <a:srgbClr val="666666"/>
+              </a:solidFill>
+              <a:latin typeface="DejaVu Sans"/>
             </a:endParaRPr>
           </a:p>
         </p:txBody>
@@ -1760,8 +1892,8 @@
         </p:nvSpPr>
         <p:spPr>
           <a:xfrm>
-            <a:off x="2376000" y="216000"/>
-            <a:ext cx="5328000" cy="720000"/>
+            <a:off x="504000" y="225720"/>
+            <a:ext cx="4039560" cy="946800"/>
           </a:xfrm>
           <a:prstGeom prst="rect">
             <a:avLst/>
@@ -1769,15 +1901,15 @@
         </p:spPr>
         <p:txBody>
           <a:bodyPr lIns="0" rIns="0" tIns="0" bIns="0" anchor="ctr">
-            <a:normAutofit/>
+            <a:noAutofit/>
           </a:bodyPr>
           <a:p>
             <a:pPr algn="ctr"/>
-            <a:endParaRPr b="0" lang="en-US" sz="3110" spc="-1" strike="noStrike">
-              <a:solidFill>
-                <a:srgbClr val="ffffff"/>
-              </a:solidFill>
-              <a:latin typeface="Arial"/>
+            <a:endParaRPr b="0" lang="en-US" sz="1860" spc="-1" strike="noStrike">
+              <a:solidFill>
+                <a:srgbClr val="ffffff"/>
+              </a:solidFill>
+              <a:latin typeface="DejaVu Sans"/>
             </a:endParaRPr>
           </a:p>
         </p:txBody>
@@ -1806,11 +1938,16 @@
             <a:normAutofit/>
           </a:bodyPr>
           <a:p>
-            <a:endParaRPr b="0" lang="en-US" sz="2400" spc="-1" strike="noStrike">
-              <a:solidFill>
-                <a:srgbClr val="ffffff"/>
-              </a:solidFill>
-              <a:latin typeface="Arial"/>
+            <a:pPr algn="ctr">
+              <a:spcAft>
+                <a:spcPts val="592"/>
+              </a:spcAft>
+            </a:pPr>
+            <a:endParaRPr b="0" lang="en-US" sz="1350" spc="-1" strike="noStrike">
+              <a:solidFill>
+                <a:srgbClr val="666666"/>
+              </a:solidFill>
+              <a:latin typeface="DejaVu Sans"/>
             </a:endParaRPr>
           </a:p>
         </p:txBody>
@@ -1839,11 +1976,16 @@
             <a:normAutofit/>
           </a:bodyPr>
           <a:p>
-            <a:endParaRPr b="0" lang="en-US" sz="2400" spc="-1" strike="noStrike">
-              <a:solidFill>
-                <a:srgbClr val="ffffff"/>
-              </a:solidFill>
-              <a:latin typeface="Arial"/>
+            <a:pPr algn="ctr">
+              <a:spcAft>
+                <a:spcPts val="592"/>
+              </a:spcAft>
+            </a:pPr>
+            <a:endParaRPr b="0" lang="en-US" sz="1350" spc="-1" strike="noStrike">
+              <a:solidFill>
+                <a:srgbClr val="666666"/>
+              </a:solidFill>
+              <a:latin typeface="DejaVu Sans"/>
             </a:endParaRPr>
           </a:p>
         </p:txBody>
@@ -1872,11 +2014,16 @@
             <a:normAutofit/>
           </a:bodyPr>
           <a:p>
-            <a:endParaRPr b="0" lang="en-US" sz="2400" spc="-1" strike="noStrike">
-              <a:solidFill>
-                <a:srgbClr val="ffffff"/>
-              </a:solidFill>
-              <a:latin typeface="Arial"/>
+            <a:pPr algn="ctr">
+              <a:spcAft>
+                <a:spcPts val="592"/>
+              </a:spcAft>
+            </a:pPr>
+            <a:endParaRPr b="0" lang="en-US" sz="1350" spc="-1" strike="noStrike">
+              <a:solidFill>
+                <a:srgbClr val="666666"/>
+              </a:solidFill>
+              <a:latin typeface="DejaVu Sans"/>
             </a:endParaRPr>
           </a:p>
         </p:txBody>
@@ -1905,11 +2052,16 @@
             <a:normAutofit/>
           </a:bodyPr>
           <a:p>
-            <a:endParaRPr b="0" lang="en-US" sz="2400" spc="-1" strike="noStrike">
-              <a:solidFill>
-                <a:srgbClr val="ffffff"/>
-              </a:solidFill>
-              <a:latin typeface="Arial"/>
+            <a:pPr algn="ctr">
+              <a:spcAft>
+                <a:spcPts val="592"/>
+              </a:spcAft>
+            </a:pPr>
+            <a:endParaRPr b="0" lang="en-US" sz="1350" spc="-1" strike="noStrike">
+              <a:solidFill>
+                <a:srgbClr val="666666"/>
+              </a:solidFill>
+              <a:latin typeface="DejaVu Sans"/>
             </a:endParaRPr>
           </a:p>
         </p:txBody>
@@ -1948,8 +2100,8 @@
         </p:nvSpPr>
         <p:spPr>
           <a:xfrm>
-            <a:off x="2376000" y="216000"/>
-            <a:ext cx="5328000" cy="720000"/>
+            <a:off x="504000" y="225720"/>
+            <a:ext cx="4039560" cy="946800"/>
           </a:xfrm>
           <a:prstGeom prst="rect">
             <a:avLst/>
@@ -1957,15 +2109,15 @@
         </p:spPr>
         <p:txBody>
           <a:bodyPr lIns="0" rIns="0" tIns="0" bIns="0" anchor="ctr">
-            <a:normAutofit/>
+            <a:noAutofit/>
           </a:bodyPr>
           <a:p>
             <a:pPr algn="ctr"/>
-            <a:endParaRPr b="0" lang="en-US" sz="3110" spc="-1" strike="noStrike">
-              <a:solidFill>
-                <a:srgbClr val="ffffff"/>
-              </a:solidFill>
-              <a:latin typeface="Arial"/>
+            <a:endParaRPr b="0" lang="en-US" sz="1860" spc="-1" strike="noStrike">
+              <a:solidFill>
+                <a:srgbClr val="ffffff"/>
+              </a:solidFill>
+              <a:latin typeface="DejaVu Sans"/>
             </a:endParaRPr>
           </a:p>
         </p:txBody>
@@ -1994,11 +2146,16 @@
             <a:normAutofit/>
           </a:bodyPr>
           <a:p>
-            <a:endParaRPr b="0" lang="en-US" sz="2400" spc="-1" strike="noStrike">
-              <a:solidFill>
-                <a:srgbClr val="ffffff"/>
-              </a:solidFill>
-              <a:latin typeface="Arial"/>
+            <a:pPr algn="ctr">
+              <a:spcAft>
+                <a:spcPts val="592"/>
+              </a:spcAft>
+            </a:pPr>
+            <a:endParaRPr b="0" lang="en-US" sz="1350" spc="-1" strike="noStrike">
+              <a:solidFill>
+                <a:srgbClr val="666666"/>
+              </a:solidFill>
+              <a:latin typeface="DejaVu Sans"/>
             </a:endParaRPr>
           </a:p>
         </p:txBody>
@@ -2027,11 +2184,16 @@
             <a:normAutofit/>
           </a:bodyPr>
           <a:p>
-            <a:endParaRPr b="0" lang="en-US" sz="2400" spc="-1" strike="noStrike">
-              <a:solidFill>
-                <a:srgbClr val="ffffff"/>
-              </a:solidFill>
-              <a:latin typeface="Arial"/>
+            <a:pPr algn="ctr">
+              <a:spcAft>
+                <a:spcPts val="592"/>
+              </a:spcAft>
+            </a:pPr>
+            <a:endParaRPr b="0" lang="en-US" sz="1350" spc="-1" strike="noStrike">
+              <a:solidFill>
+                <a:srgbClr val="666666"/>
+              </a:solidFill>
+              <a:latin typeface="DejaVu Sans"/>
             </a:endParaRPr>
           </a:p>
         </p:txBody>
@@ -2060,11 +2222,16 @@
             <a:normAutofit/>
           </a:bodyPr>
           <a:p>
-            <a:endParaRPr b="0" lang="en-US" sz="2400" spc="-1" strike="noStrike">
-              <a:solidFill>
-                <a:srgbClr val="ffffff"/>
-              </a:solidFill>
-              <a:latin typeface="Arial"/>
+            <a:pPr algn="ctr">
+              <a:spcAft>
+                <a:spcPts val="592"/>
+              </a:spcAft>
+            </a:pPr>
+            <a:endParaRPr b="0" lang="en-US" sz="1350" spc="-1" strike="noStrike">
+              <a:solidFill>
+                <a:srgbClr val="666666"/>
+              </a:solidFill>
+              <a:latin typeface="DejaVu Sans"/>
             </a:endParaRPr>
           </a:p>
         </p:txBody>
@@ -2093,11 +2260,16 @@
             <a:normAutofit/>
           </a:bodyPr>
           <a:p>
-            <a:endParaRPr b="0" lang="en-US" sz="2400" spc="-1" strike="noStrike">
-              <a:solidFill>
-                <a:srgbClr val="ffffff"/>
-              </a:solidFill>
-              <a:latin typeface="Arial"/>
+            <a:pPr algn="ctr">
+              <a:spcAft>
+                <a:spcPts val="592"/>
+              </a:spcAft>
+            </a:pPr>
+            <a:endParaRPr b="0" lang="en-US" sz="1350" spc="-1" strike="noStrike">
+              <a:solidFill>
+                <a:srgbClr val="666666"/>
+              </a:solidFill>
+              <a:latin typeface="DejaVu Sans"/>
             </a:endParaRPr>
           </a:p>
         </p:txBody>
@@ -2126,11 +2298,16 @@
             <a:normAutofit/>
           </a:bodyPr>
           <a:p>
-            <a:endParaRPr b="0" lang="en-US" sz="2400" spc="-1" strike="noStrike">
-              <a:solidFill>
-                <a:srgbClr val="ffffff"/>
-              </a:solidFill>
-              <a:latin typeface="Arial"/>
+            <a:pPr algn="ctr">
+              <a:spcAft>
+                <a:spcPts val="592"/>
+              </a:spcAft>
+            </a:pPr>
+            <a:endParaRPr b="0" lang="en-US" sz="1350" spc="-1" strike="noStrike">
+              <a:solidFill>
+                <a:srgbClr val="666666"/>
+              </a:solidFill>
+              <a:latin typeface="DejaVu Sans"/>
             </a:endParaRPr>
           </a:p>
         </p:txBody>
@@ -2159,11 +2336,16 @@
             <a:normAutofit/>
           </a:bodyPr>
           <a:p>
-            <a:endParaRPr b="0" lang="en-US" sz="2400" spc="-1" strike="noStrike">
-              <a:solidFill>
-                <a:srgbClr val="ffffff"/>
-              </a:solidFill>
-              <a:latin typeface="Arial"/>
+            <a:pPr algn="ctr">
+              <a:spcAft>
+                <a:spcPts val="592"/>
+              </a:spcAft>
+            </a:pPr>
+            <a:endParaRPr b="0" lang="en-US" sz="1350" spc="-1" strike="noStrike">
+              <a:solidFill>
+                <a:srgbClr val="666666"/>
+              </a:solidFill>
+              <a:latin typeface="DejaVu Sans"/>
             </a:endParaRPr>
           </a:p>
         </p:txBody>
@@ -2224,8 +2406,8 @@
         </p:nvSpPr>
         <p:spPr>
           <a:xfrm>
-            <a:off x="2376000" y="216000"/>
-            <a:ext cx="5328000" cy="720000"/>
+            <a:off x="504000" y="225720"/>
+            <a:ext cx="4039560" cy="946800"/>
           </a:xfrm>
           <a:prstGeom prst="rect">
             <a:avLst/>
@@ -2233,15 +2415,15 @@
         </p:spPr>
         <p:txBody>
           <a:bodyPr lIns="0" rIns="0" tIns="0" bIns="0" anchor="ctr">
-            <a:normAutofit/>
+            <a:noAutofit/>
           </a:bodyPr>
           <a:p>
             <a:pPr algn="ctr"/>
-            <a:endParaRPr b="0" lang="en-US" sz="3110" spc="-1" strike="noStrike">
-              <a:solidFill>
-                <a:srgbClr val="ffffff"/>
-              </a:solidFill>
-              <a:latin typeface="Arial"/>
+            <a:endParaRPr b="0" lang="en-US" sz="1860" spc="-1" strike="noStrike">
+              <a:solidFill>
+                <a:srgbClr val="ffffff"/>
+              </a:solidFill>
+              <a:latin typeface="DejaVu Sans"/>
             </a:endParaRPr>
           </a:p>
         </p:txBody>
@@ -2273,9 +2455,9 @@
             <a:pPr algn="ctr"/>
             <a:endParaRPr b="0" lang="en-US" sz="3200" spc="-1" strike="noStrike">
               <a:solidFill>
-                <a:srgbClr val="ffffff"/>
-              </a:solidFill>
-              <a:latin typeface="Arial"/>
+                <a:srgbClr val="666666"/>
+              </a:solidFill>
+              <a:latin typeface="DejaVu Sans"/>
             </a:endParaRPr>
           </a:p>
         </p:txBody>
@@ -2314,8 +2496,8 @@
         </p:nvSpPr>
         <p:spPr>
           <a:xfrm>
-            <a:off x="2376000" y="216000"/>
-            <a:ext cx="5328000" cy="720000"/>
+            <a:off x="504000" y="225720"/>
+            <a:ext cx="4039560" cy="946800"/>
           </a:xfrm>
           <a:prstGeom prst="rect">
             <a:avLst/>
@@ -2323,15 +2505,15 @@
         </p:spPr>
         <p:txBody>
           <a:bodyPr lIns="0" rIns="0" tIns="0" bIns="0" anchor="ctr">
-            <a:normAutofit/>
+            <a:noAutofit/>
           </a:bodyPr>
           <a:p>
             <a:pPr algn="ctr"/>
-            <a:endParaRPr b="0" lang="en-US" sz="3110" spc="-1" strike="noStrike">
-              <a:solidFill>
-                <a:srgbClr val="ffffff"/>
-              </a:solidFill>
-              <a:latin typeface="Arial"/>
+            <a:endParaRPr b="0" lang="en-US" sz="1860" spc="-1" strike="noStrike">
+              <a:solidFill>
+                <a:srgbClr val="ffffff"/>
+              </a:solidFill>
+              <a:latin typeface="DejaVu Sans"/>
             </a:endParaRPr>
           </a:p>
         </p:txBody>
@@ -2360,11 +2542,16 @@
             <a:normAutofit/>
           </a:bodyPr>
           <a:p>
-            <a:endParaRPr b="0" lang="en-US" sz="2400" spc="-1" strike="noStrike">
-              <a:solidFill>
-                <a:srgbClr val="ffffff"/>
-              </a:solidFill>
-              <a:latin typeface="Arial"/>
+            <a:pPr algn="ctr">
+              <a:spcAft>
+                <a:spcPts val="592"/>
+              </a:spcAft>
+            </a:pPr>
+            <a:endParaRPr b="0" lang="en-US" sz="1350" spc="-1" strike="noStrike">
+              <a:solidFill>
+                <a:srgbClr val="666666"/>
+              </a:solidFill>
+              <a:latin typeface="DejaVu Sans"/>
             </a:endParaRPr>
           </a:p>
         </p:txBody>
@@ -2403,8 +2590,8 @@
         </p:nvSpPr>
         <p:spPr>
           <a:xfrm>
-            <a:off x="2376000" y="216000"/>
-            <a:ext cx="5328000" cy="720000"/>
+            <a:off x="504000" y="225720"/>
+            <a:ext cx="4039560" cy="946800"/>
           </a:xfrm>
           <a:prstGeom prst="rect">
             <a:avLst/>
@@ -2412,15 +2599,15 @@
         </p:spPr>
         <p:txBody>
           <a:bodyPr lIns="0" rIns="0" tIns="0" bIns="0" anchor="ctr">
-            <a:normAutofit/>
+            <a:noAutofit/>
           </a:bodyPr>
           <a:p>
             <a:pPr algn="ctr"/>
-            <a:endParaRPr b="0" lang="en-US" sz="3110" spc="-1" strike="noStrike">
-              <a:solidFill>
-                <a:srgbClr val="ffffff"/>
-              </a:solidFill>
-              <a:latin typeface="Arial"/>
+            <a:endParaRPr b="0" lang="en-US" sz="1860" spc="-1" strike="noStrike">
+              <a:solidFill>
+                <a:srgbClr val="ffffff"/>
+              </a:solidFill>
+              <a:latin typeface="DejaVu Sans"/>
             </a:endParaRPr>
           </a:p>
         </p:txBody>
@@ -2449,11 +2636,16 @@
             <a:normAutofit/>
           </a:bodyPr>
           <a:p>
-            <a:endParaRPr b="0" lang="en-US" sz="2400" spc="-1" strike="noStrike">
-              <a:solidFill>
-                <a:srgbClr val="ffffff"/>
-              </a:solidFill>
-              <a:latin typeface="Arial"/>
+            <a:pPr algn="ctr">
+              <a:spcAft>
+                <a:spcPts val="592"/>
+              </a:spcAft>
+            </a:pPr>
+            <a:endParaRPr b="0" lang="en-US" sz="1350" spc="-1" strike="noStrike">
+              <a:solidFill>
+                <a:srgbClr val="666666"/>
+              </a:solidFill>
+              <a:latin typeface="DejaVu Sans"/>
             </a:endParaRPr>
           </a:p>
         </p:txBody>
@@ -2482,11 +2674,16 @@
             <a:normAutofit/>
           </a:bodyPr>
           <a:p>
-            <a:endParaRPr b="0" lang="en-US" sz="2400" spc="-1" strike="noStrike">
-              <a:solidFill>
-                <a:srgbClr val="ffffff"/>
-              </a:solidFill>
-              <a:latin typeface="Arial"/>
+            <a:pPr algn="ctr">
+              <a:spcAft>
+                <a:spcPts val="592"/>
+              </a:spcAft>
+            </a:pPr>
+            <a:endParaRPr b="0" lang="en-US" sz="1350" spc="-1" strike="noStrike">
+              <a:solidFill>
+                <a:srgbClr val="666666"/>
+              </a:solidFill>
+              <a:latin typeface="DejaVu Sans"/>
             </a:endParaRPr>
           </a:p>
         </p:txBody>
@@ -2525,8 +2722,8 @@
         </p:nvSpPr>
         <p:spPr>
           <a:xfrm>
-            <a:off x="2376000" y="216000"/>
-            <a:ext cx="5328000" cy="720000"/>
+            <a:off x="504000" y="225720"/>
+            <a:ext cx="4039560" cy="946800"/>
           </a:xfrm>
           <a:prstGeom prst="rect">
             <a:avLst/>
@@ -2534,15 +2731,15 @@
         </p:spPr>
         <p:txBody>
           <a:bodyPr lIns="0" rIns="0" tIns="0" bIns="0" anchor="ctr">
-            <a:normAutofit/>
+            <a:noAutofit/>
           </a:bodyPr>
           <a:p>
             <a:pPr algn="ctr"/>
-            <a:endParaRPr b="0" lang="en-US" sz="3110" spc="-1" strike="noStrike">
-              <a:solidFill>
-                <a:srgbClr val="ffffff"/>
-              </a:solidFill>
-              <a:latin typeface="Arial"/>
+            <a:endParaRPr b="0" lang="en-US" sz="1860" spc="-1" strike="noStrike">
+              <a:solidFill>
+                <a:srgbClr val="ffffff"/>
+              </a:solidFill>
+              <a:latin typeface="DejaVu Sans"/>
             </a:endParaRPr>
           </a:p>
         </p:txBody>
@@ -2581,8 +2778,8 @@
         </p:nvSpPr>
         <p:spPr>
           <a:xfrm>
-            <a:off x="2376000" y="216000"/>
-            <a:ext cx="5328000" cy="720000"/>
+            <a:off x="504000" y="225720"/>
+            <a:ext cx="4039560" cy="946800"/>
           </a:xfrm>
           <a:prstGeom prst="rect">
             <a:avLst/>
@@ -2590,15 +2787,15 @@
         </p:spPr>
         <p:txBody>
           <a:bodyPr lIns="0" rIns="0" tIns="0" bIns="0" anchor="ctr">
-            <a:normAutofit/>
+            <a:noAutofit/>
           </a:bodyPr>
           <a:p>
             <a:pPr algn="ctr"/>
-            <a:endParaRPr b="0" lang="en-US" sz="3110" spc="-1" strike="noStrike">
-              <a:solidFill>
-                <a:srgbClr val="ffffff"/>
-              </a:solidFill>
-              <a:latin typeface="Arial"/>
+            <a:endParaRPr b="0" lang="en-US" sz="1860" spc="-1" strike="noStrike">
+              <a:solidFill>
+                <a:srgbClr val="ffffff"/>
+              </a:solidFill>
+              <a:latin typeface="DejaVu Sans"/>
             </a:endParaRPr>
           </a:p>
         </p:txBody>
@@ -2627,11 +2824,16 @@
             <a:normAutofit/>
           </a:bodyPr>
           <a:p>
-            <a:endParaRPr b="0" lang="en-US" sz="2400" spc="-1" strike="noStrike">
-              <a:solidFill>
-                <a:srgbClr val="ffffff"/>
-              </a:solidFill>
-              <a:latin typeface="Arial"/>
+            <a:pPr algn="ctr">
+              <a:spcAft>
+                <a:spcPts val="592"/>
+              </a:spcAft>
+            </a:pPr>
+            <a:endParaRPr b="0" lang="en-US" sz="1350" spc="-1" strike="noStrike">
+              <a:solidFill>
+                <a:srgbClr val="666666"/>
+              </a:solidFill>
+              <a:latin typeface="DejaVu Sans"/>
             </a:endParaRPr>
           </a:p>
         </p:txBody>
@@ -2670,8 +2872,8 @@
         </p:nvSpPr>
         <p:spPr>
           <a:xfrm>
-            <a:off x="2376000" y="216000"/>
-            <a:ext cx="5328000" cy="3338640"/>
+            <a:off x="504000" y="225720"/>
+            <a:ext cx="4039560" cy="4390200"/>
           </a:xfrm>
           <a:prstGeom prst="rect">
             <a:avLst/>
@@ -2685,9 +2887,9 @@
             <a:pPr algn="ctr"/>
             <a:endParaRPr b="0" lang="en-US" sz="3200" spc="-1" strike="noStrike">
               <a:solidFill>
-                <a:srgbClr val="ffffff"/>
-              </a:solidFill>
-              <a:latin typeface="Arial"/>
+                <a:srgbClr val="666666"/>
+              </a:solidFill>
+              <a:latin typeface="DejaVu Sans"/>
             </a:endParaRPr>
           </a:p>
         </p:txBody>
@@ -2726,8 +2928,8 @@
         </p:nvSpPr>
         <p:spPr>
           <a:xfrm>
-            <a:off x="2376000" y="216000"/>
-            <a:ext cx="5328000" cy="720000"/>
+            <a:off x="504000" y="225720"/>
+            <a:ext cx="4039560" cy="946800"/>
           </a:xfrm>
           <a:prstGeom prst="rect">
             <a:avLst/>
@@ -2735,15 +2937,15 @@
         </p:spPr>
         <p:txBody>
           <a:bodyPr lIns="0" rIns="0" tIns="0" bIns="0" anchor="ctr">
-            <a:normAutofit/>
+            <a:noAutofit/>
           </a:bodyPr>
           <a:p>
             <a:pPr algn="ctr"/>
-            <a:endParaRPr b="0" lang="en-US" sz="3110" spc="-1" strike="noStrike">
-              <a:solidFill>
-                <a:srgbClr val="ffffff"/>
-              </a:solidFill>
-              <a:latin typeface="Arial"/>
+            <a:endParaRPr b="0" lang="en-US" sz="1860" spc="-1" strike="noStrike">
+              <a:solidFill>
+                <a:srgbClr val="ffffff"/>
+              </a:solidFill>
+              <a:latin typeface="DejaVu Sans"/>
             </a:endParaRPr>
           </a:p>
         </p:txBody>
@@ -2772,11 +2974,16 @@
             <a:normAutofit/>
           </a:bodyPr>
           <a:p>
-            <a:endParaRPr b="0" lang="en-US" sz="2400" spc="-1" strike="noStrike">
-              <a:solidFill>
-                <a:srgbClr val="ffffff"/>
-              </a:solidFill>
-              <a:latin typeface="Arial"/>
+            <a:pPr algn="ctr">
+              <a:spcAft>
+                <a:spcPts val="592"/>
+              </a:spcAft>
+            </a:pPr>
+            <a:endParaRPr b="0" lang="en-US" sz="1350" spc="-1" strike="noStrike">
+              <a:solidFill>
+                <a:srgbClr val="666666"/>
+              </a:solidFill>
+              <a:latin typeface="DejaVu Sans"/>
             </a:endParaRPr>
           </a:p>
         </p:txBody>
@@ -2805,11 +3012,16 @@
             <a:normAutofit/>
           </a:bodyPr>
           <a:p>
-            <a:endParaRPr b="0" lang="en-US" sz="2400" spc="-1" strike="noStrike">
-              <a:solidFill>
-                <a:srgbClr val="ffffff"/>
-              </a:solidFill>
-              <a:latin typeface="Arial"/>
+            <a:pPr algn="ctr">
+              <a:spcAft>
+                <a:spcPts val="592"/>
+              </a:spcAft>
+            </a:pPr>
+            <a:endParaRPr b="0" lang="en-US" sz="1350" spc="-1" strike="noStrike">
+              <a:solidFill>
+                <a:srgbClr val="666666"/>
+              </a:solidFill>
+              <a:latin typeface="DejaVu Sans"/>
             </a:endParaRPr>
           </a:p>
         </p:txBody>
@@ -2838,11 +3050,16 @@
             <a:normAutofit/>
           </a:bodyPr>
           <a:p>
-            <a:endParaRPr b="0" lang="en-US" sz="2400" spc="-1" strike="noStrike">
-              <a:solidFill>
-                <a:srgbClr val="ffffff"/>
-              </a:solidFill>
-              <a:latin typeface="Arial"/>
+            <a:pPr algn="ctr">
+              <a:spcAft>
+                <a:spcPts val="592"/>
+              </a:spcAft>
+            </a:pPr>
+            <a:endParaRPr b="0" lang="en-US" sz="1350" spc="-1" strike="noStrike">
+              <a:solidFill>
+                <a:srgbClr val="666666"/>
+              </a:solidFill>
+              <a:latin typeface="DejaVu Sans"/>
             </a:endParaRPr>
           </a:p>
         </p:txBody>
@@ -2881,8 +3098,8 @@
         </p:nvSpPr>
         <p:spPr>
           <a:xfrm>
-            <a:off x="2376000" y="216000"/>
-            <a:ext cx="5328000" cy="720000"/>
+            <a:off x="504000" y="225720"/>
+            <a:ext cx="4039560" cy="946800"/>
           </a:xfrm>
           <a:prstGeom prst="rect">
             <a:avLst/>
@@ -2890,15 +3107,15 @@
         </p:spPr>
         <p:txBody>
           <a:bodyPr lIns="0" rIns="0" tIns="0" bIns="0" anchor="ctr">
-            <a:normAutofit/>
+            <a:noAutofit/>
           </a:bodyPr>
           <a:p>
             <a:pPr algn="ctr"/>
-            <a:endParaRPr b="0" lang="en-US" sz="3110" spc="-1" strike="noStrike">
-              <a:solidFill>
-                <a:srgbClr val="ffffff"/>
-              </a:solidFill>
-              <a:latin typeface="Arial"/>
+            <a:endParaRPr b="0" lang="en-US" sz="1860" spc="-1" strike="noStrike">
+              <a:solidFill>
+                <a:srgbClr val="ffffff"/>
+              </a:solidFill>
+              <a:latin typeface="DejaVu Sans"/>
             </a:endParaRPr>
           </a:p>
         </p:txBody>
@@ -2927,11 +3144,16 @@
             <a:normAutofit/>
           </a:bodyPr>
           <a:p>
-            <a:endParaRPr b="0" lang="en-US" sz="2400" spc="-1" strike="noStrike">
-              <a:solidFill>
-                <a:srgbClr val="ffffff"/>
-              </a:solidFill>
-              <a:latin typeface="Arial"/>
+            <a:pPr algn="ctr">
+              <a:spcAft>
+                <a:spcPts val="592"/>
+              </a:spcAft>
+            </a:pPr>
+            <a:endParaRPr b="0" lang="en-US" sz="1350" spc="-1" strike="noStrike">
+              <a:solidFill>
+                <a:srgbClr val="666666"/>
+              </a:solidFill>
+              <a:latin typeface="DejaVu Sans"/>
             </a:endParaRPr>
           </a:p>
         </p:txBody>
@@ -2960,11 +3182,16 @@
             <a:normAutofit/>
           </a:bodyPr>
           <a:p>
-            <a:endParaRPr b="0" lang="en-US" sz="2400" spc="-1" strike="noStrike">
-              <a:solidFill>
-                <a:srgbClr val="ffffff"/>
-              </a:solidFill>
-              <a:latin typeface="Arial"/>
+            <a:pPr algn="ctr">
+              <a:spcAft>
+                <a:spcPts val="592"/>
+              </a:spcAft>
+            </a:pPr>
+            <a:endParaRPr b="0" lang="en-US" sz="1350" spc="-1" strike="noStrike">
+              <a:solidFill>
+                <a:srgbClr val="666666"/>
+              </a:solidFill>
+              <a:latin typeface="DejaVu Sans"/>
             </a:endParaRPr>
           </a:p>
         </p:txBody>
@@ -2993,11 +3220,16 @@
             <a:normAutofit/>
           </a:bodyPr>
           <a:p>
-            <a:endParaRPr b="0" lang="en-US" sz="2400" spc="-1" strike="noStrike">
-              <a:solidFill>
-                <a:srgbClr val="ffffff"/>
-              </a:solidFill>
-              <a:latin typeface="Arial"/>
+            <a:pPr algn="ctr">
+              <a:spcAft>
+                <a:spcPts val="592"/>
+              </a:spcAft>
+            </a:pPr>
+            <a:endParaRPr b="0" lang="en-US" sz="1350" spc="-1" strike="noStrike">
+              <a:solidFill>
+                <a:srgbClr val="666666"/>
+              </a:solidFill>
+              <a:latin typeface="DejaVu Sans"/>
             </a:endParaRPr>
           </a:p>
         </p:txBody>
@@ -3036,8 +3268,8 @@
         </p:nvSpPr>
         <p:spPr>
           <a:xfrm>
-            <a:off x="2376000" y="216000"/>
-            <a:ext cx="5328000" cy="720000"/>
+            <a:off x="504000" y="225720"/>
+            <a:ext cx="4039560" cy="946800"/>
           </a:xfrm>
           <a:prstGeom prst="rect">
             <a:avLst/>
@@ -3045,15 +3277,15 @@
         </p:spPr>
         <p:txBody>
           <a:bodyPr lIns="0" rIns="0" tIns="0" bIns="0" anchor="ctr">
-            <a:normAutofit/>
+            <a:noAutofit/>
           </a:bodyPr>
           <a:p>
             <a:pPr algn="ctr"/>
-            <a:endParaRPr b="0" lang="en-US" sz="3110" spc="-1" strike="noStrike">
-              <a:solidFill>
-                <a:srgbClr val="ffffff"/>
-              </a:solidFill>
-              <a:latin typeface="Arial"/>
+            <a:endParaRPr b="0" lang="en-US" sz="1860" spc="-1" strike="noStrike">
+              <a:solidFill>
+                <a:srgbClr val="ffffff"/>
+              </a:solidFill>
+              <a:latin typeface="DejaVu Sans"/>
             </a:endParaRPr>
           </a:p>
         </p:txBody>
@@ -3082,11 +3314,16 @@
             <a:normAutofit/>
           </a:bodyPr>
           <a:p>
-            <a:endParaRPr b="0" lang="en-US" sz="2400" spc="-1" strike="noStrike">
-              <a:solidFill>
-                <a:srgbClr val="ffffff"/>
-              </a:solidFill>
-              <a:latin typeface="Arial"/>
+            <a:pPr algn="ctr">
+              <a:spcAft>
+                <a:spcPts val="592"/>
+              </a:spcAft>
+            </a:pPr>
+            <a:endParaRPr b="0" lang="en-US" sz="1350" spc="-1" strike="noStrike">
+              <a:solidFill>
+                <a:srgbClr val="666666"/>
+              </a:solidFill>
+              <a:latin typeface="DejaVu Sans"/>
             </a:endParaRPr>
           </a:p>
         </p:txBody>
@@ -3115,11 +3352,16 @@
             <a:normAutofit/>
           </a:bodyPr>
           <a:p>
-            <a:endParaRPr b="0" lang="en-US" sz="2400" spc="-1" strike="noStrike">
-              <a:solidFill>
-                <a:srgbClr val="ffffff"/>
-              </a:solidFill>
-              <a:latin typeface="Arial"/>
+            <a:pPr algn="ctr">
+              <a:spcAft>
+                <a:spcPts val="592"/>
+              </a:spcAft>
+            </a:pPr>
+            <a:endParaRPr b="0" lang="en-US" sz="1350" spc="-1" strike="noStrike">
+              <a:solidFill>
+                <a:srgbClr val="666666"/>
+              </a:solidFill>
+              <a:latin typeface="DejaVu Sans"/>
             </a:endParaRPr>
           </a:p>
         </p:txBody>
@@ -3148,11 +3390,16 @@
             <a:normAutofit/>
           </a:bodyPr>
           <a:p>
-            <a:endParaRPr b="0" lang="en-US" sz="2400" spc="-1" strike="noStrike">
-              <a:solidFill>
-                <a:srgbClr val="ffffff"/>
-              </a:solidFill>
-              <a:latin typeface="Arial"/>
+            <a:pPr algn="ctr">
+              <a:spcAft>
+                <a:spcPts val="592"/>
+              </a:spcAft>
+            </a:pPr>
+            <a:endParaRPr b="0" lang="en-US" sz="1350" spc="-1" strike="noStrike">
+              <a:solidFill>
+                <a:srgbClr val="666666"/>
+              </a:solidFill>
+              <a:latin typeface="DejaVu Sans"/>
             </a:endParaRPr>
           </a:p>
         </p:txBody>
@@ -3191,8 +3438,8 @@
         </p:nvSpPr>
         <p:spPr>
           <a:xfrm>
-            <a:off x="2376000" y="216000"/>
-            <a:ext cx="5328000" cy="720000"/>
+            <a:off x="504000" y="225720"/>
+            <a:ext cx="4039560" cy="946800"/>
           </a:xfrm>
           <a:prstGeom prst="rect">
             <a:avLst/>
@@ -3200,15 +3447,15 @@
         </p:spPr>
         <p:txBody>
           <a:bodyPr lIns="0" rIns="0" tIns="0" bIns="0" anchor="ctr">
-            <a:normAutofit/>
+            <a:noAutofit/>
           </a:bodyPr>
           <a:p>
             <a:pPr algn="ctr"/>
-            <a:endParaRPr b="0" lang="en-US" sz="3110" spc="-1" strike="noStrike">
-              <a:solidFill>
-                <a:srgbClr val="ffffff"/>
-              </a:solidFill>
-              <a:latin typeface="Arial"/>
+            <a:endParaRPr b="0" lang="en-US" sz="1860" spc="-1" strike="noStrike">
+              <a:solidFill>
+                <a:srgbClr val="ffffff"/>
+              </a:solidFill>
+              <a:latin typeface="DejaVu Sans"/>
             </a:endParaRPr>
           </a:p>
         </p:txBody>
@@ -3237,11 +3484,16 @@
             <a:normAutofit/>
           </a:bodyPr>
           <a:p>
-            <a:endParaRPr b="0" lang="en-US" sz="2400" spc="-1" strike="noStrike">
-              <a:solidFill>
-                <a:srgbClr val="ffffff"/>
-              </a:solidFill>
-              <a:latin typeface="Arial"/>
+            <a:pPr algn="ctr">
+              <a:spcAft>
+                <a:spcPts val="592"/>
+              </a:spcAft>
+            </a:pPr>
+            <a:endParaRPr b="0" lang="en-US" sz="1350" spc="-1" strike="noStrike">
+              <a:solidFill>
+                <a:srgbClr val="666666"/>
+              </a:solidFill>
+              <a:latin typeface="DejaVu Sans"/>
             </a:endParaRPr>
           </a:p>
         </p:txBody>
@@ -3270,11 +3522,16 @@
             <a:normAutofit/>
           </a:bodyPr>
           <a:p>
-            <a:endParaRPr b="0" lang="en-US" sz="2400" spc="-1" strike="noStrike">
-              <a:solidFill>
-                <a:srgbClr val="ffffff"/>
-              </a:solidFill>
-              <a:latin typeface="Arial"/>
+            <a:pPr algn="ctr">
+              <a:spcAft>
+                <a:spcPts val="592"/>
+              </a:spcAft>
+            </a:pPr>
+            <a:endParaRPr b="0" lang="en-US" sz="1350" spc="-1" strike="noStrike">
+              <a:solidFill>
+                <a:srgbClr val="666666"/>
+              </a:solidFill>
+              <a:latin typeface="DejaVu Sans"/>
             </a:endParaRPr>
           </a:p>
         </p:txBody>
@@ -3313,8 +3570,8 @@
         </p:nvSpPr>
         <p:spPr>
           <a:xfrm>
-            <a:off x="2376000" y="216000"/>
-            <a:ext cx="5328000" cy="720000"/>
+            <a:off x="504000" y="225720"/>
+            <a:ext cx="4039560" cy="946800"/>
           </a:xfrm>
           <a:prstGeom prst="rect">
             <a:avLst/>
@@ -3322,15 +3579,15 @@
         </p:spPr>
         <p:txBody>
           <a:bodyPr lIns="0" rIns="0" tIns="0" bIns="0" anchor="ctr">
-            <a:normAutofit/>
+            <a:noAutofit/>
           </a:bodyPr>
           <a:p>
             <a:pPr algn="ctr"/>
-            <a:endParaRPr b="0" lang="en-US" sz="3110" spc="-1" strike="noStrike">
-              <a:solidFill>
-                <a:srgbClr val="ffffff"/>
-              </a:solidFill>
-              <a:latin typeface="Arial"/>
+            <a:endParaRPr b="0" lang="en-US" sz="1860" spc="-1" strike="noStrike">
+              <a:solidFill>
+                <a:srgbClr val="ffffff"/>
+              </a:solidFill>
+              <a:latin typeface="DejaVu Sans"/>
             </a:endParaRPr>
           </a:p>
         </p:txBody>
@@ -3359,11 +3616,16 @@
             <a:normAutofit/>
           </a:bodyPr>
           <a:p>
-            <a:endParaRPr b="0" lang="en-US" sz="2400" spc="-1" strike="noStrike">
-              <a:solidFill>
-                <a:srgbClr val="ffffff"/>
-              </a:solidFill>
-              <a:latin typeface="Arial"/>
+            <a:pPr algn="ctr">
+              <a:spcAft>
+                <a:spcPts val="592"/>
+              </a:spcAft>
+            </a:pPr>
+            <a:endParaRPr b="0" lang="en-US" sz="1350" spc="-1" strike="noStrike">
+              <a:solidFill>
+                <a:srgbClr val="666666"/>
+              </a:solidFill>
+              <a:latin typeface="DejaVu Sans"/>
             </a:endParaRPr>
           </a:p>
         </p:txBody>
@@ -3392,11 +3654,16 @@
             <a:normAutofit/>
           </a:bodyPr>
           <a:p>
-            <a:endParaRPr b="0" lang="en-US" sz="2400" spc="-1" strike="noStrike">
-              <a:solidFill>
-                <a:srgbClr val="ffffff"/>
-              </a:solidFill>
-              <a:latin typeface="Arial"/>
+            <a:pPr algn="ctr">
+              <a:spcAft>
+                <a:spcPts val="592"/>
+              </a:spcAft>
+            </a:pPr>
+            <a:endParaRPr b="0" lang="en-US" sz="1350" spc="-1" strike="noStrike">
+              <a:solidFill>
+                <a:srgbClr val="666666"/>
+              </a:solidFill>
+              <a:latin typeface="DejaVu Sans"/>
             </a:endParaRPr>
           </a:p>
         </p:txBody>
@@ -3425,11 +3692,16 @@
             <a:normAutofit/>
           </a:bodyPr>
           <a:p>
-            <a:endParaRPr b="0" lang="en-US" sz="2400" spc="-1" strike="noStrike">
-              <a:solidFill>
-                <a:srgbClr val="ffffff"/>
-              </a:solidFill>
-              <a:latin typeface="Arial"/>
+            <a:pPr algn="ctr">
+              <a:spcAft>
+                <a:spcPts val="592"/>
+              </a:spcAft>
+            </a:pPr>
+            <a:endParaRPr b="0" lang="en-US" sz="1350" spc="-1" strike="noStrike">
+              <a:solidFill>
+                <a:srgbClr val="666666"/>
+              </a:solidFill>
+              <a:latin typeface="DejaVu Sans"/>
             </a:endParaRPr>
           </a:p>
         </p:txBody>
@@ -3458,11 +3730,16 @@
             <a:normAutofit/>
           </a:bodyPr>
           <a:p>
-            <a:endParaRPr b="0" lang="en-US" sz="2400" spc="-1" strike="noStrike">
-              <a:solidFill>
-                <a:srgbClr val="ffffff"/>
-              </a:solidFill>
-              <a:latin typeface="Arial"/>
+            <a:pPr algn="ctr">
+              <a:spcAft>
+                <a:spcPts val="592"/>
+              </a:spcAft>
+            </a:pPr>
+            <a:endParaRPr b="0" lang="en-US" sz="1350" spc="-1" strike="noStrike">
+              <a:solidFill>
+                <a:srgbClr val="666666"/>
+              </a:solidFill>
+              <a:latin typeface="DejaVu Sans"/>
             </a:endParaRPr>
           </a:p>
         </p:txBody>
@@ -3501,8 +3778,8 @@
         </p:nvSpPr>
         <p:spPr>
           <a:xfrm>
-            <a:off x="2376000" y="216000"/>
-            <a:ext cx="5328000" cy="720000"/>
+            <a:off x="504000" y="225720"/>
+            <a:ext cx="4039560" cy="946800"/>
           </a:xfrm>
           <a:prstGeom prst="rect">
             <a:avLst/>
@@ -3510,15 +3787,15 @@
         </p:spPr>
         <p:txBody>
           <a:bodyPr lIns="0" rIns="0" tIns="0" bIns="0" anchor="ctr">
-            <a:normAutofit/>
+            <a:noAutofit/>
           </a:bodyPr>
           <a:p>
             <a:pPr algn="ctr"/>
-            <a:endParaRPr b="0" lang="en-US" sz="3110" spc="-1" strike="noStrike">
-              <a:solidFill>
-                <a:srgbClr val="ffffff"/>
-              </a:solidFill>
-              <a:latin typeface="Arial"/>
+            <a:endParaRPr b="0" lang="en-US" sz="1860" spc="-1" strike="noStrike">
+              <a:solidFill>
+                <a:srgbClr val="ffffff"/>
+              </a:solidFill>
+              <a:latin typeface="DejaVu Sans"/>
             </a:endParaRPr>
           </a:p>
         </p:txBody>
@@ -3547,11 +3824,16 @@
             <a:normAutofit/>
           </a:bodyPr>
           <a:p>
-            <a:endParaRPr b="0" lang="en-US" sz="2400" spc="-1" strike="noStrike">
-              <a:solidFill>
-                <a:srgbClr val="ffffff"/>
-              </a:solidFill>
-              <a:latin typeface="Arial"/>
+            <a:pPr algn="ctr">
+              <a:spcAft>
+                <a:spcPts val="592"/>
+              </a:spcAft>
+            </a:pPr>
+            <a:endParaRPr b="0" lang="en-US" sz="1350" spc="-1" strike="noStrike">
+              <a:solidFill>
+                <a:srgbClr val="666666"/>
+              </a:solidFill>
+              <a:latin typeface="DejaVu Sans"/>
             </a:endParaRPr>
           </a:p>
         </p:txBody>
@@ -3580,11 +3862,16 @@
             <a:normAutofit/>
           </a:bodyPr>
           <a:p>
-            <a:endParaRPr b="0" lang="en-US" sz="2400" spc="-1" strike="noStrike">
-              <a:solidFill>
-                <a:srgbClr val="ffffff"/>
-              </a:solidFill>
-              <a:latin typeface="Arial"/>
+            <a:pPr algn="ctr">
+              <a:spcAft>
+                <a:spcPts val="592"/>
+              </a:spcAft>
+            </a:pPr>
+            <a:endParaRPr b="0" lang="en-US" sz="1350" spc="-1" strike="noStrike">
+              <a:solidFill>
+                <a:srgbClr val="666666"/>
+              </a:solidFill>
+              <a:latin typeface="DejaVu Sans"/>
             </a:endParaRPr>
           </a:p>
         </p:txBody>
@@ -3613,11 +3900,16 @@
             <a:normAutofit/>
           </a:bodyPr>
           <a:p>
-            <a:endParaRPr b="0" lang="en-US" sz="2400" spc="-1" strike="noStrike">
-              <a:solidFill>
-                <a:srgbClr val="ffffff"/>
-              </a:solidFill>
-              <a:latin typeface="Arial"/>
+            <a:pPr algn="ctr">
+              <a:spcAft>
+                <a:spcPts val="592"/>
+              </a:spcAft>
+            </a:pPr>
+            <a:endParaRPr b="0" lang="en-US" sz="1350" spc="-1" strike="noStrike">
+              <a:solidFill>
+                <a:srgbClr val="666666"/>
+              </a:solidFill>
+              <a:latin typeface="DejaVu Sans"/>
             </a:endParaRPr>
           </a:p>
         </p:txBody>
@@ -3646,11 +3938,16 @@
             <a:normAutofit/>
           </a:bodyPr>
           <a:p>
-            <a:endParaRPr b="0" lang="en-US" sz="2400" spc="-1" strike="noStrike">
-              <a:solidFill>
-                <a:srgbClr val="ffffff"/>
-              </a:solidFill>
-              <a:latin typeface="Arial"/>
+            <a:pPr algn="ctr">
+              <a:spcAft>
+                <a:spcPts val="592"/>
+              </a:spcAft>
+            </a:pPr>
+            <a:endParaRPr b="0" lang="en-US" sz="1350" spc="-1" strike="noStrike">
+              <a:solidFill>
+                <a:srgbClr val="666666"/>
+              </a:solidFill>
+              <a:latin typeface="DejaVu Sans"/>
             </a:endParaRPr>
           </a:p>
         </p:txBody>
@@ -3679,11 +3976,16 @@
             <a:normAutofit/>
           </a:bodyPr>
           <a:p>
-            <a:endParaRPr b="0" lang="en-US" sz="2400" spc="-1" strike="noStrike">
-              <a:solidFill>
-                <a:srgbClr val="ffffff"/>
-              </a:solidFill>
-              <a:latin typeface="Arial"/>
+            <a:pPr algn="ctr">
+              <a:spcAft>
+                <a:spcPts val="592"/>
+              </a:spcAft>
+            </a:pPr>
+            <a:endParaRPr b="0" lang="en-US" sz="1350" spc="-1" strike="noStrike">
+              <a:solidFill>
+                <a:srgbClr val="666666"/>
+              </a:solidFill>
+              <a:latin typeface="DejaVu Sans"/>
             </a:endParaRPr>
           </a:p>
         </p:txBody>
@@ -3712,11 +4014,16 @@
             <a:normAutofit/>
           </a:bodyPr>
           <a:p>
-            <a:endParaRPr b="0" lang="en-US" sz="2400" spc="-1" strike="noStrike">
-              <a:solidFill>
-                <a:srgbClr val="ffffff"/>
-              </a:solidFill>
-              <a:latin typeface="Arial"/>
+            <a:pPr algn="ctr">
+              <a:spcAft>
+                <a:spcPts val="592"/>
+              </a:spcAft>
+            </a:pPr>
+            <a:endParaRPr b="0" lang="en-US" sz="1350" spc="-1" strike="noStrike">
+              <a:solidFill>
+                <a:srgbClr val="666666"/>
+              </a:solidFill>
+              <a:latin typeface="DejaVu Sans"/>
             </a:endParaRPr>
           </a:p>
         </p:txBody>
@@ -3777,8 +4084,8 @@
         </p:nvSpPr>
         <p:spPr>
           <a:xfrm>
-            <a:off x="2376000" y="216000"/>
-            <a:ext cx="5328000" cy="720000"/>
+            <a:off x="504000" y="225720"/>
+            <a:ext cx="4039560" cy="946800"/>
           </a:xfrm>
           <a:prstGeom prst="rect">
             <a:avLst/>
@@ -3786,15 +4093,15 @@
         </p:spPr>
         <p:txBody>
           <a:bodyPr lIns="0" rIns="0" tIns="0" bIns="0" anchor="ctr">
-            <a:normAutofit/>
+            <a:noAutofit/>
           </a:bodyPr>
           <a:p>
             <a:pPr algn="ctr"/>
-            <a:endParaRPr b="0" lang="en-US" sz="3110" spc="-1" strike="noStrike">
-              <a:solidFill>
-                <a:srgbClr val="ffffff"/>
-              </a:solidFill>
-              <a:latin typeface="Arial"/>
+            <a:endParaRPr b="0" lang="en-US" sz="1860" spc="-1" strike="noStrike">
+              <a:solidFill>
+                <a:srgbClr val="ffffff"/>
+              </a:solidFill>
+              <a:latin typeface="DejaVu Sans"/>
             </a:endParaRPr>
           </a:p>
         </p:txBody>
@@ -3826,9 +4133,9 @@
             <a:pPr algn="ctr"/>
             <a:endParaRPr b="0" lang="en-US" sz="3200" spc="-1" strike="noStrike">
               <a:solidFill>
-                <a:srgbClr val="ffffff"/>
-              </a:solidFill>
-              <a:latin typeface="Arial"/>
+                <a:srgbClr val="666666"/>
+              </a:solidFill>
+              <a:latin typeface="DejaVu Sans"/>
             </a:endParaRPr>
           </a:p>
         </p:txBody>
@@ -3867,8 +4174,8 @@
         </p:nvSpPr>
         <p:spPr>
           <a:xfrm>
-            <a:off x="2376000" y="216000"/>
-            <a:ext cx="5328000" cy="720000"/>
+            <a:off x="504000" y="225720"/>
+            <a:ext cx="4039560" cy="946800"/>
           </a:xfrm>
           <a:prstGeom prst="rect">
             <a:avLst/>
@@ -3876,15 +4183,15 @@
         </p:spPr>
         <p:txBody>
           <a:bodyPr lIns="0" rIns="0" tIns="0" bIns="0" anchor="ctr">
-            <a:normAutofit/>
+            <a:noAutofit/>
           </a:bodyPr>
           <a:p>
             <a:pPr algn="ctr"/>
-            <a:endParaRPr b="0" lang="en-US" sz="3110" spc="-1" strike="noStrike">
-              <a:solidFill>
-                <a:srgbClr val="ffffff"/>
-              </a:solidFill>
-              <a:latin typeface="Arial"/>
+            <a:endParaRPr b="0" lang="en-US" sz="1860" spc="-1" strike="noStrike">
+              <a:solidFill>
+                <a:srgbClr val="ffffff"/>
+              </a:solidFill>
+              <a:latin typeface="DejaVu Sans"/>
             </a:endParaRPr>
           </a:p>
         </p:txBody>
@@ -3913,11 +4220,16 @@
             <a:normAutofit/>
           </a:bodyPr>
           <a:p>
-            <a:endParaRPr b="0" lang="en-US" sz="2400" spc="-1" strike="noStrike">
-              <a:solidFill>
-                <a:srgbClr val="ffffff"/>
-              </a:solidFill>
-              <a:latin typeface="Arial"/>
+            <a:pPr algn="ctr">
+              <a:spcAft>
+                <a:spcPts val="592"/>
+              </a:spcAft>
+            </a:pPr>
+            <a:endParaRPr b="0" lang="en-US" sz="1350" spc="-1" strike="noStrike">
+              <a:solidFill>
+                <a:srgbClr val="666666"/>
+              </a:solidFill>
+              <a:latin typeface="DejaVu Sans"/>
             </a:endParaRPr>
           </a:p>
         </p:txBody>
@@ -3956,8 +4268,8 @@
         </p:nvSpPr>
         <p:spPr>
           <a:xfrm>
-            <a:off x="2376000" y="216000"/>
-            <a:ext cx="5328000" cy="720000"/>
+            <a:off x="504000" y="225720"/>
+            <a:ext cx="4039560" cy="946800"/>
           </a:xfrm>
           <a:prstGeom prst="rect">
             <a:avLst/>
@@ -3965,15 +4277,15 @@
         </p:spPr>
         <p:txBody>
           <a:bodyPr lIns="0" rIns="0" tIns="0" bIns="0" anchor="ctr">
-            <a:normAutofit/>
+            <a:noAutofit/>
           </a:bodyPr>
           <a:p>
             <a:pPr algn="ctr"/>
-            <a:endParaRPr b="0" lang="en-US" sz="3110" spc="-1" strike="noStrike">
-              <a:solidFill>
-                <a:srgbClr val="ffffff"/>
-              </a:solidFill>
-              <a:latin typeface="Arial"/>
+            <a:endParaRPr b="0" lang="en-US" sz="1860" spc="-1" strike="noStrike">
+              <a:solidFill>
+                <a:srgbClr val="ffffff"/>
+              </a:solidFill>
+              <a:latin typeface="DejaVu Sans"/>
             </a:endParaRPr>
           </a:p>
         </p:txBody>
@@ -4002,11 +4314,16 @@
             <a:normAutofit/>
           </a:bodyPr>
           <a:p>
-            <a:endParaRPr b="0" lang="en-US" sz="2400" spc="-1" strike="noStrike">
-              <a:solidFill>
-                <a:srgbClr val="ffffff"/>
-              </a:solidFill>
-              <a:latin typeface="Arial"/>
+            <a:pPr algn="ctr">
+              <a:spcAft>
+                <a:spcPts val="592"/>
+              </a:spcAft>
+            </a:pPr>
+            <a:endParaRPr b="0" lang="en-US" sz="1350" spc="-1" strike="noStrike">
+              <a:solidFill>
+                <a:srgbClr val="666666"/>
+              </a:solidFill>
+              <a:latin typeface="DejaVu Sans"/>
             </a:endParaRPr>
           </a:p>
         </p:txBody>
@@ -4035,11 +4352,16 @@
             <a:normAutofit/>
           </a:bodyPr>
           <a:p>
-            <a:endParaRPr b="0" lang="en-US" sz="2400" spc="-1" strike="noStrike">
-              <a:solidFill>
-                <a:srgbClr val="ffffff"/>
-              </a:solidFill>
-              <a:latin typeface="Arial"/>
+            <a:pPr algn="ctr">
+              <a:spcAft>
+                <a:spcPts val="592"/>
+              </a:spcAft>
+            </a:pPr>
+            <a:endParaRPr b="0" lang="en-US" sz="1350" spc="-1" strike="noStrike">
+              <a:solidFill>
+                <a:srgbClr val="666666"/>
+              </a:solidFill>
+              <a:latin typeface="DejaVu Sans"/>
             </a:endParaRPr>
           </a:p>
         </p:txBody>
@@ -4078,8 +4400,8 @@
         </p:nvSpPr>
         <p:spPr>
           <a:xfrm>
-            <a:off x="2376000" y="216000"/>
-            <a:ext cx="5328000" cy="720000"/>
+            <a:off x="504000" y="225720"/>
+            <a:ext cx="4039560" cy="946800"/>
           </a:xfrm>
           <a:prstGeom prst="rect">
             <a:avLst/>
@@ -4087,15 +4409,15 @@
         </p:spPr>
         <p:txBody>
           <a:bodyPr lIns="0" rIns="0" tIns="0" bIns="0" anchor="ctr">
-            <a:normAutofit/>
+            <a:noAutofit/>
           </a:bodyPr>
           <a:p>
             <a:pPr algn="ctr"/>
-            <a:endParaRPr b="0" lang="en-US" sz="3110" spc="-1" strike="noStrike">
-              <a:solidFill>
-                <a:srgbClr val="ffffff"/>
-              </a:solidFill>
-              <a:latin typeface="Arial"/>
+            <a:endParaRPr b="0" lang="en-US" sz="1860" spc="-1" strike="noStrike">
+              <a:solidFill>
+                <a:srgbClr val="ffffff"/>
+              </a:solidFill>
+              <a:latin typeface="DejaVu Sans"/>
             </a:endParaRPr>
           </a:p>
         </p:txBody>
@@ -4124,11 +4446,16 @@
             <a:normAutofit/>
           </a:bodyPr>
           <a:p>
-            <a:endParaRPr b="0" lang="en-US" sz="2400" spc="-1" strike="noStrike">
-              <a:solidFill>
-                <a:srgbClr val="ffffff"/>
-              </a:solidFill>
-              <a:latin typeface="Arial"/>
+            <a:pPr algn="ctr">
+              <a:spcAft>
+                <a:spcPts val="592"/>
+              </a:spcAft>
+            </a:pPr>
+            <a:endParaRPr b="0" lang="en-US" sz="1350" spc="-1" strike="noStrike">
+              <a:solidFill>
+                <a:srgbClr val="666666"/>
+              </a:solidFill>
+              <a:latin typeface="DejaVu Sans"/>
             </a:endParaRPr>
           </a:p>
         </p:txBody>
@@ -4157,11 +4484,16 @@
             <a:normAutofit/>
           </a:bodyPr>
           <a:p>
-            <a:endParaRPr b="0" lang="en-US" sz="2400" spc="-1" strike="noStrike">
-              <a:solidFill>
-                <a:srgbClr val="ffffff"/>
-              </a:solidFill>
-              <a:latin typeface="Arial"/>
+            <a:pPr algn="ctr">
+              <a:spcAft>
+                <a:spcPts val="592"/>
+              </a:spcAft>
+            </a:pPr>
+            <a:endParaRPr b="0" lang="en-US" sz="1350" spc="-1" strike="noStrike">
+              <a:solidFill>
+                <a:srgbClr val="666666"/>
+              </a:solidFill>
+              <a:latin typeface="DejaVu Sans"/>
             </a:endParaRPr>
           </a:p>
         </p:txBody>
@@ -4200,8 +4532,8 @@
         </p:nvSpPr>
         <p:spPr>
           <a:xfrm>
-            <a:off x="2376000" y="216000"/>
-            <a:ext cx="5328000" cy="720000"/>
+            <a:off x="504000" y="225720"/>
+            <a:ext cx="4039560" cy="946800"/>
           </a:xfrm>
           <a:prstGeom prst="rect">
             <a:avLst/>
@@ -4209,15 +4541,15 @@
         </p:spPr>
         <p:txBody>
           <a:bodyPr lIns="0" rIns="0" tIns="0" bIns="0" anchor="ctr">
-            <a:normAutofit/>
+            <a:noAutofit/>
           </a:bodyPr>
           <a:p>
             <a:pPr algn="ctr"/>
-            <a:endParaRPr b="0" lang="en-US" sz="3110" spc="-1" strike="noStrike">
-              <a:solidFill>
-                <a:srgbClr val="ffffff"/>
-              </a:solidFill>
-              <a:latin typeface="Arial"/>
+            <a:endParaRPr b="0" lang="en-US" sz="1860" spc="-1" strike="noStrike">
+              <a:solidFill>
+                <a:srgbClr val="ffffff"/>
+              </a:solidFill>
+              <a:latin typeface="DejaVu Sans"/>
             </a:endParaRPr>
           </a:p>
         </p:txBody>
@@ -4256,8 +4588,8 @@
         </p:nvSpPr>
         <p:spPr>
           <a:xfrm>
-            <a:off x="2376000" y="216000"/>
-            <a:ext cx="5328000" cy="3338640"/>
+            <a:off x="504000" y="225720"/>
+            <a:ext cx="4039560" cy="4390200"/>
           </a:xfrm>
           <a:prstGeom prst="rect">
             <a:avLst/>
@@ -4271,9 +4603,9 @@
             <a:pPr algn="ctr"/>
             <a:endParaRPr b="0" lang="en-US" sz="3200" spc="-1" strike="noStrike">
               <a:solidFill>
-                <a:srgbClr val="ffffff"/>
-              </a:solidFill>
-              <a:latin typeface="Arial"/>
+                <a:srgbClr val="666666"/>
+              </a:solidFill>
+              <a:latin typeface="DejaVu Sans"/>
             </a:endParaRPr>
           </a:p>
         </p:txBody>
@@ -4312,8 +4644,8 @@
         </p:nvSpPr>
         <p:spPr>
           <a:xfrm>
-            <a:off x="2376000" y="216000"/>
-            <a:ext cx="5328000" cy="720000"/>
+            <a:off x="504000" y="225720"/>
+            <a:ext cx="4039560" cy="946800"/>
           </a:xfrm>
           <a:prstGeom prst="rect">
             <a:avLst/>
@@ -4321,15 +4653,15 @@
         </p:spPr>
         <p:txBody>
           <a:bodyPr lIns="0" rIns="0" tIns="0" bIns="0" anchor="ctr">
-            <a:normAutofit/>
+            <a:noAutofit/>
           </a:bodyPr>
           <a:p>
             <a:pPr algn="ctr"/>
-            <a:endParaRPr b="0" lang="en-US" sz="3110" spc="-1" strike="noStrike">
-              <a:solidFill>
-                <a:srgbClr val="ffffff"/>
-              </a:solidFill>
-              <a:latin typeface="Arial"/>
+            <a:endParaRPr b="0" lang="en-US" sz="1860" spc="-1" strike="noStrike">
+              <a:solidFill>
+                <a:srgbClr val="ffffff"/>
+              </a:solidFill>
+              <a:latin typeface="DejaVu Sans"/>
             </a:endParaRPr>
           </a:p>
         </p:txBody>
@@ -4358,11 +4690,16 @@
             <a:normAutofit/>
           </a:bodyPr>
           <a:p>
-            <a:endParaRPr b="0" lang="en-US" sz="2400" spc="-1" strike="noStrike">
-              <a:solidFill>
-                <a:srgbClr val="ffffff"/>
-              </a:solidFill>
-              <a:latin typeface="Arial"/>
+            <a:pPr algn="ctr">
+              <a:spcAft>
+                <a:spcPts val="592"/>
+              </a:spcAft>
+            </a:pPr>
+            <a:endParaRPr b="0" lang="en-US" sz="1350" spc="-1" strike="noStrike">
+              <a:solidFill>
+                <a:srgbClr val="666666"/>
+              </a:solidFill>
+              <a:latin typeface="DejaVu Sans"/>
             </a:endParaRPr>
           </a:p>
         </p:txBody>
@@ -4391,11 +4728,16 @@
             <a:normAutofit/>
           </a:bodyPr>
           <a:p>
-            <a:endParaRPr b="0" lang="en-US" sz="2400" spc="-1" strike="noStrike">
-              <a:solidFill>
-                <a:srgbClr val="ffffff"/>
-              </a:solidFill>
-              <a:latin typeface="Arial"/>
+            <a:pPr algn="ctr">
+              <a:spcAft>
+                <a:spcPts val="592"/>
+              </a:spcAft>
+            </a:pPr>
+            <a:endParaRPr b="0" lang="en-US" sz="1350" spc="-1" strike="noStrike">
+              <a:solidFill>
+                <a:srgbClr val="666666"/>
+              </a:solidFill>
+              <a:latin typeface="DejaVu Sans"/>
             </a:endParaRPr>
           </a:p>
         </p:txBody>
@@ -4424,11 +4766,16 @@
             <a:normAutofit/>
           </a:bodyPr>
           <a:p>
-            <a:endParaRPr b="0" lang="en-US" sz="2400" spc="-1" strike="noStrike">
-              <a:solidFill>
-                <a:srgbClr val="ffffff"/>
-              </a:solidFill>
-              <a:latin typeface="Arial"/>
+            <a:pPr algn="ctr">
+              <a:spcAft>
+                <a:spcPts val="592"/>
+              </a:spcAft>
+            </a:pPr>
+            <a:endParaRPr b="0" lang="en-US" sz="1350" spc="-1" strike="noStrike">
+              <a:solidFill>
+                <a:srgbClr val="666666"/>
+              </a:solidFill>
+              <a:latin typeface="DejaVu Sans"/>
             </a:endParaRPr>
           </a:p>
         </p:txBody>
@@ -4467,8 +4814,8 @@
         </p:nvSpPr>
         <p:spPr>
           <a:xfrm>
-            <a:off x="2376000" y="216000"/>
-            <a:ext cx="5328000" cy="720000"/>
+            <a:off x="504000" y="225720"/>
+            <a:ext cx="4039560" cy="946800"/>
           </a:xfrm>
           <a:prstGeom prst="rect">
             <a:avLst/>
@@ -4476,15 +4823,15 @@
         </p:spPr>
         <p:txBody>
           <a:bodyPr lIns="0" rIns="0" tIns="0" bIns="0" anchor="ctr">
-            <a:normAutofit/>
+            <a:noAutofit/>
           </a:bodyPr>
           <a:p>
             <a:pPr algn="ctr"/>
-            <a:endParaRPr b="0" lang="en-US" sz="3110" spc="-1" strike="noStrike">
-              <a:solidFill>
-                <a:srgbClr val="ffffff"/>
-              </a:solidFill>
-              <a:latin typeface="Arial"/>
+            <a:endParaRPr b="0" lang="en-US" sz="1860" spc="-1" strike="noStrike">
+              <a:solidFill>
+                <a:srgbClr val="ffffff"/>
+              </a:solidFill>
+              <a:latin typeface="DejaVu Sans"/>
             </a:endParaRPr>
           </a:p>
         </p:txBody>
@@ -4513,11 +4860,16 @@
             <a:normAutofit/>
           </a:bodyPr>
           <a:p>
-            <a:endParaRPr b="0" lang="en-US" sz="2400" spc="-1" strike="noStrike">
-              <a:solidFill>
-                <a:srgbClr val="ffffff"/>
-              </a:solidFill>
-              <a:latin typeface="Arial"/>
+            <a:pPr algn="ctr">
+              <a:spcAft>
+                <a:spcPts val="592"/>
+              </a:spcAft>
+            </a:pPr>
+            <a:endParaRPr b="0" lang="en-US" sz="1350" spc="-1" strike="noStrike">
+              <a:solidFill>
+                <a:srgbClr val="666666"/>
+              </a:solidFill>
+              <a:latin typeface="DejaVu Sans"/>
             </a:endParaRPr>
           </a:p>
         </p:txBody>
@@ -4546,11 +4898,16 @@
             <a:normAutofit/>
           </a:bodyPr>
           <a:p>
-            <a:endParaRPr b="0" lang="en-US" sz="2400" spc="-1" strike="noStrike">
-              <a:solidFill>
-                <a:srgbClr val="ffffff"/>
-              </a:solidFill>
-              <a:latin typeface="Arial"/>
+            <a:pPr algn="ctr">
+              <a:spcAft>
+                <a:spcPts val="592"/>
+              </a:spcAft>
+            </a:pPr>
+            <a:endParaRPr b="0" lang="en-US" sz="1350" spc="-1" strike="noStrike">
+              <a:solidFill>
+                <a:srgbClr val="666666"/>
+              </a:solidFill>
+              <a:latin typeface="DejaVu Sans"/>
             </a:endParaRPr>
           </a:p>
         </p:txBody>
@@ -4579,11 +4936,16 @@
             <a:normAutofit/>
           </a:bodyPr>
           <a:p>
-            <a:endParaRPr b="0" lang="en-US" sz="2400" spc="-1" strike="noStrike">
-              <a:solidFill>
-                <a:srgbClr val="ffffff"/>
-              </a:solidFill>
-              <a:latin typeface="Arial"/>
+            <a:pPr algn="ctr">
+              <a:spcAft>
+                <a:spcPts val="592"/>
+              </a:spcAft>
+            </a:pPr>
+            <a:endParaRPr b="0" lang="en-US" sz="1350" spc="-1" strike="noStrike">
+              <a:solidFill>
+                <a:srgbClr val="666666"/>
+              </a:solidFill>
+              <a:latin typeface="DejaVu Sans"/>
             </a:endParaRPr>
           </a:p>
         </p:txBody>
@@ -4622,8 +4984,8 @@
         </p:nvSpPr>
         <p:spPr>
           <a:xfrm>
-            <a:off x="2376000" y="216000"/>
-            <a:ext cx="5328000" cy="720000"/>
+            <a:off x="504000" y="225720"/>
+            <a:ext cx="4039560" cy="946800"/>
           </a:xfrm>
           <a:prstGeom prst="rect">
             <a:avLst/>
@@ -4631,15 +4993,15 @@
         </p:spPr>
         <p:txBody>
           <a:bodyPr lIns="0" rIns="0" tIns="0" bIns="0" anchor="ctr">
-            <a:normAutofit/>
+            <a:noAutofit/>
           </a:bodyPr>
           <a:p>
             <a:pPr algn="ctr"/>
-            <a:endParaRPr b="0" lang="en-US" sz="3110" spc="-1" strike="noStrike">
-              <a:solidFill>
-                <a:srgbClr val="ffffff"/>
-              </a:solidFill>
-              <a:latin typeface="Arial"/>
+            <a:endParaRPr b="0" lang="en-US" sz="1860" spc="-1" strike="noStrike">
+              <a:solidFill>
+                <a:srgbClr val="ffffff"/>
+              </a:solidFill>
+              <a:latin typeface="DejaVu Sans"/>
             </a:endParaRPr>
           </a:p>
         </p:txBody>
@@ -4668,11 +5030,16 @@
             <a:normAutofit/>
           </a:bodyPr>
           <a:p>
-            <a:endParaRPr b="0" lang="en-US" sz="2400" spc="-1" strike="noStrike">
-              <a:solidFill>
-                <a:srgbClr val="ffffff"/>
-              </a:solidFill>
-              <a:latin typeface="Arial"/>
+            <a:pPr algn="ctr">
+              <a:spcAft>
+                <a:spcPts val="592"/>
+              </a:spcAft>
+            </a:pPr>
+            <a:endParaRPr b="0" lang="en-US" sz="1350" spc="-1" strike="noStrike">
+              <a:solidFill>
+                <a:srgbClr val="666666"/>
+              </a:solidFill>
+              <a:latin typeface="DejaVu Sans"/>
             </a:endParaRPr>
           </a:p>
         </p:txBody>
@@ -4701,11 +5068,16 @@
             <a:normAutofit/>
           </a:bodyPr>
           <a:p>
-            <a:endParaRPr b="0" lang="en-US" sz="2400" spc="-1" strike="noStrike">
-              <a:solidFill>
-                <a:srgbClr val="ffffff"/>
-              </a:solidFill>
-              <a:latin typeface="Arial"/>
+            <a:pPr algn="ctr">
+              <a:spcAft>
+                <a:spcPts val="592"/>
+              </a:spcAft>
+            </a:pPr>
+            <a:endParaRPr b="0" lang="en-US" sz="1350" spc="-1" strike="noStrike">
+              <a:solidFill>
+                <a:srgbClr val="666666"/>
+              </a:solidFill>
+              <a:latin typeface="DejaVu Sans"/>
             </a:endParaRPr>
           </a:p>
         </p:txBody>
@@ -4734,11 +5106,16 @@
             <a:normAutofit/>
           </a:bodyPr>
           <a:p>
-            <a:endParaRPr b="0" lang="en-US" sz="2400" spc="-1" strike="noStrike">
-              <a:solidFill>
-                <a:srgbClr val="ffffff"/>
-              </a:solidFill>
-              <a:latin typeface="Arial"/>
+            <a:pPr algn="ctr">
+              <a:spcAft>
+                <a:spcPts val="592"/>
+              </a:spcAft>
+            </a:pPr>
+            <a:endParaRPr b="0" lang="en-US" sz="1350" spc="-1" strike="noStrike">
+              <a:solidFill>
+                <a:srgbClr val="666666"/>
+              </a:solidFill>
+              <a:latin typeface="DejaVu Sans"/>
             </a:endParaRPr>
           </a:p>
         </p:txBody>
@@ -4777,8 +5154,8 @@
         </p:nvSpPr>
         <p:spPr>
           <a:xfrm>
-            <a:off x="2376000" y="216000"/>
-            <a:ext cx="5328000" cy="720000"/>
+            <a:off x="504000" y="225720"/>
+            <a:ext cx="4039560" cy="946800"/>
           </a:xfrm>
           <a:prstGeom prst="rect">
             <a:avLst/>
@@ -4786,15 +5163,15 @@
         </p:spPr>
         <p:txBody>
           <a:bodyPr lIns="0" rIns="0" tIns="0" bIns="0" anchor="ctr">
-            <a:normAutofit/>
+            <a:noAutofit/>
           </a:bodyPr>
           <a:p>
             <a:pPr algn="ctr"/>
-            <a:endParaRPr b="0" lang="en-US" sz="3110" spc="-1" strike="noStrike">
-              <a:solidFill>
-                <a:srgbClr val="ffffff"/>
-              </a:solidFill>
-              <a:latin typeface="Arial"/>
+            <a:endParaRPr b="0" lang="en-US" sz="1860" spc="-1" strike="noStrike">
+              <a:solidFill>
+                <a:srgbClr val="ffffff"/>
+              </a:solidFill>
+              <a:latin typeface="DejaVu Sans"/>
             </a:endParaRPr>
           </a:p>
         </p:txBody>
@@ -4823,11 +5200,16 @@
             <a:normAutofit/>
           </a:bodyPr>
           <a:p>
-            <a:endParaRPr b="0" lang="en-US" sz="2400" spc="-1" strike="noStrike">
-              <a:solidFill>
-                <a:srgbClr val="ffffff"/>
-              </a:solidFill>
-              <a:latin typeface="Arial"/>
+            <a:pPr algn="ctr">
+              <a:spcAft>
+                <a:spcPts val="592"/>
+              </a:spcAft>
+            </a:pPr>
+            <a:endParaRPr b="0" lang="en-US" sz="1350" spc="-1" strike="noStrike">
+              <a:solidFill>
+                <a:srgbClr val="666666"/>
+              </a:solidFill>
+              <a:latin typeface="DejaVu Sans"/>
             </a:endParaRPr>
           </a:p>
         </p:txBody>
@@ -4856,11 +5238,16 @@
             <a:normAutofit/>
           </a:bodyPr>
           <a:p>
-            <a:endParaRPr b="0" lang="en-US" sz="2400" spc="-1" strike="noStrike">
-              <a:solidFill>
-                <a:srgbClr val="ffffff"/>
-              </a:solidFill>
-              <a:latin typeface="Arial"/>
+            <a:pPr algn="ctr">
+              <a:spcAft>
+                <a:spcPts val="592"/>
+              </a:spcAft>
+            </a:pPr>
+            <a:endParaRPr b="0" lang="en-US" sz="1350" spc="-1" strike="noStrike">
+              <a:solidFill>
+                <a:srgbClr val="666666"/>
+              </a:solidFill>
+              <a:latin typeface="DejaVu Sans"/>
             </a:endParaRPr>
           </a:p>
         </p:txBody>
@@ -4899,8 +5286,8 @@
         </p:nvSpPr>
         <p:spPr>
           <a:xfrm>
-            <a:off x="2376000" y="216000"/>
-            <a:ext cx="5328000" cy="720000"/>
+            <a:off x="504000" y="225720"/>
+            <a:ext cx="4039560" cy="946800"/>
           </a:xfrm>
           <a:prstGeom prst="rect">
             <a:avLst/>
@@ -4908,15 +5295,15 @@
         </p:spPr>
         <p:txBody>
           <a:bodyPr lIns="0" rIns="0" tIns="0" bIns="0" anchor="ctr">
-            <a:normAutofit/>
+            <a:noAutofit/>
           </a:bodyPr>
           <a:p>
             <a:pPr algn="ctr"/>
-            <a:endParaRPr b="0" lang="en-US" sz="3110" spc="-1" strike="noStrike">
-              <a:solidFill>
-                <a:srgbClr val="ffffff"/>
-              </a:solidFill>
-              <a:latin typeface="Arial"/>
+            <a:endParaRPr b="0" lang="en-US" sz="1860" spc="-1" strike="noStrike">
+              <a:solidFill>
+                <a:srgbClr val="ffffff"/>
+              </a:solidFill>
+              <a:latin typeface="DejaVu Sans"/>
             </a:endParaRPr>
           </a:p>
         </p:txBody>
@@ -4945,11 +5332,16 @@
             <a:normAutofit/>
           </a:bodyPr>
           <a:p>
-            <a:endParaRPr b="0" lang="en-US" sz="2400" spc="-1" strike="noStrike">
-              <a:solidFill>
-                <a:srgbClr val="ffffff"/>
-              </a:solidFill>
-              <a:latin typeface="Arial"/>
+            <a:pPr algn="ctr">
+              <a:spcAft>
+                <a:spcPts val="592"/>
+              </a:spcAft>
+            </a:pPr>
+            <a:endParaRPr b="0" lang="en-US" sz="1350" spc="-1" strike="noStrike">
+              <a:solidFill>
+                <a:srgbClr val="666666"/>
+              </a:solidFill>
+              <a:latin typeface="DejaVu Sans"/>
             </a:endParaRPr>
           </a:p>
         </p:txBody>
@@ -4978,11 +5370,16 @@
             <a:normAutofit/>
           </a:bodyPr>
           <a:p>
-            <a:endParaRPr b="0" lang="en-US" sz="2400" spc="-1" strike="noStrike">
-              <a:solidFill>
-                <a:srgbClr val="ffffff"/>
-              </a:solidFill>
-              <a:latin typeface="Arial"/>
+            <a:pPr algn="ctr">
+              <a:spcAft>
+                <a:spcPts val="592"/>
+              </a:spcAft>
+            </a:pPr>
+            <a:endParaRPr b="0" lang="en-US" sz="1350" spc="-1" strike="noStrike">
+              <a:solidFill>
+                <a:srgbClr val="666666"/>
+              </a:solidFill>
+              <a:latin typeface="DejaVu Sans"/>
             </a:endParaRPr>
           </a:p>
         </p:txBody>
@@ -5011,11 +5408,16 @@
             <a:normAutofit/>
           </a:bodyPr>
           <a:p>
-            <a:endParaRPr b="0" lang="en-US" sz="2400" spc="-1" strike="noStrike">
-              <a:solidFill>
-                <a:srgbClr val="ffffff"/>
-              </a:solidFill>
-              <a:latin typeface="Arial"/>
+            <a:pPr algn="ctr">
+              <a:spcAft>
+                <a:spcPts val="592"/>
+              </a:spcAft>
+            </a:pPr>
+            <a:endParaRPr b="0" lang="en-US" sz="1350" spc="-1" strike="noStrike">
+              <a:solidFill>
+                <a:srgbClr val="666666"/>
+              </a:solidFill>
+              <a:latin typeface="DejaVu Sans"/>
             </a:endParaRPr>
           </a:p>
         </p:txBody>
@@ -5044,11 +5446,16 @@
             <a:normAutofit/>
           </a:bodyPr>
           <a:p>
-            <a:endParaRPr b="0" lang="en-US" sz="2400" spc="-1" strike="noStrike">
-              <a:solidFill>
-                <a:srgbClr val="ffffff"/>
-              </a:solidFill>
-              <a:latin typeface="Arial"/>
+            <a:pPr algn="ctr">
+              <a:spcAft>
+                <a:spcPts val="592"/>
+              </a:spcAft>
+            </a:pPr>
+            <a:endParaRPr b="0" lang="en-US" sz="1350" spc="-1" strike="noStrike">
+              <a:solidFill>
+                <a:srgbClr val="666666"/>
+              </a:solidFill>
+              <a:latin typeface="DejaVu Sans"/>
             </a:endParaRPr>
           </a:p>
         </p:txBody>
@@ -5087,8 +5494,8 @@
         </p:nvSpPr>
         <p:spPr>
           <a:xfrm>
-            <a:off x="2376000" y="216000"/>
-            <a:ext cx="5328000" cy="720000"/>
+            <a:off x="504000" y="225720"/>
+            <a:ext cx="4039560" cy="946800"/>
           </a:xfrm>
           <a:prstGeom prst="rect">
             <a:avLst/>
@@ -5096,15 +5503,15 @@
         </p:spPr>
         <p:txBody>
           <a:bodyPr lIns="0" rIns="0" tIns="0" bIns="0" anchor="ctr">
-            <a:normAutofit/>
+            <a:noAutofit/>
           </a:bodyPr>
           <a:p>
             <a:pPr algn="ctr"/>
-            <a:endParaRPr b="0" lang="en-US" sz="3110" spc="-1" strike="noStrike">
-              <a:solidFill>
-                <a:srgbClr val="ffffff"/>
-              </a:solidFill>
-              <a:latin typeface="Arial"/>
+            <a:endParaRPr b="0" lang="en-US" sz="1860" spc="-1" strike="noStrike">
+              <a:solidFill>
+                <a:srgbClr val="ffffff"/>
+              </a:solidFill>
+              <a:latin typeface="DejaVu Sans"/>
             </a:endParaRPr>
           </a:p>
         </p:txBody>
@@ -5133,11 +5540,16 @@
             <a:normAutofit/>
           </a:bodyPr>
           <a:p>
-            <a:endParaRPr b="0" lang="en-US" sz="2400" spc="-1" strike="noStrike">
-              <a:solidFill>
-                <a:srgbClr val="ffffff"/>
-              </a:solidFill>
-              <a:latin typeface="Arial"/>
+            <a:pPr algn="ctr">
+              <a:spcAft>
+                <a:spcPts val="592"/>
+              </a:spcAft>
+            </a:pPr>
+            <a:endParaRPr b="0" lang="en-US" sz="1350" spc="-1" strike="noStrike">
+              <a:solidFill>
+                <a:srgbClr val="666666"/>
+              </a:solidFill>
+              <a:latin typeface="DejaVu Sans"/>
             </a:endParaRPr>
           </a:p>
         </p:txBody>
@@ -5166,11 +5578,16 @@
             <a:normAutofit/>
           </a:bodyPr>
           <a:p>
-            <a:endParaRPr b="0" lang="en-US" sz="2400" spc="-1" strike="noStrike">
-              <a:solidFill>
-                <a:srgbClr val="ffffff"/>
-              </a:solidFill>
-              <a:latin typeface="Arial"/>
+            <a:pPr algn="ctr">
+              <a:spcAft>
+                <a:spcPts val="592"/>
+              </a:spcAft>
+            </a:pPr>
+            <a:endParaRPr b="0" lang="en-US" sz="1350" spc="-1" strike="noStrike">
+              <a:solidFill>
+                <a:srgbClr val="666666"/>
+              </a:solidFill>
+              <a:latin typeface="DejaVu Sans"/>
             </a:endParaRPr>
           </a:p>
         </p:txBody>
@@ -5199,11 +5616,16 @@
             <a:normAutofit/>
           </a:bodyPr>
           <a:p>
-            <a:endParaRPr b="0" lang="en-US" sz="2400" spc="-1" strike="noStrike">
-              <a:solidFill>
-                <a:srgbClr val="ffffff"/>
-              </a:solidFill>
-              <a:latin typeface="Arial"/>
+            <a:pPr algn="ctr">
+              <a:spcAft>
+                <a:spcPts val="592"/>
+              </a:spcAft>
+            </a:pPr>
+            <a:endParaRPr b="0" lang="en-US" sz="1350" spc="-1" strike="noStrike">
+              <a:solidFill>
+                <a:srgbClr val="666666"/>
+              </a:solidFill>
+              <a:latin typeface="DejaVu Sans"/>
             </a:endParaRPr>
           </a:p>
         </p:txBody>
@@ -5232,11 +5654,16 @@
             <a:normAutofit/>
           </a:bodyPr>
           <a:p>
-            <a:endParaRPr b="0" lang="en-US" sz="2400" spc="-1" strike="noStrike">
-              <a:solidFill>
-                <a:srgbClr val="ffffff"/>
-              </a:solidFill>
-              <a:latin typeface="Arial"/>
+            <a:pPr algn="ctr">
+              <a:spcAft>
+                <a:spcPts val="592"/>
+              </a:spcAft>
+            </a:pPr>
+            <a:endParaRPr b="0" lang="en-US" sz="1350" spc="-1" strike="noStrike">
+              <a:solidFill>
+                <a:srgbClr val="666666"/>
+              </a:solidFill>
+              <a:latin typeface="DejaVu Sans"/>
             </a:endParaRPr>
           </a:p>
         </p:txBody>
@@ -5265,11 +5692,16 @@
             <a:normAutofit/>
           </a:bodyPr>
           <a:p>
-            <a:endParaRPr b="0" lang="en-US" sz="2400" spc="-1" strike="noStrike">
-              <a:solidFill>
-                <a:srgbClr val="ffffff"/>
-              </a:solidFill>
-              <a:latin typeface="Arial"/>
+            <a:pPr algn="ctr">
+              <a:spcAft>
+                <a:spcPts val="592"/>
+              </a:spcAft>
+            </a:pPr>
+            <a:endParaRPr b="0" lang="en-US" sz="1350" spc="-1" strike="noStrike">
+              <a:solidFill>
+                <a:srgbClr val="666666"/>
+              </a:solidFill>
+              <a:latin typeface="DejaVu Sans"/>
             </a:endParaRPr>
           </a:p>
         </p:txBody>
@@ -5298,11 +5730,16 @@
             <a:normAutofit/>
           </a:bodyPr>
           <a:p>
-            <a:endParaRPr b="0" lang="en-US" sz="2400" spc="-1" strike="noStrike">
-              <a:solidFill>
-                <a:srgbClr val="ffffff"/>
-              </a:solidFill>
-              <a:latin typeface="Arial"/>
+            <a:pPr algn="ctr">
+              <a:spcAft>
+                <a:spcPts val="592"/>
+              </a:spcAft>
+            </a:pPr>
+            <a:endParaRPr b="0" lang="en-US" sz="1350" spc="-1" strike="noStrike">
+              <a:solidFill>
+                <a:srgbClr val="666666"/>
+              </a:solidFill>
+              <a:latin typeface="DejaVu Sans"/>
             </a:endParaRPr>
           </a:p>
         </p:txBody>
@@ -5363,8 +5800,8 @@
         </p:nvSpPr>
         <p:spPr>
           <a:xfrm>
-            <a:off x="2376000" y="216000"/>
-            <a:ext cx="5328000" cy="720000"/>
+            <a:off x="504000" y="225720"/>
+            <a:ext cx="4039560" cy="946800"/>
           </a:xfrm>
           <a:prstGeom prst="rect">
             <a:avLst/>
@@ -5372,15 +5809,15 @@
         </p:spPr>
         <p:txBody>
           <a:bodyPr lIns="0" rIns="0" tIns="0" bIns="0" anchor="ctr">
-            <a:normAutofit/>
+            <a:noAutofit/>
           </a:bodyPr>
           <a:p>
             <a:pPr algn="ctr"/>
-            <a:endParaRPr b="0" lang="en-US" sz="3110" spc="-1" strike="noStrike">
-              <a:solidFill>
-                <a:srgbClr val="ffffff"/>
-              </a:solidFill>
-              <a:latin typeface="Arial"/>
+            <a:endParaRPr b="0" lang="en-US" sz="1860" spc="-1" strike="noStrike">
+              <a:solidFill>
+                <a:srgbClr val="ffffff"/>
+              </a:solidFill>
+              <a:latin typeface="DejaVu Sans"/>
             </a:endParaRPr>
           </a:p>
         </p:txBody>
@@ -5409,7 +5846,7 @@
       </p:grpSpPr>
       <p:sp>
         <p:nvSpPr>
-          <p:cNvPr id="175" name="PlaceHolder 1"/>
+          <p:cNvPr id="176" name="PlaceHolder 1"/>
           <p:cNvSpPr>
             <a:spLocks noGrp="1"/>
           </p:cNvSpPr>
@@ -5419,8 +5856,8 @@
         </p:nvSpPr>
         <p:spPr>
           <a:xfrm>
-            <a:off x="2376000" y="216000"/>
-            <a:ext cx="5328000" cy="720000"/>
+            <a:off x="504000" y="225720"/>
+            <a:ext cx="4039560" cy="946800"/>
           </a:xfrm>
           <a:prstGeom prst="rect">
             <a:avLst/>
@@ -5428,22 +5865,22 @@
         </p:spPr>
         <p:txBody>
           <a:bodyPr lIns="0" rIns="0" tIns="0" bIns="0" anchor="ctr">
-            <a:normAutofit/>
+            <a:noAutofit/>
           </a:bodyPr>
           <a:p>
             <a:pPr algn="ctr"/>
-            <a:endParaRPr b="0" lang="en-US" sz="3110" spc="-1" strike="noStrike">
-              <a:solidFill>
-                <a:srgbClr val="ffffff"/>
-              </a:solidFill>
-              <a:latin typeface="Arial"/>
-            </a:endParaRPr>
-          </a:p>
-        </p:txBody>
-      </p:sp>
-      <p:sp>
-        <p:nvSpPr>
-          <p:cNvPr id="176" name="PlaceHolder 2"/>
+            <a:endParaRPr b="0" lang="en-US" sz="1860" spc="-1" strike="noStrike">
+              <a:solidFill>
+                <a:srgbClr val="ffffff"/>
+              </a:solidFill>
+              <a:latin typeface="DejaVu Sans"/>
+            </a:endParaRPr>
+          </a:p>
+        </p:txBody>
+      </p:sp>
+      <p:sp>
+        <p:nvSpPr>
+          <p:cNvPr id="177" name="PlaceHolder 2"/>
           <p:cNvSpPr>
             <a:spLocks noGrp="1"/>
           </p:cNvSpPr>
@@ -5468,9 +5905,9 @@
             <a:pPr algn="ctr"/>
             <a:endParaRPr b="0" lang="en-US" sz="3200" spc="-1" strike="noStrike">
               <a:solidFill>
-                <a:srgbClr val="ffffff"/>
-              </a:solidFill>
-              <a:latin typeface="Arial"/>
+                <a:srgbClr val="666666"/>
+              </a:solidFill>
+              <a:latin typeface="DejaVu Sans"/>
             </a:endParaRPr>
           </a:p>
         </p:txBody>
@@ -5499,7 +5936,7 @@
       </p:grpSpPr>
       <p:sp>
         <p:nvSpPr>
-          <p:cNvPr id="177" name="PlaceHolder 1"/>
+          <p:cNvPr id="178" name="PlaceHolder 1"/>
           <p:cNvSpPr>
             <a:spLocks noGrp="1"/>
           </p:cNvSpPr>
@@ -5509,8 +5946,8 @@
         </p:nvSpPr>
         <p:spPr>
           <a:xfrm>
-            <a:off x="2376000" y="216000"/>
-            <a:ext cx="5328000" cy="720000"/>
+            <a:off x="504000" y="225720"/>
+            <a:ext cx="4039560" cy="946800"/>
           </a:xfrm>
           <a:prstGeom prst="rect">
             <a:avLst/>
@@ -5518,22 +5955,22 @@
         </p:spPr>
         <p:txBody>
           <a:bodyPr lIns="0" rIns="0" tIns="0" bIns="0" anchor="ctr">
-            <a:normAutofit/>
+            <a:noAutofit/>
           </a:bodyPr>
           <a:p>
             <a:pPr algn="ctr"/>
-            <a:endParaRPr b="0" lang="en-US" sz="3110" spc="-1" strike="noStrike">
-              <a:solidFill>
-                <a:srgbClr val="ffffff"/>
-              </a:solidFill>
-              <a:latin typeface="Arial"/>
-            </a:endParaRPr>
-          </a:p>
-        </p:txBody>
-      </p:sp>
-      <p:sp>
-        <p:nvSpPr>
-          <p:cNvPr id="178" name="PlaceHolder 2"/>
+            <a:endParaRPr b="0" lang="en-US" sz="1860" spc="-1" strike="noStrike">
+              <a:solidFill>
+                <a:srgbClr val="ffffff"/>
+              </a:solidFill>
+              <a:latin typeface="DejaVu Sans"/>
+            </a:endParaRPr>
+          </a:p>
+        </p:txBody>
+      </p:sp>
+      <p:sp>
+        <p:nvSpPr>
+          <p:cNvPr id="179" name="PlaceHolder 2"/>
           <p:cNvSpPr>
             <a:spLocks noGrp="1"/>
           </p:cNvSpPr>
@@ -5555,11 +5992,16 @@
             <a:normAutofit/>
           </a:bodyPr>
           <a:p>
-            <a:endParaRPr b="0" lang="en-US" sz="2400" spc="-1" strike="noStrike">
-              <a:solidFill>
-                <a:srgbClr val="ffffff"/>
-              </a:solidFill>
-              <a:latin typeface="Arial"/>
+            <a:pPr algn="ctr">
+              <a:spcAft>
+                <a:spcPts val="592"/>
+              </a:spcAft>
+            </a:pPr>
+            <a:endParaRPr b="0" lang="en-US" sz="1350" spc="-1" strike="noStrike">
+              <a:solidFill>
+                <a:srgbClr val="666666"/>
+              </a:solidFill>
+              <a:latin typeface="DejaVu Sans"/>
             </a:endParaRPr>
           </a:p>
         </p:txBody>
@@ -5588,7 +6030,7 @@
       </p:grpSpPr>
       <p:sp>
         <p:nvSpPr>
-          <p:cNvPr id="179" name="PlaceHolder 1"/>
+          <p:cNvPr id="180" name="PlaceHolder 1"/>
           <p:cNvSpPr>
             <a:spLocks noGrp="1"/>
           </p:cNvSpPr>
@@ -5598,8 +6040,8 @@
         </p:nvSpPr>
         <p:spPr>
           <a:xfrm>
-            <a:off x="2376000" y="216000"/>
-            <a:ext cx="5328000" cy="720000"/>
+            <a:off x="504000" y="225720"/>
+            <a:ext cx="4039560" cy="946800"/>
           </a:xfrm>
           <a:prstGeom prst="rect">
             <a:avLst/>
@@ -5607,22 +6049,22 @@
         </p:spPr>
         <p:txBody>
           <a:bodyPr lIns="0" rIns="0" tIns="0" bIns="0" anchor="ctr">
-            <a:normAutofit/>
+            <a:noAutofit/>
           </a:bodyPr>
           <a:p>
             <a:pPr algn="ctr"/>
-            <a:endParaRPr b="0" lang="en-US" sz="3110" spc="-1" strike="noStrike">
-              <a:solidFill>
-                <a:srgbClr val="ffffff"/>
-              </a:solidFill>
-              <a:latin typeface="Arial"/>
-            </a:endParaRPr>
-          </a:p>
-        </p:txBody>
-      </p:sp>
-      <p:sp>
-        <p:nvSpPr>
-          <p:cNvPr id="180" name="PlaceHolder 2"/>
+            <a:endParaRPr b="0" lang="en-US" sz="1860" spc="-1" strike="noStrike">
+              <a:solidFill>
+                <a:srgbClr val="ffffff"/>
+              </a:solidFill>
+              <a:latin typeface="DejaVu Sans"/>
+            </a:endParaRPr>
+          </a:p>
+        </p:txBody>
+      </p:sp>
+      <p:sp>
+        <p:nvSpPr>
+          <p:cNvPr id="181" name="PlaceHolder 2"/>
           <p:cNvSpPr>
             <a:spLocks noGrp="1"/>
           </p:cNvSpPr>
@@ -5644,18 +6086,23 @@
             <a:normAutofit/>
           </a:bodyPr>
           <a:p>
-            <a:endParaRPr b="0" lang="en-US" sz="2400" spc="-1" strike="noStrike">
-              <a:solidFill>
-                <a:srgbClr val="ffffff"/>
-              </a:solidFill>
-              <a:latin typeface="Arial"/>
-            </a:endParaRPr>
-          </a:p>
-        </p:txBody>
-      </p:sp>
-      <p:sp>
-        <p:nvSpPr>
-          <p:cNvPr id="181" name="PlaceHolder 3"/>
+            <a:pPr algn="ctr">
+              <a:spcAft>
+                <a:spcPts val="592"/>
+              </a:spcAft>
+            </a:pPr>
+            <a:endParaRPr b="0" lang="en-US" sz="1350" spc="-1" strike="noStrike">
+              <a:solidFill>
+                <a:srgbClr val="666666"/>
+              </a:solidFill>
+              <a:latin typeface="DejaVu Sans"/>
+            </a:endParaRPr>
+          </a:p>
+        </p:txBody>
+      </p:sp>
+      <p:sp>
+        <p:nvSpPr>
+          <p:cNvPr id="182" name="PlaceHolder 3"/>
           <p:cNvSpPr>
             <a:spLocks noGrp="1"/>
           </p:cNvSpPr>
@@ -5677,11 +6124,16 @@
             <a:normAutofit/>
           </a:bodyPr>
           <a:p>
-            <a:endParaRPr b="0" lang="en-US" sz="2400" spc="-1" strike="noStrike">
-              <a:solidFill>
-                <a:srgbClr val="ffffff"/>
-              </a:solidFill>
-              <a:latin typeface="Arial"/>
+            <a:pPr algn="ctr">
+              <a:spcAft>
+                <a:spcPts val="592"/>
+              </a:spcAft>
+            </a:pPr>
+            <a:endParaRPr b="0" lang="en-US" sz="1350" spc="-1" strike="noStrike">
+              <a:solidFill>
+                <a:srgbClr val="666666"/>
+              </a:solidFill>
+              <a:latin typeface="DejaVu Sans"/>
             </a:endParaRPr>
           </a:p>
         </p:txBody>
@@ -5710,7 +6162,7 @@
       </p:grpSpPr>
       <p:sp>
         <p:nvSpPr>
-          <p:cNvPr id="182" name="PlaceHolder 1"/>
+          <p:cNvPr id="183" name="PlaceHolder 1"/>
           <p:cNvSpPr>
             <a:spLocks noGrp="1"/>
           </p:cNvSpPr>
@@ -5720,8 +6172,8 @@
         </p:nvSpPr>
         <p:spPr>
           <a:xfrm>
-            <a:off x="2376000" y="216000"/>
-            <a:ext cx="5328000" cy="720000"/>
+            <a:off x="504000" y="225720"/>
+            <a:ext cx="4039560" cy="946800"/>
           </a:xfrm>
           <a:prstGeom prst="rect">
             <a:avLst/>
@@ -5729,15 +6181,15 @@
         </p:spPr>
         <p:txBody>
           <a:bodyPr lIns="0" rIns="0" tIns="0" bIns="0" anchor="ctr">
-            <a:normAutofit/>
+            <a:noAutofit/>
           </a:bodyPr>
           <a:p>
             <a:pPr algn="ctr"/>
-            <a:endParaRPr b="0" lang="en-US" sz="3110" spc="-1" strike="noStrike">
-              <a:solidFill>
-                <a:srgbClr val="ffffff"/>
-              </a:solidFill>
-              <a:latin typeface="Arial"/>
+            <a:endParaRPr b="0" lang="en-US" sz="1860" spc="-1" strike="noStrike">
+              <a:solidFill>
+                <a:srgbClr val="ffffff"/>
+              </a:solidFill>
+              <a:latin typeface="DejaVu Sans"/>
             </a:endParaRPr>
           </a:p>
         </p:txBody>
@@ -5766,7 +6218,7 @@
       </p:grpSpPr>
       <p:sp>
         <p:nvSpPr>
-          <p:cNvPr id="183" name="PlaceHolder 1"/>
+          <p:cNvPr id="184" name="PlaceHolder 1"/>
           <p:cNvSpPr>
             <a:spLocks noGrp="1"/>
           </p:cNvSpPr>
@@ -5776,8 +6228,8 @@
         </p:nvSpPr>
         <p:spPr>
           <a:xfrm>
-            <a:off x="2376000" y="216000"/>
-            <a:ext cx="5328000" cy="3338640"/>
+            <a:off x="504000" y="225720"/>
+            <a:ext cx="4039560" cy="4390200"/>
           </a:xfrm>
           <a:prstGeom prst="rect">
             <a:avLst/>
@@ -5791,9 +6243,9 @@
             <a:pPr algn="ctr"/>
             <a:endParaRPr b="0" lang="en-US" sz="3200" spc="-1" strike="noStrike">
               <a:solidFill>
-                <a:srgbClr val="ffffff"/>
-              </a:solidFill>
-              <a:latin typeface="Arial"/>
+                <a:srgbClr val="666666"/>
+              </a:solidFill>
+              <a:latin typeface="DejaVu Sans"/>
             </a:endParaRPr>
           </a:p>
         </p:txBody>
@@ -5822,7 +6274,7 @@
       </p:grpSpPr>
       <p:sp>
         <p:nvSpPr>
-          <p:cNvPr id="184" name="PlaceHolder 1"/>
+          <p:cNvPr id="185" name="PlaceHolder 1"/>
           <p:cNvSpPr>
             <a:spLocks noGrp="1"/>
           </p:cNvSpPr>
@@ -5832,8 +6284,8 @@
         </p:nvSpPr>
         <p:spPr>
           <a:xfrm>
-            <a:off x="2376000" y="216000"/>
-            <a:ext cx="5328000" cy="720000"/>
+            <a:off x="504000" y="225720"/>
+            <a:ext cx="4039560" cy="946800"/>
           </a:xfrm>
           <a:prstGeom prst="rect">
             <a:avLst/>
@@ -5841,22 +6293,22 @@
         </p:spPr>
         <p:txBody>
           <a:bodyPr lIns="0" rIns="0" tIns="0" bIns="0" anchor="ctr">
-            <a:normAutofit/>
+            <a:noAutofit/>
           </a:bodyPr>
           <a:p>
             <a:pPr algn="ctr"/>
-            <a:endParaRPr b="0" lang="en-US" sz="3110" spc="-1" strike="noStrike">
-              <a:solidFill>
-                <a:srgbClr val="ffffff"/>
-              </a:solidFill>
-              <a:latin typeface="Arial"/>
-            </a:endParaRPr>
-          </a:p>
-        </p:txBody>
-      </p:sp>
-      <p:sp>
-        <p:nvSpPr>
-          <p:cNvPr id="185" name="PlaceHolder 2"/>
+            <a:endParaRPr b="0" lang="en-US" sz="1860" spc="-1" strike="noStrike">
+              <a:solidFill>
+                <a:srgbClr val="ffffff"/>
+              </a:solidFill>
+              <a:latin typeface="DejaVu Sans"/>
+            </a:endParaRPr>
+          </a:p>
+        </p:txBody>
+      </p:sp>
+      <p:sp>
+        <p:nvSpPr>
+          <p:cNvPr id="186" name="PlaceHolder 2"/>
           <p:cNvSpPr>
             <a:spLocks noGrp="1"/>
           </p:cNvSpPr>
@@ -5878,18 +6330,23 @@
             <a:normAutofit/>
           </a:bodyPr>
           <a:p>
-            <a:endParaRPr b="0" lang="en-US" sz="2400" spc="-1" strike="noStrike">
-              <a:solidFill>
-                <a:srgbClr val="ffffff"/>
-              </a:solidFill>
-              <a:latin typeface="Arial"/>
-            </a:endParaRPr>
-          </a:p>
-        </p:txBody>
-      </p:sp>
-      <p:sp>
-        <p:nvSpPr>
-          <p:cNvPr id="186" name="PlaceHolder 3"/>
+            <a:pPr algn="ctr">
+              <a:spcAft>
+                <a:spcPts val="592"/>
+              </a:spcAft>
+            </a:pPr>
+            <a:endParaRPr b="0" lang="en-US" sz="1350" spc="-1" strike="noStrike">
+              <a:solidFill>
+                <a:srgbClr val="666666"/>
+              </a:solidFill>
+              <a:latin typeface="DejaVu Sans"/>
+            </a:endParaRPr>
+          </a:p>
+        </p:txBody>
+      </p:sp>
+      <p:sp>
+        <p:nvSpPr>
+          <p:cNvPr id="187" name="PlaceHolder 3"/>
           <p:cNvSpPr>
             <a:spLocks noGrp="1"/>
           </p:cNvSpPr>
@@ -5911,18 +6368,23 @@
             <a:normAutofit/>
           </a:bodyPr>
           <a:p>
-            <a:endParaRPr b="0" lang="en-US" sz="2400" spc="-1" strike="noStrike">
-              <a:solidFill>
-                <a:srgbClr val="ffffff"/>
-              </a:solidFill>
-              <a:latin typeface="Arial"/>
-            </a:endParaRPr>
-          </a:p>
-        </p:txBody>
-      </p:sp>
-      <p:sp>
-        <p:nvSpPr>
-          <p:cNvPr id="187" name="PlaceHolder 4"/>
+            <a:pPr algn="ctr">
+              <a:spcAft>
+                <a:spcPts val="592"/>
+              </a:spcAft>
+            </a:pPr>
+            <a:endParaRPr b="0" lang="en-US" sz="1350" spc="-1" strike="noStrike">
+              <a:solidFill>
+                <a:srgbClr val="666666"/>
+              </a:solidFill>
+              <a:latin typeface="DejaVu Sans"/>
+            </a:endParaRPr>
+          </a:p>
+        </p:txBody>
+      </p:sp>
+      <p:sp>
+        <p:nvSpPr>
+          <p:cNvPr id="188" name="PlaceHolder 4"/>
           <p:cNvSpPr>
             <a:spLocks noGrp="1"/>
           </p:cNvSpPr>
@@ -5944,11 +6406,16 @@
             <a:normAutofit/>
           </a:bodyPr>
           <a:p>
-            <a:endParaRPr b="0" lang="en-US" sz="2400" spc="-1" strike="noStrike">
-              <a:solidFill>
-                <a:srgbClr val="ffffff"/>
-              </a:solidFill>
-              <a:latin typeface="Arial"/>
+            <a:pPr algn="ctr">
+              <a:spcAft>
+                <a:spcPts val="592"/>
+              </a:spcAft>
+            </a:pPr>
+            <a:endParaRPr b="0" lang="en-US" sz="1350" spc="-1" strike="noStrike">
+              <a:solidFill>
+                <a:srgbClr val="666666"/>
+              </a:solidFill>
+              <a:latin typeface="DejaVu Sans"/>
             </a:endParaRPr>
           </a:p>
         </p:txBody>
@@ -5977,7 +6444,7 @@
       </p:grpSpPr>
       <p:sp>
         <p:nvSpPr>
-          <p:cNvPr id="188" name="PlaceHolder 1"/>
+          <p:cNvPr id="189" name="PlaceHolder 1"/>
           <p:cNvSpPr>
             <a:spLocks noGrp="1"/>
           </p:cNvSpPr>
@@ -5987,8 +6454,8 @@
         </p:nvSpPr>
         <p:spPr>
           <a:xfrm>
-            <a:off x="2376000" y="216000"/>
-            <a:ext cx="5328000" cy="720000"/>
+            <a:off x="504000" y="225720"/>
+            <a:ext cx="4039560" cy="946800"/>
           </a:xfrm>
           <a:prstGeom prst="rect">
             <a:avLst/>
@@ -5996,22 +6463,22 @@
         </p:spPr>
         <p:txBody>
           <a:bodyPr lIns="0" rIns="0" tIns="0" bIns="0" anchor="ctr">
-            <a:normAutofit/>
+            <a:noAutofit/>
           </a:bodyPr>
           <a:p>
             <a:pPr algn="ctr"/>
-            <a:endParaRPr b="0" lang="en-US" sz="3110" spc="-1" strike="noStrike">
-              <a:solidFill>
-                <a:srgbClr val="ffffff"/>
-              </a:solidFill>
-              <a:latin typeface="Arial"/>
-            </a:endParaRPr>
-          </a:p>
-        </p:txBody>
-      </p:sp>
-      <p:sp>
-        <p:nvSpPr>
-          <p:cNvPr id="189" name="PlaceHolder 2"/>
+            <a:endParaRPr b="0" lang="en-US" sz="1860" spc="-1" strike="noStrike">
+              <a:solidFill>
+                <a:srgbClr val="ffffff"/>
+              </a:solidFill>
+              <a:latin typeface="DejaVu Sans"/>
+            </a:endParaRPr>
+          </a:p>
+        </p:txBody>
+      </p:sp>
+      <p:sp>
+        <p:nvSpPr>
+          <p:cNvPr id="190" name="PlaceHolder 2"/>
           <p:cNvSpPr>
             <a:spLocks noGrp="1"/>
           </p:cNvSpPr>
@@ -6033,18 +6500,23 @@
             <a:normAutofit/>
           </a:bodyPr>
           <a:p>
-            <a:endParaRPr b="0" lang="en-US" sz="2400" spc="-1" strike="noStrike">
-              <a:solidFill>
-                <a:srgbClr val="ffffff"/>
-              </a:solidFill>
-              <a:latin typeface="Arial"/>
-            </a:endParaRPr>
-          </a:p>
-        </p:txBody>
-      </p:sp>
-      <p:sp>
-        <p:nvSpPr>
-          <p:cNvPr id="190" name="PlaceHolder 3"/>
+            <a:pPr algn="ctr">
+              <a:spcAft>
+                <a:spcPts val="592"/>
+              </a:spcAft>
+            </a:pPr>
+            <a:endParaRPr b="0" lang="en-US" sz="1350" spc="-1" strike="noStrike">
+              <a:solidFill>
+                <a:srgbClr val="666666"/>
+              </a:solidFill>
+              <a:latin typeface="DejaVu Sans"/>
+            </a:endParaRPr>
+          </a:p>
+        </p:txBody>
+      </p:sp>
+      <p:sp>
+        <p:nvSpPr>
+          <p:cNvPr id="191" name="PlaceHolder 3"/>
           <p:cNvSpPr>
             <a:spLocks noGrp="1"/>
           </p:cNvSpPr>
@@ -6066,18 +6538,23 @@
             <a:normAutofit/>
           </a:bodyPr>
           <a:p>
-            <a:endParaRPr b="0" lang="en-US" sz="2400" spc="-1" strike="noStrike">
-              <a:solidFill>
-                <a:srgbClr val="ffffff"/>
-              </a:solidFill>
-              <a:latin typeface="Arial"/>
-            </a:endParaRPr>
-          </a:p>
-        </p:txBody>
-      </p:sp>
-      <p:sp>
-        <p:nvSpPr>
-          <p:cNvPr id="191" name="PlaceHolder 4"/>
+            <a:pPr algn="ctr">
+              <a:spcAft>
+                <a:spcPts val="592"/>
+              </a:spcAft>
+            </a:pPr>
+            <a:endParaRPr b="0" lang="en-US" sz="1350" spc="-1" strike="noStrike">
+              <a:solidFill>
+                <a:srgbClr val="666666"/>
+              </a:solidFill>
+              <a:latin typeface="DejaVu Sans"/>
+            </a:endParaRPr>
+          </a:p>
+        </p:txBody>
+      </p:sp>
+      <p:sp>
+        <p:nvSpPr>
+          <p:cNvPr id="192" name="PlaceHolder 4"/>
           <p:cNvSpPr>
             <a:spLocks noGrp="1"/>
           </p:cNvSpPr>
@@ -6099,11 +6576,16 @@
             <a:normAutofit/>
           </a:bodyPr>
           <a:p>
-            <a:endParaRPr b="0" lang="en-US" sz="2400" spc="-1" strike="noStrike">
-              <a:solidFill>
-                <a:srgbClr val="ffffff"/>
-              </a:solidFill>
-              <a:latin typeface="Arial"/>
+            <a:pPr algn="ctr">
+              <a:spcAft>
+                <a:spcPts val="592"/>
+              </a:spcAft>
+            </a:pPr>
+            <a:endParaRPr b="0" lang="en-US" sz="1350" spc="-1" strike="noStrike">
+              <a:solidFill>
+                <a:srgbClr val="666666"/>
+              </a:solidFill>
+              <a:latin typeface="DejaVu Sans"/>
             </a:endParaRPr>
           </a:p>
         </p:txBody>
@@ -6132,7 +6614,7 @@
       </p:grpSpPr>
       <p:sp>
         <p:nvSpPr>
-          <p:cNvPr id="192" name="PlaceHolder 1"/>
+          <p:cNvPr id="193" name="PlaceHolder 1"/>
           <p:cNvSpPr>
             <a:spLocks noGrp="1"/>
           </p:cNvSpPr>
@@ -6142,8 +6624,8 @@
         </p:nvSpPr>
         <p:spPr>
           <a:xfrm>
-            <a:off x="2376000" y="216000"/>
-            <a:ext cx="5328000" cy="720000"/>
+            <a:off x="504000" y="225720"/>
+            <a:ext cx="4039560" cy="946800"/>
           </a:xfrm>
           <a:prstGeom prst="rect">
             <a:avLst/>
@@ -6151,22 +6633,22 @@
         </p:spPr>
         <p:txBody>
           <a:bodyPr lIns="0" rIns="0" tIns="0" bIns="0" anchor="ctr">
-            <a:normAutofit/>
+            <a:noAutofit/>
           </a:bodyPr>
           <a:p>
             <a:pPr algn="ctr"/>
-            <a:endParaRPr b="0" lang="en-US" sz="3110" spc="-1" strike="noStrike">
-              <a:solidFill>
-                <a:srgbClr val="ffffff"/>
-              </a:solidFill>
-              <a:latin typeface="Arial"/>
-            </a:endParaRPr>
-          </a:p>
-        </p:txBody>
-      </p:sp>
-      <p:sp>
-        <p:nvSpPr>
-          <p:cNvPr id="193" name="PlaceHolder 2"/>
+            <a:endParaRPr b="0" lang="en-US" sz="1860" spc="-1" strike="noStrike">
+              <a:solidFill>
+                <a:srgbClr val="ffffff"/>
+              </a:solidFill>
+              <a:latin typeface="DejaVu Sans"/>
+            </a:endParaRPr>
+          </a:p>
+        </p:txBody>
+      </p:sp>
+      <p:sp>
+        <p:nvSpPr>
+          <p:cNvPr id="194" name="PlaceHolder 2"/>
           <p:cNvSpPr>
             <a:spLocks noGrp="1"/>
           </p:cNvSpPr>
@@ -6188,18 +6670,23 @@
             <a:normAutofit/>
           </a:bodyPr>
           <a:p>
-            <a:endParaRPr b="0" lang="en-US" sz="2400" spc="-1" strike="noStrike">
-              <a:solidFill>
-                <a:srgbClr val="ffffff"/>
-              </a:solidFill>
-              <a:latin typeface="Arial"/>
-            </a:endParaRPr>
-          </a:p>
-        </p:txBody>
-      </p:sp>
-      <p:sp>
-        <p:nvSpPr>
-          <p:cNvPr id="194" name="PlaceHolder 3"/>
+            <a:pPr algn="ctr">
+              <a:spcAft>
+                <a:spcPts val="592"/>
+              </a:spcAft>
+            </a:pPr>
+            <a:endParaRPr b="0" lang="en-US" sz="1350" spc="-1" strike="noStrike">
+              <a:solidFill>
+                <a:srgbClr val="666666"/>
+              </a:solidFill>
+              <a:latin typeface="DejaVu Sans"/>
+            </a:endParaRPr>
+          </a:p>
+        </p:txBody>
+      </p:sp>
+      <p:sp>
+        <p:nvSpPr>
+          <p:cNvPr id="195" name="PlaceHolder 3"/>
           <p:cNvSpPr>
             <a:spLocks noGrp="1"/>
           </p:cNvSpPr>
@@ -6221,18 +6708,23 @@
             <a:normAutofit/>
           </a:bodyPr>
           <a:p>
-            <a:endParaRPr b="0" lang="en-US" sz="2400" spc="-1" strike="noStrike">
-              <a:solidFill>
-                <a:srgbClr val="ffffff"/>
-              </a:solidFill>
-              <a:latin typeface="Arial"/>
-            </a:endParaRPr>
-          </a:p>
-        </p:txBody>
-      </p:sp>
-      <p:sp>
-        <p:nvSpPr>
-          <p:cNvPr id="195" name="PlaceHolder 4"/>
+            <a:pPr algn="ctr">
+              <a:spcAft>
+                <a:spcPts val="592"/>
+              </a:spcAft>
+            </a:pPr>
+            <a:endParaRPr b="0" lang="en-US" sz="1350" spc="-1" strike="noStrike">
+              <a:solidFill>
+                <a:srgbClr val="666666"/>
+              </a:solidFill>
+              <a:latin typeface="DejaVu Sans"/>
+            </a:endParaRPr>
+          </a:p>
+        </p:txBody>
+      </p:sp>
+      <p:sp>
+        <p:nvSpPr>
+          <p:cNvPr id="196" name="PlaceHolder 4"/>
           <p:cNvSpPr>
             <a:spLocks noGrp="1"/>
           </p:cNvSpPr>
@@ -6254,11 +6746,16 @@
             <a:normAutofit/>
           </a:bodyPr>
           <a:p>
-            <a:endParaRPr b="0" lang="en-US" sz="2400" spc="-1" strike="noStrike">
-              <a:solidFill>
-                <a:srgbClr val="ffffff"/>
-              </a:solidFill>
-              <a:latin typeface="Arial"/>
+            <a:pPr algn="ctr">
+              <a:spcAft>
+                <a:spcPts val="592"/>
+              </a:spcAft>
+            </a:pPr>
+            <a:endParaRPr b="0" lang="en-US" sz="1350" spc="-1" strike="noStrike">
+              <a:solidFill>
+                <a:srgbClr val="666666"/>
+              </a:solidFill>
+              <a:latin typeface="DejaVu Sans"/>
             </a:endParaRPr>
           </a:p>
         </p:txBody>
@@ -6287,7 +6784,7 @@
       </p:grpSpPr>
       <p:sp>
         <p:nvSpPr>
-          <p:cNvPr id="196" name="PlaceHolder 1"/>
+          <p:cNvPr id="197" name="PlaceHolder 1"/>
           <p:cNvSpPr>
             <a:spLocks noGrp="1"/>
           </p:cNvSpPr>
@@ -6297,8 +6794,8 @@
         </p:nvSpPr>
         <p:spPr>
           <a:xfrm>
-            <a:off x="2376000" y="216000"/>
-            <a:ext cx="5328000" cy="720000"/>
+            <a:off x="504000" y="225720"/>
+            <a:ext cx="4039560" cy="946800"/>
           </a:xfrm>
           <a:prstGeom prst="rect">
             <a:avLst/>
@@ -6306,22 +6803,22 @@
         </p:spPr>
         <p:txBody>
           <a:bodyPr lIns="0" rIns="0" tIns="0" bIns="0" anchor="ctr">
-            <a:normAutofit/>
+            <a:noAutofit/>
           </a:bodyPr>
           <a:p>
             <a:pPr algn="ctr"/>
-            <a:endParaRPr b="0" lang="en-US" sz="3110" spc="-1" strike="noStrike">
-              <a:solidFill>
-                <a:srgbClr val="ffffff"/>
-              </a:solidFill>
-              <a:latin typeface="Arial"/>
-            </a:endParaRPr>
-          </a:p>
-        </p:txBody>
-      </p:sp>
-      <p:sp>
-        <p:nvSpPr>
-          <p:cNvPr id="197" name="PlaceHolder 2"/>
+            <a:endParaRPr b="0" lang="en-US" sz="1860" spc="-1" strike="noStrike">
+              <a:solidFill>
+                <a:srgbClr val="ffffff"/>
+              </a:solidFill>
+              <a:latin typeface="DejaVu Sans"/>
+            </a:endParaRPr>
+          </a:p>
+        </p:txBody>
+      </p:sp>
+      <p:sp>
+        <p:nvSpPr>
+          <p:cNvPr id="198" name="PlaceHolder 2"/>
           <p:cNvSpPr>
             <a:spLocks noGrp="1"/>
           </p:cNvSpPr>
@@ -6343,18 +6840,23 @@
             <a:normAutofit/>
           </a:bodyPr>
           <a:p>
-            <a:endParaRPr b="0" lang="en-US" sz="2400" spc="-1" strike="noStrike">
-              <a:solidFill>
-                <a:srgbClr val="ffffff"/>
-              </a:solidFill>
-              <a:latin typeface="Arial"/>
-            </a:endParaRPr>
-          </a:p>
-        </p:txBody>
-      </p:sp>
-      <p:sp>
-        <p:nvSpPr>
-          <p:cNvPr id="198" name="PlaceHolder 3"/>
+            <a:pPr algn="ctr">
+              <a:spcAft>
+                <a:spcPts val="592"/>
+              </a:spcAft>
+            </a:pPr>
+            <a:endParaRPr b="0" lang="en-US" sz="1350" spc="-1" strike="noStrike">
+              <a:solidFill>
+                <a:srgbClr val="666666"/>
+              </a:solidFill>
+              <a:latin typeface="DejaVu Sans"/>
+            </a:endParaRPr>
+          </a:p>
+        </p:txBody>
+      </p:sp>
+      <p:sp>
+        <p:nvSpPr>
+          <p:cNvPr id="199" name="PlaceHolder 3"/>
           <p:cNvSpPr>
             <a:spLocks noGrp="1"/>
           </p:cNvSpPr>
@@ -6376,11 +6878,16 @@
             <a:normAutofit/>
           </a:bodyPr>
           <a:p>
-            <a:endParaRPr b="0" lang="en-US" sz="2400" spc="-1" strike="noStrike">
-              <a:solidFill>
-                <a:srgbClr val="ffffff"/>
-              </a:solidFill>
-              <a:latin typeface="Arial"/>
+            <a:pPr algn="ctr">
+              <a:spcAft>
+                <a:spcPts val="592"/>
+              </a:spcAft>
+            </a:pPr>
+            <a:endParaRPr b="0" lang="en-US" sz="1350" spc="-1" strike="noStrike">
+              <a:solidFill>
+                <a:srgbClr val="666666"/>
+              </a:solidFill>
+              <a:latin typeface="DejaVu Sans"/>
             </a:endParaRPr>
           </a:p>
         </p:txBody>
@@ -6409,7 +6916,7 @@
       </p:grpSpPr>
       <p:sp>
         <p:nvSpPr>
-          <p:cNvPr id="199" name="PlaceHolder 1"/>
+          <p:cNvPr id="200" name="PlaceHolder 1"/>
           <p:cNvSpPr>
             <a:spLocks noGrp="1"/>
           </p:cNvSpPr>
@@ -6419,8 +6926,8 @@
         </p:nvSpPr>
         <p:spPr>
           <a:xfrm>
-            <a:off x="2376000" y="216000"/>
-            <a:ext cx="5328000" cy="720000"/>
+            <a:off x="504000" y="225720"/>
+            <a:ext cx="4039560" cy="946800"/>
           </a:xfrm>
           <a:prstGeom prst="rect">
             <a:avLst/>
@@ -6428,22 +6935,22 @@
         </p:spPr>
         <p:txBody>
           <a:bodyPr lIns="0" rIns="0" tIns="0" bIns="0" anchor="ctr">
-            <a:normAutofit/>
+            <a:noAutofit/>
           </a:bodyPr>
           <a:p>
             <a:pPr algn="ctr"/>
-            <a:endParaRPr b="0" lang="en-US" sz="3110" spc="-1" strike="noStrike">
-              <a:solidFill>
-                <a:srgbClr val="ffffff"/>
-              </a:solidFill>
-              <a:latin typeface="Arial"/>
-            </a:endParaRPr>
-          </a:p>
-        </p:txBody>
-      </p:sp>
-      <p:sp>
-        <p:nvSpPr>
-          <p:cNvPr id="200" name="PlaceHolder 2"/>
+            <a:endParaRPr b="0" lang="en-US" sz="1860" spc="-1" strike="noStrike">
+              <a:solidFill>
+                <a:srgbClr val="ffffff"/>
+              </a:solidFill>
+              <a:latin typeface="DejaVu Sans"/>
+            </a:endParaRPr>
+          </a:p>
+        </p:txBody>
+      </p:sp>
+      <p:sp>
+        <p:nvSpPr>
+          <p:cNvPr id="201" name="PlaceHolder 2"/>
           <p:cNvSpPr>
             <a:spLocks noGrp="1"/>
           </p:cNvSpPr>
@@ -6465,18 +6972,23 @@
             <a:normAutofit/>
           </a:bodyPr>
           <a:p>
-            <a:endParaRPr b="0" lang="en-US" sz="2400" spc="-1" strike="noStrike">
-              <a:solidFill>
-                <a:srgbClr val="ffffff"/>
-              </a:solidFill>
-              <a:latin typeface="Arial"/>
-            </a:endParaRPr>
-          </a:p>
-        </p:txBody>
-      </p:sp>
-      <p:sp>
-        <p:nvSpPr>
-          <p:cNvPr id="201" name="PlaceHolder 3"/>
+            <a:pPr algn="ctr">
+              <a:spcAft>
+                <a:spcPts val="592"/>
+              </a:spcAft>
+            </a:pPr>
+            <a:endParaRPr b="0" lang="en-US" sz="1350" spc="-1" strike="noStrike">
+              <a:solidFill>
+                <a:srgbClr val="666666"/>
+              </a:solidFill>
+              <a:latin typeface="DejaVu Sans"/>
+            </a:endParaRPr>
+          </a:p>
+        </p:txBody>
+      </p:sp>
+      <p:sp>
+        <p:nvSpPr>
+          <p:cNvPr id="202" name="PlaceHolder 3"/>
           <p:cNvSpPr>
             <a:spLocks noGrp="1"/>
           </p:cNvSpPr>
@@ -6498,18 +7010,23 @@
             <a:normAutofit/>
           </a:bodyPr>
           <a:p>
-            <a:endParaRPr b="0" lang="en-US" sz="2400" spc="-1" strike="noStrike">
-              <a:solidFill>
-                <a:srgbClr val="ffffff"/>
-              </a:solidFill>
-              <a:latin typeface="Arial"/>
-            </a:endParaRPr>
-          </a:p>
-        </p:txBody>
-      </p:sp>
-      <p:sp>
-        <p:nvSpPr>
-          <p:cNvPr id="202" name="PlaceHolder 4"/>
+            <a:pPr algn="ctr">
+              <a:spcAft>
+                <a:spcPts val="592"/>
+              </a:spcAft>
+            </a:pPr>
+            <a:endParaRPr b="0" lang="en-US" sz="1350" spc="-1" strike="noStrike">
+              <a:solidFill>
+                <a:srgbClr val="666666"/>
+              </a:solidFill>
+              <a:latin typeface="DejaVu Sans"/>
+            </a:endParaRPr>
+          </a:p>
+        </p:txBody>
+      </p:sp>
+      <p:sp>
+        <p:nvSpPr>
+          <p:cNvPr id="203" name="PlaceHolder 4"/>
           <p:cNvSpPr>
             <a:spLocks noGrp="1"/>
           </p:cNvSpPr>
@@ -6531,18 +7048,23 @@
             <a:normAutofit/>
           </a:bodyPr>
           <a:p>
-            <a:endParaRPr b="0" lang="en-US" sz="2400" spc="-1" strike="noStrike">
-              <a:solidFill>
-                <a:srgbClr val="ffffff"/>
-              </a:solidFill>
-              <a:latin typeface="Arial"/>
-            </a:endParaRPr>
-          </a:p>
-        </p:txBody>
-      </p:sp>
-      <p:sp>
-        <p:nvSpPr>
-          <p:cNvPr id="203" name="PlaceHolder 5"/>
+            <a:pPr algn="ctr">
+              <a:spcAft>
+                <a:spcPts val="592"/>
+              </a:spcAft>
+            </a:pPr>
+            <a:endParaRPr b="0" lang="en-US" sz="1350" spc="-1" strike="noStrike">
+              <a:solidFill>
+                <a:srgbClr val="666666"/>
+              </a:solidFill>
+              <a:latin typeface="DejaVu Sans"/>
+            </a:endParaRPr>
+          </a:p>
+        </p:txBody>
+      </p:sp>
+      <p:sp>
+        <p:nvSpPr>
+          <p:cNvPr id="204" name="PlaceHolder 5"/>
           <p:cNvSpPr>
             <a:spLocks noGrp="1"/>
           </p:cNvSpPr>
@@ -6564,11 +7086,16 @@
             <a:normAutofit/>
           </a:bodyPr>
           <a:p>
-            <a:endParaRPr b="0" lang="en-US" sz="2400" spc="-1" strike="noStrike">
-              <a:solidFill>
-                <a:srgbClr val="ffffff"/>
-              </a:solidFill>
-              <a:latin typeface="Arial"/>
+            <a:pPr algn="ctr">
+              <a:spcAft>
+                <a:spcPts val="592"/>
+              </a:spcAft>
+            </a:pPr>
+            <a:endParaRPr b="0" lang="en-US" sz="1350" spc="-1" strike="noStrike">
+              <a:solidFill>
+                <a:srgbClr val="666666"/>
+              </a:solidFill>
+              <a:latin typeface="DejaVu Sans"/>
             </a:endParaRPr>
           </a:p>
         </p:txBody>
@@ -6607,8 +7134,8 @@
         </p:nvSpPr>
         <p:spPr>
           <a:xfrm>
-            <a:off x="2376000" y="216000"/>
-            <a:ext cx="5328000" cy="3338640"/>
+            <a:off x="504000" y="225720"/>
+            <a:ext cx="4039560" cy="4390200"/>
           </a:xfrm>
           <a:prstGeom prst="rect">
             <a:avLst/>
@@ -6622,9 +7149,9 @@
             <a:pPr algn="ctr"/>
             <a:endParaRPr b="0" lang="en-US" sz="3200" spc="-1" strike="noStrike">
               <a:solidFill>
-                <a:srgbClr val="ffffff"/>
-              </a:solidFill>
-              <a:latin typeface="Arial"/>
+                <a:srgbClr val="666666"/>
+              </a:solidFill>
+              <a:latin typeface="DejaVu Sans"/>
             </a:endParaRPr>
           </a:p>
         </p:txBody>
@@ -6653,7 +7180,7 @@
       </p:grpSpPr>
       <p:sp>
         <p:nvSpPr>
-          <p:cNvPr id="204" name="PlaceHolder 1"/>
+          <p:cNvPr id="205" name="PlaceHolder 1"/>
           <p:cNvSpPr>
             <a:spLocks noGrp="1"/>
           </p:cNvSpPr>
@@ -6663,8 +7190,8 @@
         </p:nvSpPr>
         <p:spPr>
           <a:xfrm>
-            <a:off x="2376000" y="216000"/>
-            <a:ext cx="5328000" cy="720000"/>
+            <a:off x="504000" y="225720"/>
+            <a:ext cx="4039560" cy="946800"/>
           </a:xfrm>
           <a:prstGeom prst="rect">
             <a:avLst/>
@@ -6672,22 +7199,22 @@
         </p:spPr>
         <p:txBody>
           <a:bodyPr lIns="0" rIns="0" tIns="0" bIns="0" anchor="ctr">
-            <a:normAutofit/>
+            <a:noAutofit/>
           </a:bodyPr>
           <a:p>
             <a:pPr algn="ctr"/>
-            <a:endParaRPr b="0" lang="en-US" sz="3110" spc="-1" strike="noStrike">
-              <a:solidFill>
-                <a:srgbClr val="ffffff"/>
-              </a:solidFill>
-              <a:latin typeface="Arial"/>
-            </a:endParaRPr>
-          </a:p>
-        </p:txBody>
-      </p:sp>
-      <p:sp>
-        <p:nvSpPr>
-          <p:cNvPr id="205" name="PlaceHolder 2"/>
+            <a:endParaRPr b="0" lang="en-US" sz="1860" spc="-1" strike="noStrike">
+              <a:solidFill>
+                <a:srgbClr val="ffffff"/>
+              </a:solidFill>
+              <a:latin typeface="DejaVu Sans"/>
+            </a:endParaRPr>
+          </a:p>
+        </p:txBody>
+      </p:sp>
+      <p:sp>
+        <p:nvSpPr>
+          <p:cNvPr id="206" name="PlaceHolder 2"/>
           <p:cNvSpPr>
             <a:spLocks noGrp="1"/>
           </p:cNvSpPr>
@@ -6709,18 +7236,23 @@
             <a:normAutofit/>
           </a:bodyPr>
           <a:p>
-            <a:endParaRPr b="0" lang="en-US" sz="2400" spc="-1" strike="noStrike">
-              <a:solidFill>
-                <a:srgbClr val="ffffff"/>
-              </a:solidFill>
-              <a:latin typeface="Arial"/>
-            </a:endParaRPr>
-          </a:p>
-        </p:txBody>
-      </p:sp>
-      <p:sp>
-        <p:nvSpPr>
-          <p:cNvPr id="206" name="PlaceHolder 3"/>
+            <a:pPr algn="ctr">
+              <a:spcAft>
+                <a:spcPts val="592"/>
+              </a:spcAft>
+            </a:pPr>
+            <a:endParaRPr b="0" lang="en-US" sz="1350" spc="-1" strike="noStrike">
+              <a:solidFill>
+                <a:srgbClr val="666666"/>
+              </a:solidFill>
+              <a:latin typeface="DejaVu Sans"/>
+            </a:endParaRPr>
+          </a:p>
+        </p:txBody>
+      </p:sp>
+      <p:sp>
+        <p:nvSpPr>
+          <p:cNvPr id="207" name="PlaceHolder 3"/>
           <p:cNvSpPr>
             <a:spLocks noGrp="1"/>
           </p:cNvSpPr>
@@ -6742,18 +7274,23 @@
             <a:normAutofit/>
           </a:bodyPr>
           <a:p>
-            <a:endParaRPr b="0" lang="en-US" sz="2400" spc="-1" strike="noStrike">
-              <a:solidFill>
-                <a:srgbClr val="ffffff"/>
-              </a:solidFill>
-              <a:latin typeface="Arial"/>
-            </a:endParaRPr>
-          </a:p>
-        </p:txBody>
-      </p:sp>
-      <p:sp>
-        <p:nvSpPr>
-          <p:cNvPr id="207" name="PlaceHolder 4"/>
+            <a:pPr algn="ctr">
+              <a:spcAft>
+                <a:spcPts val="592"/>
+              </a:spcAft>
+            </a:pPr>
+            <a:endParaRPr b="0" lang="en-US" sz="1350" spc="-1" strike="noStrike">
+              <a:solidFill>
+                <a:srgbClr val="666666"/>
+              </a:solidFill>
+              <a:latin typeface="DejaVu Sans"/>
+            </a:endParaRPr>
+          </a:p>
+        </p:txBody>
+      </p:sp>
+      <p:sp>
+        <p:nvSpPr>
+          <p:cNvPr id="208" name="PlaceHolder 4"/>
           <p:cNvSpPr>
             <a:spLocks noGrp="1"/>
           </p:cNvSpPr>
@@ -6775,18 +7312,23 @@
             <a:normAutofit/>
           </a:bodyPr>
           <a:p>
-            <a:endParaRPr b="0" lang="en-US" sz="2400" spc="-1" strike="noStrike">
-              <a:solidFill>
-                <a:srgbClr val="ffffff"/>
-              </a:solidFill>
-              <a:latin typeface="Arial"/>
-            </a:endParaRPr>
-          </a:p>
-        </p:txBody>
-      </p:sp>
-      <p:sp>
-        <p:nvSpPr>
-          <p:cNvPr id="208" name="PlaceHolder 5"/>
+            <a:pPr algn="ctr">
+              <a:spcAft>
+                <a:spcPts val="592"/>
+              </a:spcAft>
+            </a:pPr>
+            <a:endParaRPr b="0" lang="en-US" sz="1350" spc="-1" strike="noStrike">
+              <a:solidFill>
+                <a:srgbClr val="666666"/>
+              </a:solidFill>
+              <a:latin typeface="DejaVu Sans"/>
+            </a:endParaRPr>
+          </a:p>
+        </p:txBody>
+      </p:sp>
+      <p:sp>
+        <p:nvSpPr>
+          <p:cNvPr id="209" name="PlaceHolder 5"/>
           <p:cNvSpPr>
             <a:spLocks noGrp="1"/>
           </p:cNvSpPr>
@@ -6808,18 +7350,23 @@
             <a:normAutofit/>
           </a:bodyPr>
           <a:p>
-            <a:endParaRPr b="0" lang="en-US" sz="2400" spc="-1" strike="noStrike">
-              <a:solidFill>
-                <a:srgbClr val="ffffff"/>
-              </a:solidFill>
-              <a:latin typeface="Arial"/>
-            </a:endParaRPr>
-          </a:p>
-        </p:txBody>
-      </p:sp>
-      <p:sp>
-        <p:nvSpPr>
-          <p:cNvPr id="209" name="PlaceHolder 6"/>
+            <a:pPr algn="ctr">
+              <a:spcAft>
+                <a:spcPts val="592"/>
+              </a:spcAft>
+            </a:pPr>
+            <a:endParaRPr b="0" lang="en-US" sz="1350" spc="-1" strike="noStrike">
+              <a:solidFill>
+                <a:srgbClr val="666666"/>
+              </a:solidFill>
+              <a:latin typeface="DejaVu Sans"/>
+            </a:endParaRPr>
+          </a:p>
+        </p:txBody>
+      </p:sp>
+      <p:sp>
+        <p:nvSpPr>
+          <p:cNvPr id="210" name="PlaceHolder 6"/>
           <p:cNvSpPr>
             <a:spLocks noGrp="1"/>
           </p:cNvSpPr>
@@ -6841,18 +7388,23 @@
             <a:normAutofit/>
           </a:bodyPr>
           <a:p>
-            <a:endParaRPr b="0" lang="en-US" sz="2400" spc="-1" strike="noStrike">
-              <a:solidFill>
-                <a:srgbClr val="ffffff"/>
-              </a:solidFill>
-              <a:latin typeface="Arial"/>
-            </a:endParaRPr>
-          </a:p>
-        </p:txBody>
-      </p:sp>
-      <p:sp>
-        <p:nvSpPr>
-          <p:cNvPr id="210" name="PlaceHolder 7"/>
+            <a:pPr algn="ctr">
+              <a:spcAft>
+                <a:spcPts val="592"/>
+              </a:spcAft>
+            </a:pPr>
+            <a:endParaRPr b="0" lang="en-US" sz="1350" spc="-1" strike="noStrike">
+              <a:solidFill>
+                <a:srgbClr val="666666"/>
+              </a:solidFill>
+              <a:latin typeface="DejaVu Sans"/>
+            </a:endParaRPr>
+          </a:p>
+        </p:txBody>
+      </p:sp>
+      <p:sp>
+        <p:nvSpPr>
+          <p:cNvPr id="211" name="PlaceHolder 7"/>
           <p:cNvSpPr>
             <a:spLocks noGrp="1"/>
           </p:cNvSpPr>
@@ -6874,11 +7426,16 @@
             <a:normAutofit/>
           </a:bodyPr>
           <a:p>
-            <a:endParaRPr b="0" lang="en-US" sz="2400" spc="-1" strike="noStrike">
-              <a:solidFill>
-                <a:srgbClr val="ffffff"/>
-              </a:solidFill>
-              <a:latin typeface="Arial"/>
+            <a:pPr algn="ctr">
+              <a:spcAft>
+                <a:spcPts val="592"/>
+              </a:spcAft>
+            </a:pPr>
+            <a:endParaRPr b="0" lang="en-US" sz="1350" spc="-1" strike="noStrike">
+              <a:solidFill>
+                <a:srgbClr val="666666"/>
+              </a:solidFill>
+              <a:latin typeface="DejaVu Sans"/>
             </a:endParaRPr>
           </a:p>
         </p:txBody>
@@ -6917,8 +7474,8 @@
         </p:nvSpPr>
         <p:spPr>
           <a:xfrm>
-            <a:off x="2376000" y="216000"/>
-            <a:ext cx="5328000" cy="720000"/>
+            <a:off x="504000" y="225720"/>
+            <a:ext cx="4039560" cy="946800"/>
           </a:xfrm>
           <a:prstGeom prst="rect">
             <a:avLst/>
@@ -6926,15 +7483,15 @@
         </p:spPr>
         <p:txBody>
           <a:bodyPr lIns="0" rIns="0" tIns="0" bIns="0" anchor="ctr">
-            <a:normAutofit/>
+            <a:noAutofit/>
           </a:bodyPr>
           <a:p>
             <a:pPr algn="ctr"/>
-            <a:endParaRPr b="0" lang="en-US" sz="3110" spc="-1" strike="noStrike">
-              <a:solidFill>
-                <a:srgbClr val="ffffff"/>
-              </a:solidFill>
-              <a:latin typeface="Arial"/>
+            <a:endParaRPr b="0" lang="en-US" sz="1860" spc="-1" strike="noStrike">
+              <a:solidFill>
+                <a:srgbClr val="ffffff"/>
+              </a:solidFill>
+              <a:latin typeface="DejaVu Sans"/>
             </a:endParaRPr>
           </a:p>
         </p:txBody>
@@ -6963,11 +7520,16 @@
             <a:normAutofit/>
           </a:bodyPr>
           <a:p>
-            <a:endParaRPr b="0" lang="en-US" sz="2400" spc="-1" strike="noStrike">
-              <a:solidFill>
-                <a:srgbClr val="ffffff"/>
-              </a:solidFill>
-              <a:latin typeface="Arial"/>
+            <a:pPr algn="ctr">
+              <a:spcAft>
+                <a:spcPts val="592"/>
+              </a:spcAft>
+            </a:pPr>
+            <a:endParaRPr b="0" lang="en-US" sz="1350" spc="-1" strike="noStrike">
+              <a:solidFill>
+                <a:srgbClr val="666666"/>
+              </a:solidFill>
+              <a:latin typeface="DejaVu Sans"/>
             </a:endParaRPr>
           </a:p>
         </p:txBody>
@@ -6996,11 +7558,16 @@
             <a:normAutofit/>
           </a:bodyPr>
           <a:p>
-            <a:endParaRPr b="0" lang="en-US" sz="2400" spc="-1" strike="noStrike">
-              <a:solidFill>
-                <a:srgbClr val="ffffff"/>
-              </a:solidFill>
-              <a:latin typeface="Arial"/>
+            <a:pPr algn="ctr">
+              <a:spcAft>
+                <a:spcPts val="592"/>
+              </a:spcAft>
+            </a:pPr>
+            <a:endParaRPr b="0" lang="en-US" sz="1350" spc="-1" strike="noStrike">
+              <a:solidFill>
+                <a:srgbClr val="666666"/>
+              </a:solidFill>
+              <a:latin typeface="DejaVu Sans"/>
             </a:endParaRPr>
           </a:p>
         </p:txBody>
@@ -7029,11 +7596,16 @@
             <a:normAutofit/>
           </a:bodyPr>
           <a:p>
-            <a:endParaRPr b="0" lang="en-US" sz="2400" spc="-1" strike="noStrike">
-              <a:solidFill>
-                <a:srgbClr val="ffffff"/>
-              </a:solidFill>
-              <a:latin typeface="Arial"/>
+            <a:pPr algn="ctr">
+              <a:spcAft>
+                <a:spcPts val="592"/>
+              </a:spcAft>
+            </a:pPr>
+            <a:endParaRPr b="0" lang="en-US" sz="1350" spc="-1" strike="noStrike">
+              <a:solidFill>
+                <a:srgbClr val="666666"/>
+              </a:solidFill>
+              <a:latin typeface="DejaVu Sans"/>
             </a:endParaRPr>
           </a:p>
         </p:txBody>
@@ -7072,8 +7644,8 @@
         </p:nvSpPr>
         <p:spPr>
           <a:xfrm>
-            <a:off x="2376000" y="216000"/>
-            <a:ext cx="5328000" cy="720000"/>
+            <a:off x="504000" y="225720"/>
+            <a:ext cx="4039560" cy="946800"/>
           </a:xfrm>
           <a:prstGeom prst="rect">
             <a:avLst/>
@@ -7081,15 +7653,15 @@
         </p:spPr>
         <p:txBody>
           <a:bodyPr lIns="0" rIns="0" tIns="0" bIns="0" anchor="ctr">
-            <a:normAutofit/>
+            <a:noAutofit/>
           </a:bodyPr>
           <a:p>
             <a:pPr algn="ctr"/>
-            <a:endParaRPr b="0" lang="en-US" sz="3110" spc="-1" strike="noStrike">
-              <a:solidFill>
-                <a:srgbClr val="ffffff"/>
-              </a:solidFill>
-              <a:latin typeface="Arial"/>
+            <a:endParaRPr b="0" lang="en-US" sz="1860" spc="-1" strike="noStrike">
+              <a:solidFill>
+                <a:srgbClr val="ffffff"/>
+              </a:solidFill>
+              <a:latin typeface="DejaVu Sans"/>
             </a:endParaRPr>
           </a:p>
         </p:txBody>
@@ -7118,11 +7690,16 @@
             <a:normAutofit/>
           </a:bodyPr>
           <a:p>
-            <a:endParaRPr b="0" lang="en-US" sz="2400" spc="-1" strike="noStrike">
-              <a:solidFill>
-                <a:srgbClr val="ffffff"/>
-              </a:solidFill>
-              <a:latin typeface="Arial"/>
+            <a:pPr algn="ctr">
+              <a:spcAft>
+                <a:spcPts val="592"/>
+              </a:spcAft>
+            </a:pPr>
+            <a:endParaRPr b="0" lang="en-US" sz="1350" spc="-1" strike="noStrike">
+              <a:solidFill>
+                <a:srgbClr val="666666"/>
+              </a:solidFill>
+              <a:latin typeface="DejaVu Sans"/>
             </a:endParaRPr>
           </a:p>
         </p:txBody>
@@ -7151,11 +7728,16 @@
             <a:normAutofit/>
           </a:bodyPr>
           <a:p>
-            <a:endParaRPr b="0" lang="en-US" sz="2400" spc="-1" strike="noStrike">
-              <a:solidFill>
-                <a:srgbClr val="ffffff"/>
-              </a:solidFill>
-              <a:latin typeface="Arial"/>
+            <a:pPr algn="ctr">
+              <a:spcAft>
+                <a:spcPts val="592"/>
+              </a:spcAft>
+            </a:pPr>
+            <a:endParaRPr b="0" lang="en-US" sz="1350" spc="-1" strike="noStrike">
+              <a:solidFill>
+                <a:srgbClr val="666666"/>
+              </a:solidFill>
+              <a:latin typeface="DejaVu Sans"/>
             </a:endParaRPr>
           </a:p>
         </p:txBody>
@@ -7184,11 +7766,16 @@
             <a:normAutofit/>
           </a:bodyPr>
           <a:p>
-            <a:endParaRPr b="0" lang="en-US" sz="2400" spc="-1" strike="noStrike">
-              <a:solidFill>
-                <a:srgbClr val="ffffff"/>
-              </a:solidFill>
-              <a:latin typeface="Arial"/>
+            <a:pPr algn="ctr">
+              <a:spcAft>
+                <a:spcPts val="592"/>
+              </a:spcAft>
+            </a:pPr>
+            <a:endParaRPr b="0" lang="en-US" sz="1350" spc="-1" strike="noStrike">
+              <a:solidFill>
+                <a:srgbClr val="666666"/>
+              </a:solidFill>
+              <a:latin typeface="DejaVu Sans"/>
             </a:endParaRPr>
           </a:p>
         </p:txBody>
@@ -7227,8 +7814,8 @@
         </p:nvSpPr>
         <p:spPr>
           <a:xfrm>
-            <a:off x="2376000" y="216000"/>
-            <a:ext cx="5328000" cy="720000"/>
+            <a:off x="504000" y="225720"/>
+            <a:ext cx="4039560" cy="946800"/>
           </a:xfrm>
           <a:prstGeom prst="rect">
             <a:avLst/>
@@ -7236,15 +7823,15 @@
         </p:spPr>
         <p:txBody>
           <a:bodyPr lIns="0" rIns="0" tIns="0" bIns="0" anchor="ctr">
-            <a:normAutofit/>
+            <a:noAutofit/>
           </a:bodyPr>
           <a:p>
             <a:pPr algn="ctr"/>
-            <a:endParaRPr b="0" lang="en-US" sz="3110" spc="-1" strike="noStrike">
-              <a:solidFill>
-                <a:srgbClr val="ffffff"/>
-              </a:solidFill>
-              <a:latin typeface="Arial"/>
+            <a:endParaRPr b="0" lang="en-US" sz="1860" spc="-1" strike="noStrike">
+              <a:solidFill>
+                <a:srgbClr val="ffffff"/>
+              </a:solidFill>
+              <a:latin typeface="DejaVu Sans"/>
             </a:endParaRPr>
           </a:p>
         </p:txBody>
@@ -7273,11 +7860,16 @@
             <a:normAutofit/>
           </a:bodyPr>
           <a:p>
-            <a:endParaRPr b="0" lang="en-US" sz="2400" spc="-1" strike="noStrike">
-              <a:solidFill>
-                <a:srgbClr val="ffffff"/>
-              </a:solidFill>
-              <a:latin typeface="Arial"/>
+            <a:pPr algn="ctr">
+              <a:spcAft>
+                <a:spcPts val="592"/>
+              </a:spcAft>
+            </a:pPr>
+            <a:endParaRPr b="0" lang="en-US" sz="1350" spc="-1" strike="noStrike">
+              <a:solidFill>
+                <a:srgbClr val="666666"/>
+              </a:solidFill>
+              <a:latin typeface="DejaVu Sans"/>
             </a:endParaRPr>
           </a:p>
         </p:txBody>
@@ -7306,11 +7898,16 @@
             <a:normAutofit/>
           </a:bodyPr>
           <a:p>
-            <a:endParaRPr b="0" lang="en-US" sz="2400" spc="-1" strike="noStrike">
-              <a:solidFill>
-                <a:srgbClr val="ffffff"/>
-              </a:solidFill>
-              <a:latin typeface="Arial"/>
+            <a:pPr algn="ctr">
+              <a:spcAft>
+                <a:spcPts val="592"/>
+              </a:spcAft>
+            </a:pPr>
+            <a:endParaRPr b="0" lang="en-US" sz="1350" spc="-1" strike="noStrike">
+              <a:solidFill>
+                <a:srgbClr val="666666"/>
+              </a:solidFill>
+              <a:latin typeface="DejaVu Sans"/>
             </a:endParaRPr>
           </a:p>
         </p:txBody>
@@ -7339,11 +7936,16 @@
             <a:normAutofit/>
           </a:bodyPr>
           <a:p>
-            <a:endParaRPr b="0" lang="en-US" sz="2400" spc="-1" strike="noStrike">
-              <a:solidFill>
-                <a:srgbClr val="ffffff"/>
-              </a:solidFill>
-              <a:latin typeface="Arial"/>
+            <a:pPr algn="ctr">
+              <a:spcAft>
+                <a:spcPts val="592"/>
+              </a:spcAft>
+            </a:pPr>
+            <a:endParaRPr b="0" lang="en-US" sz="1350" spc="-1" strike="noStrike">
+              <a:solidFill>
+                <a:srgbClr val="666666"/>
+              </a:solidFill>
+              <a:latin typeface="DejaVu Sans"/>
             </a:endParaRPr>
           </a:p>
         </p:txBody>
@@ -7399,13 +8001,7 @@
               <a:rPr b="0" lang="en-US" sz="4400" spc="-1" strike="noStrike">
                 <a:latin typeface="Arial"/>
               </a:rPr>
-              <a:t>Click to edit the </a:t>
-            </a:r>
-            <a:r>
-              <a:rPr b="0" lang="en-US" sz="4400" spc="-1" strike="noStrike">
-                <a:latin typeface="Arial"/>
-              </a:rPr>
-              <a:t>title text format</a:t>
+              <a:t>Click to edit the title text format</a:t>
             </a:r>
             <a:endParaRPr b="0" lang="en-US" sz="4400" spc="-1" strike="noStrike">
               <a:latin typeface="Arial"/>
@@ -7690,7 +8286,7 @@
           </a:bodyPr>
           <a:p>
             <a:pPr algn="r"/>
-            <a:fld id="{2662C1DD-6BFA-4292-B5B6-85A5E8CEA572}" type="slidenum">
+            <a:fld id="{56CA72A6-2A55-430F-8922-896FE0CF0C5D}" type="slidenum">
               <a:rPr b="0" lang="en-US" sz="1400" spc="-1" strike="noStrike">
                 <a:latin typeface="Times New Roman"/>
               </a:rPr>
@@ -7935,7 +8531,7 @@
           </a:bodyPr>
           <a:p>
             <a:pPr algn="r"/>
-            <a:fld id="{DCB6C207-37FC-433A-BB05-FE671CA2DAE9}" type="slidenum">
+            <a:fld id="{010EDC79-40C6-45AD-8AB3-A202E4F5263A}" type="slidenum">
               <a:rPr b="0" lang="en-US" sz="1400" spc="-1" strike="noStrike">
                 <a:solidFill>
                   <a:srgbClr val="ffffff"/>
@@ -8394,7 +8990,7 @@
           </a:bodyPr>
           <a:p>
             <a:pPr algn="r"/>
-            <a:fld id="{FD437674-9441-404E-A662-9EBF6B4F284C}" type="slidenum">
+            <a:fld id="{09FA9747-FCB4-4967-A442-BE2B22843133}" type="slidenum">
               <a:rPr b="0" lang="en-US" sz="1400" spc="-1" strike="noStrike">
                 <a:latin typeface="Arial"/>
               </a:rPr>
@@ -8732,7 +9328,7 @@
           </a:bodyPr>
           <a:p>
             <a:pPr algn="r"/>
-            <a:fld id="{9800ADA5-B273-4BA4-B9B9-7E33E664278D}" type="slidenum">
+            <a:fld id="{92B643C8-226D-4EFC-9627-6208415F897A}" type="slidenum">
               <a:rPr b="0" lang="en-US" sz="1400" spc="-1" strike="noStrike">
                 <a:solidFill>
                   <a:srgbClr val="dddddd"/>
@@ -9106,13 +9702,9 @@
       </p:sp>
       <p:sp>
         <p:nvSpPr>
-          <p:cNvPr id="171" name="PlaceHolder 2"/>
-          <p:cNvSpPr>
-            <a:spLocks noGrp="1"/>
-          </p:cNvSpPr>
-          <p:nvPr>
-            <p:ph type="body"/>
-          </p:nvPr>
+          <p:cNvPr id="171" name="TextShape 2"/>
+          <p:cNvSpPr txBox="1"/>
+          <p:nvPr/>
         </p:nvSpPr>
         <p:spPr>
           <a:xfrm>
@@ -9122,10 +9714,144 @@
           <a:prstGeom prst="rect">
             <a:avLst/>
           </a:prstGeom>
+          <a:noFill/>
+          <a:ln>
+            <a:noFill/>
+          </a:ln>
+        </p:spPr>
+      </p:sp>
+      <p:sp>
+        <p:nvSpPr>
+          <p:cNvPr id="172" name="PlaceHolder 3"/>
+          <p:cNvSpPr>
+            <a:spLocks noGrp="1"/>
+          </p:cNvSpPr>
+          <p:nvPr>
+            <p:ph type="dt"/>
+          </p:nvPr>
+        </p:nvSpPr>
+        <p:spPr>
+          <a:xfrm>
+            <a:off x="180000" y="5164920"/>
+            <a:ext cx="2348280" cy="390960"/>
+          </a:xfrm>
+          <a:prstGeom prst="rect">
+            <a:avLst/>
+          </a:prstGeom>
+        </p:spPr>
+        <p:txBody>
+          <a:bodyPr lIns="0" rIns="0" tIns="0" bIns="0" anchor="b">
+            <a:noAutofit/>
+          </a:bodyPr>
+          <a:p>
+            <a:r>
+              <a:rPr b="0" lang="en-US" sz="1400" spc="-1" strike="noStrike">
+                <a:latin typeface="Times New Roman"/>
+              </a:rPr>
+              <a:t>&lt;date/time&gt;</a:t>
+            </a:r>
+            <a:endParaRPr b="0" lang="en-US" sz="1400" spc="-1" strike="noStrike">
+              <a:latin typeface="Times New Roman"/>
+            </a:endParaRPr>
+          </a:p>
+        </p:txBody>
+      </p:sp>
+      <p:sp>
+        <p:nvSpPr>
+          <p:cNvPr id="173" name="PlaceHolder 4"/>
+          <p:cNvSpPr>
+            <a:spLocks noGrp="1"/>
+          </p:cNvSpPr>
+          <p:nvPr>
+            <p:ph type="ftr"/>
+          </p:nvPr>
+        </p:nvSpPr>
+        <p:spPr>
+          <a:xfrm>
+            <a:off x="3447360" y="5164920"/>
+            <a:ext cx="3195000" cy="390960"/>
+          </a:xfrm>
+          <a:prstGeom prst="rect">
+            <a:avLst/>
+          </a:prstGeom>
+        </p:spPr>
+        <p:txBody>
+          <a:bodyPr lIns="0" rIns="0" tIns="0" bIns="0" anchor="b">
+            <a:noAutofit/>
+          </a:bodyPr>
+          <a:p>
+            <a:pPr algn="ctr"/>
+            <a:r>
+              <a:rPr b="0" lang="en-US" sz="1400" spc="-1" strike="noStrike">
+                <a:latin typeface="Times New Roman"/>
+              </a:rPr>
+              <a:t>&lt;footer&gt;</a:t>
+            </a:r>
+            <a:endParaRPr b="0" lang="en-US" sz="1400" spc="-1" strike="noStrike">
+              <a:latin typeface="Times New Roman"/>
+            </a:endParaRPr>
+          </a:p>
+        </p:txBody>
+      </p:sp>
+      <p:sp>
+        <p:nvSpPr>
+          <p:cNvPr id="174" name="PlaceHolder 5"/>
+          <p:cNvSpPr>
+            <a:spLocks noGrp="1"/>
+          </p:cNvSpPr>
+          <p:nvPr>
+            <p:ph type="sldNum"/>
+          </p:nvPr>
+        </p:nvSpPr>
+        <p:spPr>
+          <a:xfrm>
+            <a:off x="7587360" y="5164920"/>
+            <a:ext cx="2348280" cy="390960"/>
+          </a:xfrm>
+          <a:prstGeom prst="rect">
+            <a:avLst/>
+          </a:prstGeom>
+        </p:spPr>
+        <p:txBody>
+          <a:bodyPr lIns="0" rIns="0" tIns="0" bIns="0" anchor="b">
+            <a:noAutofit/>
+          </a:bodyPr>
+          <a:p>
+            <a:pPr algn="r"/>
+            <a:fld id="{E0903E65-3EC5-4461-B165-A1A87D42C54C}" type="slidenum">
+              <a:rPr b="0" lang="en-US" sz="1400" spc="-1" strike="noStrike">
+                <a:latin typeface="Times New Roman"/>
+              </a:rPr>
+              <a:t>&lt;number&gt;</a:t>
+            </a:fld>
+            <a:endParaRPr b="0" lang="en-US" sz="1400" spc="-1" strike="noStrike">
+              <a:latin typeface="Times New Roman"/>
+            </a:endParaRPr>
+          </a:p>
+        </p:txBody>
+      </p:sp>
+      <p:sp>
+        <p:nvSpPr>
+          <p:cNvPr id="175" name="PlaceHolder 6"/>
+          <p:cNvSpPr>
+            <a:spLocks noGrp="1"/>
+          </p:cNvSpPr>
+          <p:nvPr>
+            <p:ph type="body"/>
+          </p:nvPr>
+        </p:nvSpPr>
+        <p:spPr>
+          <a:xfrm>
+            <a:off x="504000" y="1326600"/>
+            <a:ext cx="9071640" cy="3288240"/>
+          </a:xfrm>
+          <a:prstGeom prst="rect">
+            <a:avLst/>
+          </a:prstGeom>
         </p:spPr>
         <p:txBody>
           <a:bodyPr lIns="0" rIns="0" tIns="0" bIns="0">
-            <a:noAutofit/>
+            <a:normAutofit/>
           </a:bodyPr>
           <a:p>
             <a:pPr marL="432000" indent="-324000">
@@ -9321,116 +10047,6 @@
                 <a:srgbClr val="ffffff"/>
               </a:solidFill>
               <a:latin typeface="Arial"/>
-            </a:endParaRPr>
-          </a:p>
-        </p:txBody>
-      </p:sp>
-      <p:sp>
-        <p:nvSpPr>
-          <p:cNvPr id="172" name="PlaceHolder 3"/>
-          <p:cNvSpPr>
-            <a:spLocks noGrp="1"/>
-          </p:cNvSpPr>
-          <p:nvPr>
-            <p:ph type="dt"/>
-          </p:nvPr>
-        </p:nvSpPr>
-        <p:spPr>
-          <a:xfrm>
-            <a:off x="180000" y="5164920"/>
-            <a:ext cx="2348280" cy="390960"/>
-          </a:xfrm>
-          <a:prstGeom prst="rect">
-            <a:avLst/>
-          </a:prstGeom>
-        </p:spPr>
-        <p:txBody>
-          <a:bodyPr lIns="0" rIns="0" tIns="0" bIns="0" anchor="b">
-            <a:noAutofit/>
-          </a:bodyPr>
-          <a:p>
-            <a:r>
-              <a:rPr b="0" lang="en-US" sz="1400" spc="-1" strike="noStrike">
-                <a:latin typeface="Times New Roman"/>
-              </a:rPr>
-              <a:t>&lt;date/time&gt;</a:t>
-            </a:r>
-            <a:endParaRPr b="0" lang="en-US" sz="1400" spc="-1" strike="noStrike">
-              <a:latin typeface="Times New Roman"/>
-            </a:endParaRPr>
-          </a:p>
-        </p:txBody>
-      </p:sp>
-      <p:sp>
-        <p:nvSpPr>
-          <p:cNvPr id="173" name="PlaceHolder 4"/>
-          <p:cNvSpPr>
-            <a:spLocks noGrp="1"/>
-          </p:cNvSpPr>
-          <p:nvPr>
-            <p:ph type="ftr"/>
-          </p:nvPr>
-        </p:nvSpPr>
-        <p:spPr>
-          <a:xfrm>
-            <a:off x="3447360" y="5164920"/>
-            <a:ext cx="3195000" cy="390960"/>
-          </a:xfrm>
-          <a:prstGeom prst="rect">
-            <a:avLst/>
-          </a:prstGeom>
-        </p:spPr>
-        <p:txBody>
-          <a:bodyPr lIns="0" rIns="0" tIns="0" bIns="0" anchor="b">
-            <a:noAutofit/>
-          </a:bodyPr>
-          <a:p>
-            <a:pPr algn="ctr"/>
-            <a:r>
-              <a:rPr b="0" lang="en-US" sz="1400" spc="-1" strike="noStrike">
-                <a:latin typeface="Times New Roman"/>
-              </a:rPr>
-              <a:t>&lt;footer&gt;</a:t>
-            </a:r>
-            <a:endParaRPr b="0" lang="en-US" sz="1400" spc="-1" strike="noStrike">
-              <a:latin typeface="Times New Roman"/>
-            </a:endParaRPr>
-          </a:p>
-        </p:txBody>
-      </p:sp>
-      <p:sp>
-        <p:nvSpPr>
-          <p:cNvPr id="174" name="PlaceHolder 5"/>
-          <p:cNvSpPr>
-            <a:spLocks noGrp="1"/>
-          </p:cNvSpPr>
-          <p:nvPr>
-            <p:ph type="sldNum"/>
-          </p:nvPr>
-        </p:nvSpPr>
-        <p:spPr>
-          <a:xfrm>
-            <a:off x="7587360" y="5164920"/>
-            <a:ext cx="2348280" cy="390960"/>
-          </a:xfrm>
-          <a:prstGeom prst="rect">
-            <a:avLst/>
-          </a:prstGeom>
-        </p:spPr>
-        <p:txBody>
-          <a:bodyPr lIns="0" rIns="0" tIns="0" bIns="0" anchor="b">
-            <a:noAutofit/>
-          </a:bodyPr>
-          <a:p>
-            <a:pPr algn="r"/>
-            <a:fld id="{0F11022C-5FA6-423F-9552-EFD3EDFB0405}" type="slidenum">
-              <a:rPr b="0" lang="en-US" sz="1400" spc="-1" strike="noStrike">
-                <a:latin typeface="Times New Roman"/>
-              </a:rPr>
-              <a:t>&lt;number&gt;</a:t>
-            </a:fld>
-            <a:endParaRPr b="0" lang="en-US" sz="1400" spc="-1" strike="noStrike">
-              <a:latin typeface="Times New Roman"/>
             </a:endParaRPr>
           </a:p>
         </p:txBody>
@@ -9474,7 +10090,7 @@
       </p:grpSpPr>
       <p:sp>
         <p:nvSpPr>
-          <p:cNvPr id="211" name="TextShape 1"/>
+          <p:cNvPr id="212" name="TextShape 1"/>
           <p:cNvSpPr txBox="1"/>
           <p:nvPr/>
         </p:nvSpPr>
@@ -9516,7 +10132,7 @@
       </p:sp>
       <p:sp>
         <p:nvSpPr>
-          <p:cNvPr id="212" name="TextShape 2"/>
+          <p:cNvPr id="213" name="TextShape 2"/>
           <p:cNvSpPr txBox="1"/>
           <p:nvPr/>
         </p:nvSpPr>
@@ -9588,7 +10204,7 @@
       </p:grpSpPr>
       <p:sp>
         <p:nvSpPr>
-          <p:cNvPr id="232" name="TextShape 1"/>
+          <p:cNvPr id="233" name="TextShape 1"/>
           <p:cNvSpPr txBox="1"/>
           <p:nvPr/>
         </p:nvSpPr>
@@ -9631,7 +10247,7 @@
       </p:sp>
       <p:sp>
         <p:nvSpPr>
-          <p:cNvPr id="233" name="TextShape 2"/>
+          <p:cNvPr id="234" name="TextShape 2"/>
           <p:cNvSpPr txBox="1"/>
           <p:nvPr/>
         </p:nvSpPr>
@@ -9826,7 +10442,7 @@
       </p:grpSpPr>
       <p:sp>
         <p:nvSpPr>
-          <p:cNvPr id="234" name="TextShape 1"/>
+          <p:cNvPr id="235" name="TextShape 1"/>
           <p:cNvSpPr txBox="1"/>
           <p:nvPr/>
         </p:nvSpPr>
@@ -9869,7 +10485,7 @@
       </p:sp>
       <p:pic>
         <p:nvPicPr>
-          <p:cNvPr id="235" name="" descr=""/>
+          <p:cNvPr id="236" name="" descr=""/>
           <p:cNvPicPr/>
           <p:nvPr/>
         </p:nvPicPr>
@@ -9892,7 +10508,7 @@
       </p:pic>
       <p:pic>
         <p:nvPicPr>
-          <p:cNvPr id="236" name="" descr=""/>
+          <p:cNvPr id="237" name="" descr=""/>
           <p:cNvPicPr/>
           <p:nvPr/>
         </p:nvPicPr>
@@ -9945,7 +10561,7 @@
       </p:grpSpPr>
       <p:sp>
         <p:nvSpPr>
-          <p:cNvPr id="237" name="TextShape 1"/>
+          <p:cNvPr id="238" name="TextShape 1"/>
           <p:cNvSpPr txBox="1"/>
           <p:nvPr/>
         </p:nvSpPr>
@@ -9988,7 +10604,7 @@
       </p:sp>
       <p:pic>
         <p:nvPicPr>
-          <p:cNvPr id="238" name="" descr=""/>
+          <p:cNvPr id="239" name="" descr=""/>
           <p:cNvPicPr/>
           <p:nvPr/>
         </p:nvPicPr>
@@ -10011,7 +10627,7 @@
       </p:pic>
       <p:pic>
         <p:nvPicPr>
-          <p:cNvPr id="239" name="" descr=""/>
+          <p:cNvPr id="240" name="" descr=""/>
           <p:cNvPicPr/>
           <p:nvPr/>
         </p:nvPicPr>
@@ -10034,7 +10650,7 @@
       </p:pic>
       <p:pic>
         <p:nvPicPr>
-          <p:cNvPr id="240" name="" descr=""/>
+          <p:cNvPr id="241" name="" descr=""/>
           <p:cNvPicPr/>
           <p:nvPr/>
         </p:nvPicPr>
@@ -10087,7 +10703,7 @@
       </p:grpSpPr>
       <p:sp>
         <p:nvSpPr>
-          <p:cNvPr id="241" name="TextShape 1"/>
+          <p:cNvPr id="242" name="TextShape 1"/>
           <p:cNvSpPr txBox="1"/>
           <p:nvPr/>
         </p:nvSpPr>
@@ -10130,7 +10746,7 @@
       </p:sp>
       <p:sp>
         <p:nvSpPr>
-          <p:cNvPr id="242" name="TextShape 2"/>
+          <p:cNvPr id="243" name="TextShape 2"/>
           <p:cNvSpPr txBox="1"/>
           <p:nvPr/>
         </p:nvSpPr>
@@ -10297,7 +10913,7 @@
       </p:grpSpPr>
       <p:sp>
         <p:nvSpPr>
-          <p:cNvPr id="243" name="TextShape 1"/>
+          <p:cNvPr id="244" name="TextShape 1"/>
           <p:cNvSpPr txBox="1"/>
           <p:nvPr/>
         </p:nvSpPr>
@@ -10340,7 +10956,7 @@
       </p:sp>
       <p:pic>
         <p:nvPicPr>
-          <p:cNvPr id="244" name="" descr=""/>
+          <p:cNvPr id="245" name="" descr=""/>
           <p:cNvPicPr/>
           <p:nvPr/>
         </p:nvPicPr>
@@ -10363,7 +10979,7 @@
       </p:pic>
       <p:pic>
         <p:nvPicPr>
-          <p:cNvPr id="245" name="" descr=""/>
+          <p:cNvPr id="246" name="" descr=""/>
           <p:cNvPicPr/>
           <p:nvPr/>
         </p:nvPicPr>
@@ -10386,7 +11002,7 @@
       </p:pic>
       <p:pic>
         <p:nvPicPr>
-          <p:cNvPr id="246" name="" descr=""/>
+          <p:cNvPr id="247" name="" descr=""/>
           <p:cNvPicPr/>
           <p:nvPr/>
         </p:nvPicPr>
@@ -10439,7 +11055,7 @@
       </p:grpSpPr>
       <p:sp>
         <p:nvSpPr>
-          <p:cNvPr id="247" name="TextShape 1"/>
+          <p:cNvPr id="248" name="TextShape 1"/>
           <p:cNvSpPr txBox="1"/>
           <p:nvPr/>
         </p:nvSpPr>
@@ -10482,7 +11098,7 @@
       </p:sp>
       <p:pic>
         <p:nvPicPr>
-          <p:cNvPr id="248" name="" descr=""/>
+          <p:cNvPr id="249" name="" descr=""/>
           <p:cNvPicPr/>
           <p:nvPr/>
         </p:nvPicPr>
@@ -10505,7 +11121,7 @@
       </p:pic>
       <p:pic>
         <p:nvPicPr>
-          <p:cNvPr id="249" name="" descr=""/>
+          <p:cNvPr id="250" name="" descr=""/>
           <p:cNvPicPr/>
           <p:nvPr/>
         </p:nvPicPr>
@@ -10558,7 +11174,7 @@
       </p:grpSpPr>
       <p:sp>
         <p:nvSpPr>
-          <p:cNvPr id="250" name="TextShape 1"/>
+          <p:cNvPr id="251" name="TextShape 1"/>
           <p:cNvSpPr txBox="1"/>
           <p:nvPr/>
         </p:nvSpPr>
@@ -10601,7 +11217,7 @@
       </p:sp>
       <p:sp>
         <p:nvSpPr>
-          <p:cNvPr id="251" name="TextShape 2"/>
+          <p:cNvPr id="252" name="TextShape 2"/>
           <p:cNvSpPr txBox="1"/>
           <p:nvPr/>
         </p:nvSpPr>
@@ -10796,7 +11412,7 @@
       </p:grpSpPr>
       <p:sp>
         <p:nvSpPr>
-          <p:cNvPr id="252" name="TextShape 1"/>
+          <p:cNvPr id="253" name="TextShape 1"/>
           <p:cNvSpPr txBox="1"/>
           <p:nvPr/>
         </p:nvSpPr>
@@ -10839,7 +11455,7 @@
       </p:sp>
       <p:pic>
         <p:nvPicPr>
-          <p:cNvPr id="253" name="" descr=""/>
+          <p:cNvPr id="254" name="" descr=""/>
           <p:cNvPicPr/>
           <p:nvPr/>
         </p:nvPicPr>
@@ -10862,7 +11478,7 @@
       </p:pic>
       <p:pic>
         <p:nvPicPr>
-          <p:cNvPr id="254" name="" descr=""/>
+          <p:cNvPr id="255" name="" descr=""/>
           <p:cNvPicPr/>
           <p:nvPr/>
         </p:nvPicPr>
@@ -10915,7 +11531,7 @@
       </p:grpSpPr>
       <p:sp>
         <p:nvSpPr>
-          <p:cNvPr id="255" name="TextShape 1"/>
+          <p:cNvPr id="256" name="TextShape 1"/>
           <p:cNvSpPr txBox="1"/>
           <p:nvPr/>
         </p:nvSpPr>
@@ -10958,7 +11574,7 @@
       </p:sp>
       <p:pic>
         <p:nvPicPr>
-          <p:cNvPr id="256" name="" descr=""/>
+          <p:cNvPr id="257" name="" descr=""/>
           <p:cNvPicPr/>
           <p:nvPr/>
         </p:nvPicPr>
@@ -10970,29 +11586,6 @@
           <a:xfrm>
             <a:off x="182880" y="1371600"/>
             <a:ext cx="3200400" cy="3840480"/>
-          </a:xfrm>
-          <a:prstGeom prst="rect">
-            <a:avLst/>
-          </a:prstGeom>
-          <a:ln>
-            <a:noFill/>
-          </a:ln>
-        </p:spPr>
-      </p:pic>
-      <p:pic>
-        <p:nvPicPr>
-          <p:cNvPr id="257" name="" descr=""/>
-          <p:cNvPicPr/>
-          <p:nvPr/>
-        </p:nvPicPr>
-        <p:blipFill>
-          <a:blip r:embed="rId2"/>
-          <a:stretch/>
-        </p:blipFill>
-        <p:spPr>
-          <a:xfrm>
-            <a:off x="3474720" y="1371600"/>
-            <a:ext cx="3108960" cy="3840480"/>
           </a:xfrm>
           <a:prstGeom prst="rect">
             <a:avLst/>
@@ -11009,6 +11602,29 @@
           <p:nvPr/>
         </p:nvPicPr>
         <p:blipFill>
+          <a:blip r:embed="rId2"/>
+          <a:stretch/>
+        </p:blipFill>
+        <p:spPr>
+          <a:xfrm>
+            <a:off x="3474720" y="1371600"/>
+            <a:ext cx="3108960" cy="3840480"/>
+          </a:xfrm>
+          <a:prstGeom prst="rect">
+            <a:avLst/>
+          </a:prstGeom>
+          <a:ln>
+            <a:noFill/>
+          </a:ln>
+        </p:spPr>
+      </p:pic>
+      <p:pic>
+        <p:nvPicPr>
+          <p:cNvPr id="259" name="" descr=""/>
+          <p:cNvPicPr/>
+          <p:nvPr/>
+        </p:nvPicPr>
+        <p:blipFill>
           <a:blip r:embed="rId3"/>
           <a:stretch/>
         </p:blipFill>
@@ -11025,6 +11641,235 @@
           </a:ln>
         </p:spPr>
       </p:pic>
+    </p:spTree>
+  </p:cSld>
+  <mc:AlternateContent>
+    <mc:Choice Requires="p14">
+      <p:transition spd="slow" p14:dur="2000"/>
+    </mc:Choice>
+    <mc:Fallback>
+      <p:transition spd="slow"/>
+    </mc:Fallback>
+  </mc:AlternateContent>
+</p:sld>
+</file>
+
+<file path=ppt/slides/slide19.xml><?xml version="1.0" encoding="utf-8"?>
+<p:sld xmlns:a="http://schemas.openxmlformats.org/drawingml/2006/main" xmlns:p="http://schemas.openxmlformats.org/presentationml/2006/main" xmlns:r="http://schemas.openxmlformats.org/officeDocument/2006/relationships" xmlns:p14="http://schemas.microsoft.com/office/powerpoint/2010/main" xmlns:p15="http://schemas.microsoft.com/office/powerpoint/2012/main" xmlns:mc="http://schemas.openxmlformats.org/markup-compatibility/2006">
+  <p:cSld>
+    <p:spTree>
+      <p:nvGrpSpPr>
+        <p:cNvPr id="1" name=""/>
+        <p:cNvGrpSpPr/>
+        <p:nvPr/>
+      </p:nvGrpSpPr>
+      <p:grpSpPr>
+        <a:xfrm>
+          <a:off x="0" y="0"/>
+          <a:ext cx="0" cy="0"/>
+          <a:chOff x="0" y="0"/>
+          <a:chExt cx="0" cy="0"/>
+        </a:xfrm>
+      </p:grpSpPr>
+      <p:sp>
+        <p:nvSpPr>
+          <p:cNvPr id="260" name="TextShape 1"/>
+          <p:cNvSpPr txBox="1"/>
+          <p:nvPr/>
+        </p:nvSpPr>
+        <p:spPr>
+          <a:xfrm>
+            <a:off x="2376000" y="216000"/>
+            <a:ext cx="5328000" cy="720000"/>
+          </a:xfrm>
+          <a:prstGeom prst="rect">
+            <a:avLst/>
+          </a:prstGeom>
+          <a:noFill/>
+          <a:ln>
+            <a:noFill/>
+          </a:ln>
+        </p:spPr>
+        <p:txBody>
+          <a:bodyPr lIns="0" rIns="0" tIns="0" bIns="0" anchor="ctr">
+            <a:normAutofit/>
+          </a:bodyPr>
+          <a:p>
+            <a:pPr algn="ctr"/>
+            <a:r>
+              <a:rPr b="0" lang="en-US" sz="3110" spc="-1" strike="noStrike">
+                <a:solidFill>
+                  <a:srgbClr val="ffffff"/>
+                </a:solidFill>
+                <a:latin typeface="Arial"/>
+              </a:rPr>
+              <a:t>Conclusion</a:t>
+            </a:r>
+            <a:endParaRPr b="0" lang="en-US" sz="3110" spc="-1" strike="noStrike">
+              <a:solidFill>
+                <a:srgbClr val="ffffff"/>
+              </a:solidFill>
+              <a:latin typeface="Arial"/>
+            </a:endParaRPr>
+          </a:p>
+        </p:txBody>
+      </p:sp>
+      <p:sp>
+        <p:nvSpPr>
+          <p:cNvPr id="261" name="TextShape 2"/>
+          <p:cNvSpPr txBox="1"/>
+          <p:nvPr/>
+        </p:nvSpPr>
+        <p:spPr>
+          <a:xfrm>
+            <a:off x="504000" y="1326600"/>
+            <a:ext cx="9071640" cy="3288240"/>
+          </a:xfrm>
+          <a:prstGeom prst="rect">
+            <a:avLst/>
+          </a:prstGeom>
+          <a:noFill/>
+          <a:ln>
+            <a:noFill/>
+          </a:ln>
+        </p:spPr>
+        <p:txBody>
+          <a:bodyPr lIns="0" rIns="0" tIns="0" bIns="0">
+            <a:normAutofit/>
+          </a:bodyPr>
+          <a:p>
+            <a:pPr marL="432000" indent="-324000">
+              <a:spcAft>
+                <a:spcPts val="1060"/>
+              </a:spcAft>
+              <a:buClr>
+                <a:srgbClr val="ffffff"/>
+              </a:buClr>
+              <a:buSzPct val="45000"/>
+              <a:buFont typeface="Wingdings" charset="2"/>
+              <a:buChar char=""/>
+            </a:pPr>
+            <a:r>
+              <a:rPr b="0" lang="en-US" sz="2400" spc="-1" strike="noStrike">
+                <a:solidFill>
+                  <a:srgbClr val="ffffff"/>
+                </a:solidFill>
+                <a:latin typeface="Arial"/>
+              </a:rPr>
+              <a:t>Further Investigate language data</a:t>
+            </a:r>
+            <a:endParaRPr b="0" lang="en-US" sz="2400" spc="-1" strike="noStrike">
+              <a:solidFill>
+                <a:srgbClr val="ffffff"/>
+              </a:solidFill>
+              <a:latin typeface="Arial"/>
+            </a:endParaRPr>
+          </a:p>
+          <a:p>
+            <a:pPr marL="432000" indent="-324000">
+              <a:spcAft>
+                <a:spcPts val="1060"/>
+              </a:spcAft>
+              <a:buClr>
+                <a:srgbClr val="ffffff"/>
+              </a:buClr>
+              <a:buSzPct val="45000"/>
+              <a:buFont typeface="Wingdings" charset="2"/>
+              <a:buChar char=""/>
+            </a:pPr>
+            <a:r>
+              <a:rPr b="0" lang="en-US" sz="2400" spc="-1" strike="noStrike">
+                <a:solidFill>
+                  <a:srgbClr val="ffffff"/>
+                </a:solidFill>
+                <a:latin typeface="Arial"/>
+              </a:rPr>
+              <a:t>Extend Decision Tree to Random Forests</a:t>
+            </a:r>
+            <a:endParaRPr b="0" lang="en-US" sz="2400" spc="-1" strike="noStrike">
+              <a:solidFill>
+                <a:srgbClr val="ffffff"/>
+              </a:solidFill>
+              <a:latin typeface="Arial"/>
+            </a:endParaRPr>
+          </a:p>
+          <a:p>
+            <a:pPr marL="432000" indent="-324000">
+              <a:spcAft>
+                <a:spcPts val="1060"/>
+              </a:spcAft>
+              <a:buClr>
+                <a:srgbClr val="ffffff"/>
+              </a:buClr>
+              <a:buSzPct val="45000"/>
+              <a:buFont typeface="Wingdings" charset="2"/>
+              <a:buChar char=""/>
+            </a:pPr>
+            <a:r>
+              <a:rPr b="0" lang="en-US" sz="2400" spc="-1" strike="noStrike">
+                <a:solidFill>
+                  <a:srgbClr val="ffffff"/>
+                </a:solidFill>
+                <a:latin typeface="Arial"/>
+              </a:rPr>
+              <a:t>Used named entity recognition for identifying political motivation</a:t>
+            </a:r>
+            <a:endParaRPr b="0" lang="en-US" sz="2400" spc="-1" strike="noStrike">
+              <a:solidFill>
+                <a:srgbClr val="ffffff"/>
+              </a:solidFill>
+              <a:latin typeface="Arial"/>
+            </a:endParaRPr>
+          </a:p>
+          <a:p>
+            <a:pPr marL="432000" indent="-324000">
+              <a:spcAft>
+                <a:spcPts val="1060"/>
+              </a:spcAft>
+              <a:buClr>
+                <a:srgbClr val="ffffff"/>
+              </a:buClr>
+              <a:buSzPct val="45000"/>
+              <a:buFont typeface="Wingdings" charset="2"/>
+              <a:buChar char=""/>
+            </a:pPr>
+            <a:r>
+              <a:rPr b="0" lang="en-US" sz="2400" spc="-1" strike="noStrike">
+                <a:solidFill>
+                  <a:srgbClr val="ffffff"/>
+                </a:solidFill>
+                <a:latin typeface="Arial"/>
+              </a:rPr>
+              <a:t>Find a continuous data set to test the accuracy of the classifiers provided. </a:t>
+            </a:r>
+            <a:endParaRPr b="0" lang="en-US" sz="2400" spc="-1" strike="noStrike">
+              <a:solidFill>
+                <a:srgbClr val="ffffff"/>
+              </a:solidFill>
+              <a:latin typeface="Arial"/>
+            </a:endParaRPr>
+          </a:p>
+          <a:p>
+            <a:pPr marL="432000" indent="-324000">
+              <a:spcAft>
+                <a:spcPts val="1060"/>
+              </a:spcAft>
+              <a:buClr>
+                <a:srgbClr val="ffffff"/>
+              </a:buClr>
+              <a:buSzPct val="45000"/>
+              <a:buFont typeface="Wingdings" charset="2"/>
+              <a:buChar char=""/>
+            </a:pPr>
+            <a:endParaRPr b="0" lang="en-US" sz="2400" spc="-1" strike="noStrike">
+              <a:solidFill>
+                <a:srgbClr val="ffffff"/>
+              </a:solidFill>
+              <a:latin typeface="Arial"/>
+            </a:endParaRPr>
+          </a:p>
+        </p:txBody>
+      </p:sp>
     </p:spTree>
   </p:cSld>
   <mc:AlternateContent>
@@ -11057,7 +11902,7 @@
       </p:grpSpPr>
       <p:sp>
         <p:nvSpPr>
-          <p:cNvPr id="213" name="TextShape 1"/>
+          <p:cNvPr id="214" name="TextShape 1"/>
           <p:cNvSpPr txBox="1"/>
           <p:nvPr/>
         </p:nvSpPr>
@@ -11100,7 +11945,7 @@
       </p:sp>
       <p:sp>
         <p:nvSpPr>
-          <p:cNvPr id="214" name="TextShape 2"/>
+          <p:cNvPr id="215" name="TextShape 2"/>
           <p:cNvSpPr txBox="1"/>
           <p:nvPr/>
         </p:nvSpPr>
@@ -11259,6 +12104,97 @@
                 <a:srgbClr val="ffffff"/>
               </a:solidFill>
               <a:latin typeface="Arial"/>
+            </a:endParaRPr>
+          </a:p>
+        </p:txBody>
+      </p:sp>
+    </p:spTree>
+  </p:cSld>
+  <mc:AlternateContent>
+    <mc:Choice Requires="p14">
+      <p:transition spd="slow" p14:dur="2000"/>
+    </mc:Choice>
+    <mc:Fallback>
+      <p:transition spd="slow"/>
+    </mc:Fallback>
+  </mc:AlternateContent>
+</p:sld>
+</file>
+
+<file path=ppt/slides/slide20.xml><?xml version="1.0" encoding="utf-8"?>
+<p:sld xmlns:a="http://schemas.openxmlformats.org/drawingml/2006/main" xmlns:p="http://schemas.openxmlformats.org/presentationml/2006/main" xmlns:r="http://schemas.openxmlformats.org/officeDocument/2006/relationships" xmlns:p14="http://schemas.microsoft.com/office/powerpoint/2010/main" xmlns:p15="http://schemas.microsoft.com/office/powerpoint/2012/main" xmlns:mc="http://schemas.openxmlformats.org/markup-compatibility/2006">
+  <p:cSld>
+    <p:spTree>
+      <p:nvGrpSpPr>
+        <p:cNvPr id="1" name=""/>
+        <p:cNvGrpSpPr/>
+        <p:nvPr/>
+      </p:nvGrpSpPr>
+      <p:grpSpPr>
+        <a:xfrm>
+          <a:off x="0" y="0"/>
+          <a:ext cx="0" cy="0"/>
+          <a:chOff x="0" y="0"/>
+          <a:chExt cx="0" cy="0"/>
+        </a:xfrm>
+      </p:grpSpPr>
+      <p:sp>
+        <p:nvSpPr>
+          <p:cNvPr id="262" name="TextShape 1"/>
+          <p:cNvSpPr txBox="1"/>
+          <p:nvPr/>
+        </p:nvSpPr>
+        <p:spPr>
+          <a:xfrm>
+            <a:off x="3243960" y="1936440"/>
+            <a:ext cx="3600000" cy="1800000"/>
+          </a:xfrm>
+          <a:prstGeom prst="rect">
+            <a:avLst/>
+          </a:prstGeom>
+          <a:effectLst>
+            <a:outerShdw dist="152735" dir="2700000">
+              <a:srgbClr val="868686"/>
+            </a:outerShdw>
+          </a:effectLst>
+        </p:spPr>
+        <p:txBody>
+          <a:bodyPr lIns="90000" rIns="90000" tIns="46800" bIns="46800" anchor="ctr" anchorCtr="1">
+            <a:prstTxWarp prst="textSlantUp">
+              <a:avLst>
+                <a:gd name="adj" fmla="val 55556"/>
+              </a:avLst>
+            </a:prstTxWarp>
+            <a:noAutofit/>
+          </a:bodyPr>
+          <a:p>
+            <a:pPr>
+              <a:lnSpc>
+                <a:spcPct val="100000"/>
+              </a:lnSpc>
+            </a:pPr>
+            <a:r>
+              <a:rPr b="0" lang="en-US" sz="2400" spc="-1" strike="noStrike">
+                <a:solidFill>
+                  <a:srgbClr val="000000"/>
+                </a:solidFill>
+                <a:latin typeface="Arial Black"/>
+                <a:ea typeface="MS Gothic"/>
+              </a:rPr>
+              <a:t>THANK YOU</a:t>
+            </a:r>
+            <a:endParaRPr b="0" lang="en-US" sz="2400" spc="-1" strike="noStrike">
+              <a:latin typeface="Times New Roman"/>
+            </a:endParaRPr>
+          </a:p>
+          <a:p>
+            <a:pPr>
+              <a:lnSpc>
+                <a:spcPct val="100000"/>
+              </a:lnSpc>
+            </a:pPr>
+            <a:endParaRPr b="0" lang="en-US" sz="2400" spc="-1" strike="noStrike">
+              <a:latin typeface="Times New Roman"/>
             </a:endParaRPr>
           </a:p>
         </p:txBody>
@@ -11295,7 +12231,7 @@
       </p:grpSpPr>
       <p:sp>
         <p:nvSpPr>
-          <p:cNvPr id="215" name="TextShape 1"/>
+          <p:cNvPr id="216" name="TextShape 1"/>
           <p:cNvSpPr txBox="1"/>
           <p:nvPr/>
         </p:nvSpPr>
@@ -11338,7 +12274,7 @@
       </p:sp>
       <p:sp>
         <p:nvSpPr>
-          <p:cNvPr id="216" name="TextShape 2"/>
+          <p:cNvPr id="217" name="TextShape 2"/>
           <p:cNvSpPr txBox="1"/>
           <p:nvPr/>
         </p:nvSpPr>
@@ -11552,7 +12488,7 @@
       </p:grpSpPr>
       <p:sp>
         <p:nvSpPr>
-          <p:cNvPr id="217" name="TextShape 1"/>
+          <p:cNvPr id="218" name="TextShape 1"/>
           <p:cNvSpPr txBox="1"/>
           <p:nvPr/>
         </p:nvSpPr>
@@ -11595,7 +12531,7 @@
       </p:sp>
       <p:sp>
         <p:nvSpPr>
-          <p:cNvPr id="218" name="TextShape 2"/>
+          <p:cNvPr id="219" name="TextShape 2"/>
           <p:cNvSpPr txBox="1"/>
           <p:nvPr/>
         </p:nvSpPr>
@@ -11762,7 +12698,7 @@
       </p:grpSpPr>
       <p:sp>
         <p:nvSpPr>
-          <p:cNvPr id="219" name="TextShape 1"/>
+          <p:cNvPr id="220" name="TextShape 1"/>
           <p:cNvSpPr txBox="1"/>
           <p:nvPr/>
         </p:nvSpPr>
@@ -11805,7 +12741,7 @@
       </p:sp>
       <p:pic>
         <p:nvPicPr>
-          <p:cNvPr id="220" name="" descr=""/>
+          <p:cNvPr id="221" name="" descr=""/>
           <p:cNvPicPr/>
           <p:nvPr/>
         </p:nvPicPr>
@@ -11828,7 +12764,7 @@
       </p:pic>
       <p:pic>
         <p:nvPicPr>
-          <p:cNvPr id="221" name="" descr=""/>
+          <p:cNvPr id="222" name="" descr=""/>
           <p:cNvPicPr/>
           <p:nvPr/>
         </p:nvPicPr>
@@ -11851,7 +12787,7 @@
       </p:pic>
       <p:pic>
         <p:nvPicPr>
-          <p:cNvPr id="222" name="" descr=""/>
+          <p:cNvPr id="223" name="" descr=""/>
           <p:cNvPicPr/>
           <p:nvPr/>
         </p:nvPicPr>
@@ -11904,7 +12840,7 @@
       </p:grpSpPr>
       <p:sp>
         <p:nvSpPr>
-          <p:cNvPr id="223" name="TextShape 1"/>
+          <p:cNvPr id="224" name="TextShape 1"/>
           <p:cNvSpPr txBox="1"/>
           <p:nvPr/>
         </p:nvSpPr>
@@ -11947,7 +12883,7 @@
       </p:sp>
       <p:pic>
         <p:nvPicPr>
-          <p:cNvPr id="224" name="" descr=""/>
+          <p:cNvPr id="225" name="" descr=""/>
           <p:cNvPicPr/>
           <p:nvPr/>
         </p:nvPicPr>
@@ -12000,7 +12936,7 @@
       </p:grpSpPr>
       <p:sp>
         <p:nvSpPr>
-          <p:cNvPr id="225" name="TextShape 1"/>
+          <p:cNvPr id="226" name="TextShape 1"/>
           <p:cNvSpPr txBox="1"/>
           <p:nvPr/>
         </p:nvSpPr>
@@ -12043,7 +12979,7 @@
       </p:sp>
       <p:sp>
         <p:nvSpPr>
-          <p:cNvPr id="226" name="TextShape 2"/>
+          <p:cNvPr id="227" name="TextShape 2"/>
           <p:cNvSpPr txBox="1"/>
           <p:nvPr/>
         </p:nvSpPr>
@@ -12257,7 +13193,7 @@
       </p:grpSpPr>
       <p:sp>
         <p:nvSpPr>
-          <p:cNvPr id="227" name="TextShape 1"/>
+          <p:cNvPr id="228" name="TextShape 1"/>
           <p:cNvSpPr txBox="1"/>
           <p:nvPr/>
         </p:nvSpPr>
@@ -12300,7 +13236,7 @@
       </p:sp>
       <p:pic>
         <p:nvPicPr>
-          <p:cNvPr id="228" name="" descr=""/>
+          <p:cNvPr id="229" name="" descr=""/>
           <p:cNvPicPr/>
           <p:nvPr/>
         </p:nvPicPr>
@@ -12323,7 +13259,7 @@
       </p:pic>
       <p:pic>
         <p:nvPicPr>
-          <p:cNvPr id="229" name="" descr=""/>
+          <p:cNvPr id="230" name="" descr=""/>
           <p:cNvPicPr/>
           <p:nvPr/>
         </p:nvPicPr>
@@ -12376,7 +13312,7 @@
       </p:grpSpPr>
       <p:sp>
         <p:nvSpPr>
-          <p:cNvPr id="230" name="TextShape 1"/>
+          <p:cNvPr id="231" name="TextShape 1"/>
           <p:cNvSpPr txBox="1"/>
           <p:nvPr/>
         </p:nvSpPr>
@@ -12418,7 +13354,7 @@
       </p:sp>
       <p:pic>
         <p:nvPicPr>
-          <p:cNvPr id="231" name="" descr=""/>
+          <p:cNvPr id="232" name="" descr=""/>
           <p:cNvPicPr/>
           <p:nvPr/>
         </p:nvPicPr>
